--- a/Materials/figures manually created/Fig. 2.pptx
+++ b/Materials/figures manually created/Fig. 2.pptx
@@ -209,7 +209,7 @@
           <a:p>
             <a:fld id="{77C10B95-DE72-CA42-8E03-6337D8532236}" type="datetimeFigureOut">
               <a:rPr lang="de-DE" smtClean="0"/>
-              <a:t>06.08.2024</a:t>
+              <a:t>12.09.2024</a:t>
             </a:fld>
             <a:endParaRPr lang="de-DE"/>
           </a:p>
@@ -707,7 +707,7 @@
           <a:p>
             <a:fld id="{24188342-571A-6841-AC1D-E620118845AD}" type="datetimeFigureOut">
               <a:rPr lang="en-US" smtClean="0"/>
-              <a:t>8/6/2024</a:t>
+              <a:t>9/12/2024</a:t>
             </a:fld>
             <a:endParaRPr lang="en-US"/>
           </a:p>
@@ -905,7 +905,7 @@
           <a:p>
             <a:fld id="{24188342-571A-6841-AC1D-E620118845AD}" type="datetimeFigureOut">
               <a:rPr lang="en-US" smtClean="0"/>
-              <a:t>8/6/2024</a:t>
+              <a:t>9/12/2024</a:t>
             </a:fld>
             <a:endParaRPr lang="en-US"/>
           </a:p>
@@ -1113,7 +1113,7 @@
           <a:p>
             <a:fld id="{24188342-571A-6841-AC1D-E620118845AD}" type="datetimeFigureOut">
               <a:rPr lang="en-US" smtClean="0"/>
-              <a:t>8/6/2024</a:t>
+              <a:t>9/12/2024</a:t>
             </a:fld>
             <a:endParaRPr lang="en-US"/>
           </a:p>
@@ -1311,7 +1311,7 @@
           <a:p>
             <a:fld id="{24188342-571A-6841-AC1D-E620118845AD}" type="datetimeFigureOut">
               <a:rPr lang="en-US" smtClean="0"/>
-              <a:t>8/6/2024</a:t>
+              <a:t>9/12/2024</a:t>
             </a:fld>
             <a:endParaRPr lang="en-US"/>
           </a:p>
@@ -1586,7 +1586,7 @@
           <a:p>
             <a:fld id="{24188342-571A-6841-AC1D-E620118845AD}" type="datetimeFigureOut">
               <a:rPr lang="en-US" smtClean="0"/>
-              <a:t>8/6/2024</a:t>
+              <a:t>9/12/2024</a:t>
             </a:fld>
             <a:endParaRPr lang="en-US"/>
           </a:p>
@@ -1851,7 +1851,7 @@
           <a:p>
             <a:fld id="{24188342-571A-6841-AC1D-E620118845AD}" type="datetimeFigureOut">
               <a:rPr lang="en-US" smtClean="0"/>
-              <a:t>8/6/2024</a:t>
+              <a:t>9/12/2024</a:t>
             </a:fld>
             <a:endParaRPr lang="en-US"/>
           </a:p>
@@ -2263,7 +2263,7 @@
           <a:p>
             <a:fld id="{24188342-571A-6841-AC1D-E620118845AD}" type="datetimeFigureOut">
               <a:rPr lang="en-US" smtClean="0"/>
-              <a:t>8/6/2024</a:t>
+              <a:t>9/12/2024</a:t>
             </a:fld>
             <a:endParaRPr lang="en-US"/>
           </a:p>
@@ -2404,7 +2404,7 @@
           <a:p>
             <a:fld id="{24188342-571A-6841-AC1D-E620118845AD}" type="datetimeFigureOut">
               <a:rPr lang="en-US" smtClean="0"/>
-              <a:t>8/6/2024</a:t>
+              <a:t>9/12/2024</a:t>
             </a:fld>
             <a:endParaRPr lang="en-US"/>
           </a:p>
@@ -2517,7 +2517,7 @@
           <a:p>
             <a:fld id="{24188342-571A-6841-AC1D-E620118845AD}" type="datetimeFigureOut">
               <a:rPr lang="en-US" smtClean="0"/>
-              <a:t>8/6/2024</a:t>
+              <a:t>9/12/2024</a:t>
             </a:fld>
             <a:endParaRPr lang="en-US"/>
           </a:p>
@@ -2828,7 +2828,7 @@
           <a:p>
             <a:fld id="{24188342-571A-6841-AC1D-E620118845AD}" type="datetimeFigureOut">
               <a:rPr lang="en-US" smtClean="0"/>
-              <a:t>8/6/2024</a:t>
+              <a:t>9/12/2024</a:t>
             </a:fld>
             <a:endParaRPr lang="en-US"/>
           </a:p>
@@ -3116,7 +3116,7 @@
           <a:p>
             <a:fld id="{24188342-571A-6841-AC1D-E620118845AD}" type="datetimeFigureOut">
               <a:rPr lang="en-US" smtClean="0"/>
-              <a:t>8/6/2024</a:t>
+              <a:t>9/12/2024</a:t>
             </a:fld>
             <a:endParaRPr lang="en-US"/>
           </a:p>
@@ -3357,7 +3357,7 @@
           <a:p>
             <a:fld id="{24188342-571A-6841-AC1D-E620118845AD}" type="datetimeFigureOut">
               <a:rPr lang="en-US" smtClean="0"/>
-              <a:t>8/6/2024</a:t>
+              <a:t>9/12/2024</a:t>
             </a:fld>
             <a:endParaRPr lang="en-US"/>
           </a:p>
@@ -3776,10 +3776,10 @@
       </p:grpSpPr>
       <p:pic>
         <p:nvPicPr>
-          <p:cNvPr id="11" name="Grafik 10">
-            <a:extLst>
-              <a:ext uri="{FF2B5EF4-FFF2-40B4-BE49-F238E27FC236}">
-                <a16:creationId xmlns:a16="http://schemas.microsoft.com/office/drawing/2014/main" id="{EF9824B0-163B-43F5-9E20-26E63A2580FC}"/>
+          <p:cNvPr id="6" name="Grafik 5">
+            <a:extLst>
+              <a:ext uri="{FF2B5EF4-FFF2-40B4-BE49-F238E27FC236}">
+                <a16:creationId xmlns:a16="http://schemas.microsoft.com/office/drawing/2014/main" id="{63B5D099-7792-4838-8F01-D7CBF8DDD5B1}"/>
               </a:ext>
             </a:extLst>
           </p:cNvPr>
@@ -3796,61 +3796,31 @@
         </p:blipFill>
         <p:spPr>
           <a:xfrm>
-            <a:off x="0" y="2088134"/>
-            <a:ext cx="6256960" cy="4428297"/>
+            <a:off x="5781269" y="3143270"/>
+            <a:ext cx="6232851" cy="3521213"/>
           </a:xfrm>
           <a:prstGeom prst="rect">
             <a:avLst/>
           </a:prstGeom>
         </p:spPr>
       </p:pic>
-      <p:pic>
-        <p:nvPicPr>
-          <p:cNvPr id="3" name="Grafik 2">
-            <a:extLst>
-              <a:ext uri="{FF2B5EF4-FFF2-40B4-BE49-F238E27FC236}">
-                <a16:creationId xmlns:a16="http://schemas.microsoft.com/office/drawing/2014/main" id="{867FB195-921A-4224-9C7E-B1DC62F2C977}"/>
-              </a:ext>
-            </a:extLst>
-          </p:cNvPr>
-          <p:cNvPicPr>
-            <a:picLocks noChangeAspect="1"/>
-          </p:cNvPicPr>
+      <p:sp>
+        <p:nvSpPr>
+          <p:cNvPr id="26" name="Rechteck: abgerundete Ecken 4">
+            <a:extLst>
+              <a:ext uri="{FF2B5EF4-FFF2-40B4-BE49-F238E27FC236}">
+                <a16:creationId xmlns:a16="http://schemas.microsoft.com/office/drawing/2014/main" id="{1A36FC5E-F071-4055-AAD7-44A38FE934E0}"/>
+              </a:ext>
+            </a:extLst>
+          </p:cNvPr>
+          <p:cNvSpPr txBox="1">
+            <a:spLocks/>
+          </p:cNvSpPr>
           <p:nvPr/>
-        </p:nvPicPr>
-        <p:blipFill>
-          <a:blip r:embed="rId4"/>
-          <a:stretch>
-            <a:fillRect/>
-          </a:stretch>
-        </p:blipFill>
+        </p:nvSpPr>
         <p:spPr>
           <a:xfrm>
-            <a:off x="6256960" y="2369976"/>
-            <a:ext cx="5680647" cy="3864611"/>
-          </a:xfrm>
-          <a:prstGeom prst="rect">
-            <a:avLst/>
-          </a:prstGeom>
-        </p:spPr>
-      </p:pic>
-      <p:sp>
-        <p:nvSpPr>
-          <p:cNvPr id="26" name="Rechteck: abgerundete Ecken 4">
-            <a:extLst>
-              <a:ext uri="{FF2B5EF4-FFF2-40B4-BE49-F238E27FC236}">
-                <a16:creationId xmlns:a16="http://schemas.microsoft.com/office/drawing/2014/main" id="{1A36FC5E-F071-4055-AAD7-44A38FE934E0}"/>
-              </a:ext>
-            </a:extLst>
-          </p:cNvPr>
-          <p:cNvSpPr txBox="1">
-            <a:spLocks/>
-          </p:cNvSpPr>
-          <p:nvPr/>
-        </p:nvSpPr>
-        <p:spPr>
-          <a:xfrm>
-            <a:off x="3037861" y="630615"/>
+            <a:off x="3158206" y="649576"/>
             <a:ext cx="1296693" cy="715513"/>
           </a:xfrm>
           <a:prstGeom prst="roundRect">
@@ -4077,8 +4047,8 @@
         </p:nvCxnSpPr>
         <p:spPr>
           <a:xfrm flipV="1">
-            <a:off x="4334554" y="524133"/>
-            <a:ext cx="1579348" cy="464239"/>
+            <a:off x="4454899" y="642756"/>
+            <a:ext cx="1326369" cy="364577"/>
           </a:xfrm>
           <a:prstGeom prst="straightConnector1">
             <a:avLst/>
@@ -4121,7 +4091,7 @@
         </p:nvSpPr>
         <p:spPr>
           <a:xfrm>
-            <a:off x="8761932" y="672078"/>
+            <a:off x="8245653" y="649576"/>
             <a:ext cx="1296693" cy="715513"/>
           </a:xfrm>
           <a:prstGeom prst="roundRect">
@@ -4449,7 +4419,7 @@
         <p:spPr>
           <a:xfrm>
             <a:off x="1602886" y="524132"/>
-            <a:ext cx="1434975" cy="464240"/>
+            <a:ext cx="1555320" cy="483201"/>
           </a:xfrm>
           <a:prstGeom prst="straightConnector1">
             <a:avLst/>
@@ -4494,8 +4464,8 @@
         </p:nvCxnSpPr>
         <p:spPr>
           <a:xfrm flipV="1">
-            <a:off x="1595095" y="988372"/>
-            <a:ext cx="1442766" cy="478543"/>
+            <a:off x="1595095" y="1007333"/>
+            <a:ext cx="1563111" cy="459582"/>
           </a:xfrm>
           <a:prstGeom prst="straightConnector1">
             <a:avLst/>
@@ -4536,7 +4506,7 @@
         </p:nvSpPr>
         <p:spPr>
           <a:xfrm>
-            <a:off x="5938508" y="1029835"/>
+            <a:off x="5805874" y="1148458"/>
             <a:ext cx="1236285" cy="874162"/>
           </a:xfrm>
           <a:prstGeom prst="ellipse">
@@ -4586,7 +4556,7 @@
         </p:nvSpPr>
         <p:spPr>
           <a:xfrm>
-            <a:off x="5913902" y="79008"/>
+            <a:off x="5781268" y="197631"/>
             <a:ext cx="1268682" cy="890249"/>
           </a:xfrm>
           <a:prstGeom prst="ellipse">
@@ -4640,8 +4610,8 @@
         </p:nvCxnSpPr>
         <p:spPr>
           <a:xfrm>
-            <a:off x="4334554" y="988372"/>
-            <a:ext cx="1603954" cy="478544"/>
+            <a:off x="4454899" y="1007333"/>
+            <a:ext cx="1350975" cy="578206"/>
           </a:xfrm>
           <a:prstGeom prst="straightConnector1">
             <a:avLst/>
@@ -4686,8 +4656,8 @@
         </p:nvCxnSpPr>
         <p:spPr>
           <a:xfrm flipV="1">
-            <a:off x="7174793" y="1029835"/>
-            <a:ext cx="1587139" cy="437081"/>
+            <a:off x="7042159" y="1007333"/>
+            <a:ext cx="1203494" cy="578206"/>
           </a:xfrm>
           <a:prstGeom prst="straightConnector1">
             <a:avLst/>
@@ -4732,8 +4702,8 @@
         </p:nvCxnSpPr>
         <p:spPr>
           <a:xfrm>
-            <a:off x="7182584" y="524133"/>
-            <a:ext cx="1579348" cy="505702"/>
+            <a:off x="7049950" y="642756"/>
+            <a:ext cx="1195703" cy="364577"/>
           </a:xfrm>
           <a:prstGeom prst="straightConnector1">
             <a:avLst/>
@@ -4762,10 +4732,10 @@
       </p:cxnSp>
       <p:sp>
         <p:nvSpPr>
-          <p:cNvPr id="51" name="Rechteck 50">
-            <a:extLst>
-              <a:ext uri="{FF2B5EF4-FFF2-40B4-BE49-F238E27FC236}">
-                <a16:creationId xmlns:a16="http://schemas.microsoft.com/office/drawing/2014/main" id="{B04C7604-40B0-4F8D-BBC3-50917B0CF64F}"/>
+          <p:cNvPr id="52" name="Rechteck 51">
+            <a:extLst>
+              <a:ext uri="{FF2B5EF4-FFF2-40B4-BE49-F238E27FC236}">
+                <a16:creationId xmlns:a16="http://schemas.microsoft.com/office/drawing/2014/main" id="{79726803-CFD6-4E59-B15D-C7AC4F0ADEE7}"/>
               </a:ext>
             </a:extLst>
           </p:cNvPr>
@@ -4774,8 +4744,8 @@
         </p:nvSpPr>
         <p:spPr>
           <a:xfrm>
-            <a:off x="8858250" y="4903231"/>
-            <a:ext cx="819150" cy="506969"/>
+            <a:off x="5781268" y="4028624"/>
+            <a:ext cx="682063" cy="478545"/>
           </a:xfrm>
           <a:prstGeom prst="rect">
             <a:avLst/>
@@ -4783,7 +4753,7 @@
           <a:noFill/>
           <a:ln w="38100">
             <a:solidFill>
-              <a:srgbClr val="FF0000"/>
+              <a:srgbClr val="0070C0"/>
             </a:solidFill>
             <a:prstDash val="dash"/>
           </a:ln>
@@ -4815,10 +4785,10 @@
       </p:sp>
       <p:sp>
         <p:nvSpPr>
-          <p:cNvPr id="52" name="Rechteck 51">
-            <a:extLst>
-              <a:ext uri="{FF2B5EF4-FFF2-40B4-BE49-F238E27FC236}">
-                <a16:creationId xmlns:a16="http://schemas.microsoft.com/office/drawing/2014/main" id="{79726803-CFD6-4E59-B15D-C7AC4F0ADEE7}"/>
+          <p:cNvPr id="53" name="Rechteck 52">
+            <a:extLst>
+              <a:ext uri="{FF2B5EF4-FFF2-40B4-BE49-F238E27FC236}">
+                <a16:creationId xmlns:a16="http://schemas.microsoft.com/office/drawing/2014/main" id="{962F0508-39D6-4538-97B9-AA75E6B5F319}"/>
               </a:ext>
             </a:extLst>
           </p:cNvPr>
@@ -4827,8 +4797,235 @@
         </p:nvSpPr>
         <p:spPr>
           <a:xfrm>
-            <a:off x="11118457" y="5236606"/>
-            <a:ext cx="819150" cy="506969"/>
+            <a:off x="6463331" y="2648207"/>
+            <a:ext cx="1658418" cy="465979"/>
+          </a:xfrm>
+          <a:prstGeom prst="rect">
+            <a:avLst/>
+          </a:prstGeom>
+          <a:solidFill>
+            <a:srgbClr val="0070C0"/>
+          </a:solidFill>
+        </p:spPr>
+        <p:style>
+          <a:lnRef idx="2">
+            <a:schemeClr val="accent3">
+              <a:shade val="50000"/>
+            </a:schemeClr>
+          </a:lnRef>
+          <a:fillRef idx="1">
+            <a:schemeClr val="accent3"/>
+          </a:fillRef>
+          <a:effectRef idx="0">
+            <a:schemeClr val="accent3"/>
+          </a:effectRef>
+          <a:fontRef idx="minor">
+            <a:schemeClr val="lt1"/>
+          </a:fontRef>
+        </p:style>
+        <p:txBody>
+          <a:bodyPr rtlCol="0" anchor="ctr"/>
+          <a:lstStyle/>
+          <a:p>
+            <a:pPr algn="ctr"/>
+            <a:r>
+              <a:rPr lang="en-US" dirty="0"/>
+              <a:t>“new” (N)</a:t>
+            </a:r>
+          </a:p>
+        </p:txBody>
+      </p:sp>
+      <p:cxnSp>
+        <p:nvCxnSpPr>
+          <p:cNvPr id="55" name="Gerader Verbinder 54">
+            <a:extLst>
+              <a:ext uri="{FF2B5EF4-FFF2-40B4-BE49-F238E27FC236}">
+                <a16:creationId xmlns:a16="http://schemas.microsoft.com/office/drawing/2014/main" id="{8C71BA1B-401D-404B-84E1-93F869A77557}"/>
+              </a:ext>
+            </a:extLst>
+          </p:cNvPr>
+          <p:cNvCxnSpPr>
+            <a:cxnSpLocks/>
+            <a:stCxn id="54" idx="0"/>
+            <a:endCxn id="53" idx="2"/>
+          </p:cNvCxnSpPr>
+          <p:nvPr/>
+        </p:nvCxnSpPr>
+        <p:spPr>
+          <a:xfrm flipH="1" flipV="1">
+            <a:off x="7292540" y="3114186"/>
+            <a:ext cx="2151976" cy="43391"/>
+          </a:xfrm>
+          <a:prstGeom prst="line">
+            <a:avLst/>
+          </a:prstGeom>
+          <a:ln w="28575">
+            <a:solidFill>
+              <a:srgbClr val="0070C0"/>
+            </a:solidFill>
+          </a:ln>
+        </p:spPr>
+        <p:style>
+          <a:lnRef idx="2">
+            <a:schemeClr val="accent3"/>
+          </a:lnRef>
+          <a:fillRef idx="0">
+            <a:schemeClr val="accent3"/>
+          </a:fillRef>
+          <a:effectRef idx="1">
+            <a:schemeClr val="accent3"/>
+          </a:effectRef>
+          <a:fontRef idx="minor">
+            <a:schemeClr val="tx1"/>
+          </a:fontRef>
+        </p:style>
+      </p:cxnSp>
+      <p:cxnSp>
+        <p:nvCxnSpPr>
+          <p:cNvPr id="57" name="Gerader Verbinder 56">
+            <a:extLst>
+              <a:ext uri="{FF2B5EF4-FFF2-40B4-BE49-F238E27FC236}">
+                <a16:creationId xmlns:a16="http://schemas.microsoft.com/office/drawing/2014/main" id="{EA9CDD8B-07FF-4BDE-942E-86B56EDAB44F}"/>
+              </a:ext>
+            </a:extLst>
+          </p:cNvPr>
+          <p:cNvCxnSpPr>
+            <a:cxnSpLocks/>
+            <a:stCxn id="52" idx="0"/>
+            <a:endCxn id="53" idx="2"/>
+          </p:cNvCxnSpPr>
+          <p:nvPr/>
+        </p:nvCxnSpPr>
+        <p:spPr>
+          <a:xfrm flipV="1">
+            <a:off x="6122300" y="3114186"/>
+            <a:ext cx="1170240" cy="914438"/>
+          </a:xfrm>
+          <a:prstGeom prst="line">
+            <a:avLst/>
+          </a:prstGeom>
+          <a:ln w="28575">
+            <a:solidFill>
+              <a:srgbClr val="0070C0"/>
+            </a:solidFill>
+          </a:ln>
+        </p:spPr>
+        <p:style>
+          <a:lnRef idx="2">
+            <a:schemeClr val="accent3"/>
+          </a:lnRef>
+          <a:fillRef idx="0">
+            <a:schemeClr val="accent3"/>
+          </a:fillRef>
+          <a:effectRef idx="1">
+            <a:schemeClr val="accent3"/>
+          </a:effectRef>
+          <a:fontRef idx="minor">
+            <a:schemeClr val="tx1"/>
+          </a:fontRef>
+        </p:style>
+      </p:cxnSp>
+      <p:sp>
+        <p:nvSpPr>
+          <p:cNvPr id="32" name="Rechteck 31">
+            <a:extLst>
+              <a:ext uri="{FF2B5EF4-FFF2-40B4-BE49-F238E27FC236}">
+                <a16:creationId xmlns:a16="http://schemas.microsoft.com/office/drawing/2014/main" id="{85957B42-83F4-4054-BB27-68C00CC0915E}"/>
+              </a:ext>
+            </a:extLst>
+          </p:cNvPr>
+          <p:cNvSpPr/>
+          <p:nvPr/>
+        </p:nvSpPr>
+        <p:spPr>
+          <a:xfrm>
+            <a:off x="2684921" y="2646568"/>
+            <a:ext cx="1658418" cy="465979"/>
+          </a:xfrm>
+          <a:prstGeom prst="rect">
+            <a:avLst/>
+          </a:prstGeom>
+          <a:solidFill>
+            <a:schemeClr val="accent2">
+              <a:lumMod val="60000"/>
+              <a:lumOff val="40000"/>
+            </a:schemeClr>
+          </a:solidFill>
+        </p:spPr>
+        <p:style>
+          <a:lnRef idx="2">
+            <a:schemeClr val="accent3">
+              <a:shade val="50000"/>
+            </a:schemeClr>
+          </a:lnRef>
+          <a:fillRef idx="1">
+            <a:schemeClr val="accent3"/>
+          </a:fillRef>
+          <a:effectRef idx="0">
+            <a:schemeClr val="accent3"/>
+          </a:effectRef>
+          <a:fontRef idx="minor">
+            <a:schemeClr val="lt1"/>
+          </a:fontRef>
+        </p:style>
+        <p:txBody>
+          <a:bodyPr rtlCol="0" anchor="ctr"/>
+          <a:lstStyle/>
+          <a:p>
+            <a:pPr algn="ctr"/>
+            <a:r>
+              <a:rPr lang="en-US" dirty="0"/>
+              <a:t>“deleted” (D)</a:t>
+            </a:r>
+          </a:p>
+        </p:txBody>
+      </p:sp>
+      <p:pic>
+        <p:nvPicPr>
+          <p:cNvPr id="4" name="Grafik 3">
+            <a:extLst>
+              <a:ext uri="{FF2B5EF4-FFF2-40B4-BE49-F238E27FC236}">
+                <a16:creationId xmlns:a16="http://schemas.microsoft.com/office/drawing/2014/main" id="{C7F549DE-94A2-4397-9ACD-372825A2A14A}"/>
+              </a:ext>
+            </a:extLst>
+          </p:cNvPr>
+          <p:cNvPicPr>
+            <a:picLocks noChangeAspect="1"/>
+          </p:cNvPicPr>
+          <p:nvPr/>
+        </p:nvPicPr>
+        <p:blipFill>
+          <a:blip r:embed="rId4"/>
+          <a:stretch>
+            <a:fillRect/>
+          </a:stretch>
+        </p:blipFill>
+        <p:spPr>
+          <a:xfrm>
+            <a:off x="-25519" y="3429000"/>
+            <a:ext cx="5747184" cy="3048811"/>
+          </a:xfrm>
+          <a:prstGeom prst="rect">
+            <a:avLst/>
+          </a:prstGeom>
+        </p:spPr>
+      </p:pic>
+      <p:sp>
+        <p:nvSpPr>
+          <p:cNvPr id="54" name="Rechteck 53">
+            <a:extLst>
+              <a:ext uri="{FF2B5EF4-FFF2-40B4-BE49-F238E27FC236}">
+                <a16:creationId xmlns:a16="http://schemas.microsoft.com/office/drawing/2014/main" id="{F9840738-4135-43E0-911C-39A788D52C37}"/>
+              </a:ext>
+            </a:extLst>
+          </p:cNvPr>
+          <p:cNvSpPr/>
+          <p:nvPr/>
+        </p:nvSpPr>
+        <p:spPr>
+          <a:xfrm>
+            <a:off x="9103484" y="3157577"/>
+            <a:ext cx="682063" cy="478545"/>
           </a:xfrm>
           <a:prstGeom prst="rect">
             <a:avLst/>
@@ -4836,7 +5033,7 @@
           <a:noFill/>
           <a:ln w="38100">
             <a:solidFill>
-              <a:srgbClr val="FF0000"/>
+              <a:srgbClr val="0070C0"/>
             </a:solidFill>
             <a:prstDash val="dash"/>
           </a:ln>
@@ -4868,10 +5065,10 @@
       </p:sp>
       <p:sp>
         <p:nvSpPr>
-          <p:cNvPr id="53" name="Rechteck 52">
-            <a:extLst>
-              <a:ext uri="{FF2B5EF4-FFF2-40B4-BE49-F238E27FC236}">
-                <a16:creationId xmlns:a16="http://schemas.microsoft.com/office/drawing/2014/main" id="{962F0508-39D6-4538-97B9-AA75E6B5F319}"/>
+          <p:cNvPr id="56" name="Rechteck 55">
+            <a:extLst>
+              <a:ext uri="{FF2B5EF4-FFF2-40B4-BE49-F238E27FC236}">
+                <a16:creationId xmlns:a16="http://schemas.microsoft.com/office/drawing/2014/main" id="{AF536EAA-B8AC-4396-B679-60CE43B7D418}"/>
               </a:ext>
             </a:extLst>
           </p:cNvPr>
@@ -4880,24 +5077,31 @@
         </p:nvSpPr>
         <p:spPr>
           <a:xfrm>
-            <a:off x="10087130" y="1786125"/>
-            <a:ext cx="1658418" cy="465979"/>
+            <a:off x="8211937" y="3319086"/>
+            <a:ext cx="682063" cy="478545"/>
           </a:xfrm>
           <a:prstGeom prst="rect">
             <a:avLst/>
           </a:prstGeom>
+          <a:noFill/>
+          <a:ln w="38100">
+            <a:solidFill>
+              <a:srgbClr val="0070C0"/>
+            </a:solidFill>
+            <a:prstDash val="dash"/>
+          </a:ln>
         </p:spPr>
         <p:style>
           <a:lnRef idx="2">
-            <a:schemeClr val="accent3">
+            <a:schemeClr val="accent1">
               <a:shade val="50000"/>
             </a:schemeClr>
           </a:lnRef>
           <a:fillRef idx="1">
-            <a:schemeClr val="accent3"/>
+            <a:schemeClr val="accent1"/>
           </a:fillRef>
           <a:effectRef idx="0">
-            <a:schemeClr val="accent3"/>
+            <a:schemeClr val="accent1"/>
           </a:effectRef>
           <a:fontRef idx="minor">
             <a:schemeClr val="lt1"/>
@@ -4908,38 +5112,198 @@
           <a:lstStyle/>
           <a:p>
             <a:pPr algn="ctr"/>
-            <a:r>
-              <a:rPr lang="en-US" dirty="0"/>
-              <a:t>“new” (N)</a:t>
-            </a:r>
+            <a:endParaRPr lang="en-US"/>
+          </a:p>
+        </p:txBody>
+      </p:sp>
+      <p:sp>
+        <p:nvSpPr>
+          <p:cNvPr id="60" name="Rechteck 59">
+            <a:extLst>
+              <a:ext uri="{FF2B5EF4-FFF2-40B4-BE49-F238E27FC236}">
+                <a16:creationId xmlns:a16="http://schemas.microsoft.com/office/drawing/2014/main" id="{E756D746-2581-4A49-98D8-DA4A45394EC7}"/>
+              </a:ext>
+            </a:extLst>
+          </p:cNvPr>
+          <p:cNvSpPr/>
+          <p:nvPr/>
+        </p:nvSpPr>
+        <p:spPr>
+          <a:xfrm>
+            <a:off x="8285510" y="4016058"/>
+            <a:ext cx="682063" cy="478545"/>
+          </a:xfrm>
+          <a:prstGeom prst="rect">
+            <a:avLst/>
+          </a:prstGeom>
+          <a:noFill/>
+          <a:ln w="38100">
+            <a:solidFill>
+              <a:srgbClr val="0070C0"/>
+            </a:solidFill>
+            <a:prstDash val="dash"/>
+          </a:ln>
+        </p:spPr>
+        <p:style>
+          <a:lnRef idx="2">
+            <a:schemeClr val="accent1">
+              <a:shade val="50000"/>
+            </a:schemeClr>
+          </a:lnRef>
+          <a:fillRef idx="1">
+            <a:schemeClr val="accent1"/>
+          </a:fillRef>
+          <a:effectRef idx="0">
+            <a:schemeClr val="accent1"/>
+          </a:effectRef>
+          <a:fontRef idx="minor">
+            <a:schemeClr val="lt1"/>
+          </a:fontRef>
+        </p:style>
+        <p:txBody>
+          <a:bodyPr rtlCol="0" anchor="ctr"/>
+          <a:lstStyle/>
+          <a:p>
+            <a:pPr algn="ctr"/>
+            <a:endParaRPr lang="en-US"/>
+          </a:p>
+        </p:txBody>
+      </p:sp>
+      <p:sp>
+        <p:nvSpPr>
+          <p:cNvPr id="61" name="Rechteck 60">
+            <a:extLst>
+              <a:ext uri="{FF2B5EF4-FFF2-40B4-BE49-F238E27FC236}">
+                <a16:creationId xmlns:a16="http://schemas.microsoft.com/office/drawing/2014/main" id="{CAD49BD5-3853-484B-BE92-153F4AE5C9D5}"/>
+              </a:ext>
+            </a:extLst>
+          </p:cNvPr>
+          <p:cNvSpPr/>
+          <p:nvPr/>
+        </p:nvSpPr>
+        <p:spPr>
+          <a:xfrm>
+            <a:off x="7474889" y="3867251"/>
+            <a:ext cx="682063" cy="478545"/>
+          </a:xfrm>
+          <a:prstGeom prst="rect">
+            <a:avLst/>
+          </a:prstGeom>
+          <a:noFill/>
+          <a:ln w="38100">
+            <a:solidFill>
+              <a:srgbClr val="0070C0"/>
+            </a:solidFill>
+            <a:prstDash val="dash"/>
+          </a:ln>
+        </p:spPr>
+        <p:style>
+          <a:lnRef idx="2">
+            <a:schemeClr val="accent1">
+              <a:shade val="50000"/>
+            </a:schemeClr>
+          </a:lnRef>
+          <a:fillRef idx="1">
+            <a:schemeClr val="accent1"/>
+          </a:fillRef>
+          <a:effectRef idx="0">
+            <a:schemeClr val="accent1"/>
+          </a:effectRef>
+          <a:fontRef idx="minor">
+            <a:schemeClr val="lt1"/>
+          </a:fontRef>
+        </p:style>
+        <p:txBody>
+          <a:bodyPr rtlCol="0" anchor="ctr"/>
+          <a:lstStyle/>
+          <a:p>
+            <a:pPr algn="ctr"/>
+            <a:endParaRPr lang="en-US"/>
+          </a:p>
+        </p:txBody>
+      </p:sp>
+      <p:sp>
+        <p:nvSpPr>
+          <p:cNvPr id="62" name="Rechteck 61">
+            <a:extLst>
+              <a:ext uri="{FF2B5EF4-FFF2-40B4-BE49-F238E27FC236}">
+                <a16:creationId xmlns:a16="http://schemas.microsoft.com/office/drawing/2014/main" id="{AC367CD6-7FC9-4F0E-BC3B-3ACF384FA369}"/>
+              </a:ext>
+            </a:extLst>
+          </p:cNvPr>
+          <p:cNvSpPr/>
+          <p:nvPr/>
+        </p:nvSpPr>
+        <p:spPr>
+          <a:xfrm>
+            <a:off x="6474224" y="5923865"/>
+            <a:ext cx="682063" cy="478545"/>
+          </a:xfrm>
+          <a:prstGeom prst="rect">
+            <a:avLst/>
+          </a:prstGeom>
+          <a:noFill/>
+          <a:ln w="38100">
+            <a:solidFill>
+              <a:srgbClr val="0070C0"/>
+            </a:solidFill>
+            <a:prstDash val="dash"/>
+          </a:ln>
+        </p:spPr>
+        <p:style>
+          <a:lnRef idx="2">
+            <a:schemeClr val="accent1">
+              <a:shade val="50000"/>
+            </a:schemeClr>
+          </a:lnRef>
+          <a:fillRef idx="1">
+            <a:schemeClr val="accent1"/>
+          </a:fillRef>
+          <a:effectRef idx="0">
+            <a:schemeClr val="accent1"/>
+          </a:effectRef>
+          <a:fontRef idx="minor">
+            <a:schemeClr val="lt1"/>
+          </a:fontRef>
+        </p:style>
+        <p:txBody>
+          <a:bodyPr rtlCol="0" anchor="ctr"/>
+          <a:lstStyle/>
+          <a:p>
+            <a:pPr algn="ctr"/>
+            <a:endParaRPr lang="en-US"/>
           </a:p>
         </p:txBody>
       </p:sp>
       <p:cxnSp>
         <p:nvCxnSpPr>
-          <p:cNvPr id="55" name="Gerader Verbinder 54">
-            <a:extLst>
-              <a:ext uri="{FF2B5EF4-FFF2-40B4-BE49-F238E27FC236}">
-                <a16:creationId xmlns:a16="http://schemas.microsoft.com/office/drawing/2014/main" id="{8C71BA1B-401D-404B-84E1-93F869A77557}"/>
+          <p:cNvPr id="63" name="Gerader Verbinder 62">
+            <a:extLst>
+              <a:ext uri="{FF2B5EF4-FFF2-40B4-BE49-F238E27FC236}">
+                <a16:creationId xmlns:a16="http://schemas.microsoft.com/office/drawing/2014/main" id="{9A003B58-8F18-4FA0-8B38-8471328C5EDD}"/>
               </a:ext>
             </a:extLst>
           </p:cNvPr>
           <p:cNvCxnSpPr>
             <a:cxnSpLocks/>
-            <a:stCxn id="51" idx="2"/>
+            <a:stCxn id="56" idx="0"/>
             <a:endCxn id="53" idx="2"/>
           </p:cNvCxnSpPr>
           <p:nvPr/>
         </p:nvCxnSpPr>
         <p:spPr>
-          <a:xfrm flipV="1">
-            <a:off x="9267825" y="2252104"/>
-            <a:ext cx="1648514" cy="3158096"/>
+          <a:xfrm flipH="1" flipV="1">
+            <a:off x="7292540" y="3114186"/>
+            <a:ext cx="1260429" cy="204900"/>
           </a:xfrm>
           <a:prstGeom prst="line">
             <a:avLst/>
           </a:prstGeom>
-          <a:ln w="28575"/>
+          <a:ln w="28575">
+            <a:solidFill>
+              <a:srgbClr val="0070C0"/>
+            </a:solidFill>
+          </a:ln>
         </p:spPr>
         <p:style>
           <a:lnRef idx="2">
@@ -4956,31 +5320,581 @@
           </a:fontRef>
         </p:style>
       </p:cxnSp>
+      <p:sp>
+        <p:nvSpPr>
+          <p:cNvPr id="65" name="Rechteck 64">
+            <a:extLst>
+              <a:ext uri="{FF2B5EF4-FFF2-40B4-BE49-F238E27FC236}">
+                <a16:creationId xmlns:a16="http://schemas.microsoft.com/office/drawing/2014/main" id="{8675E82D-E36A-416E-81F8-0ED183D0EE40}"/>
+              </a:ext>
+            </a:extLst>
+          </p:cNvPr>
+          <p:cNvSpPr/>
+          <p:nvPr/>
+        </p:nvSpPr>
+        <p:spPr>
+          <a:xfrm>
+            <a:off x="2697047" y="4003211"/>
+            <a:ext cx="640319" cy="478545"/>
+          </a:xfrm>
+          <a:prstGeom prst="rect">
+            <a:avLst/>
+          </a:prstGeom>
+          <a:noFill/>
+          <a:ln w="38100">
+            <a:solidFill>
+              <a:schemeClr val="accent2">
+                <a:lumMod val="60000"/>
+                <a:lumOff val="40000"/>
+              </a:schemeClr>
+            </a:solidFill>
+            <a:prstDash val="dash"/>
+          </a:ln>
+        </p:spPr>
+        <p:style>
+          <a:lnRef idx="2">
+            <a:schemeClr val="accent1">
+              <a:shade val="50000"/>
+            </a:schemeClr>
+          </a:lnRef>
+          <a:fillRef idx="1">
+            <a:schemeClr val="accent1"/>
+          </a:fillRef>
+          <a:effectRef idx="0">
+            <a:schemeClr val="accent1"/>
+          </a:effectRef>
+          <a:fontRef idx="minor">
+            <a:schemeClr val="lt1"/>
+          </a:fontRef>
+        </p:style>
+        <p:txBody>
+          <a:bodyPr rtlCol="0" anchor="ctr"/>
+          <a:lstStyle/>
+          <a:p>
+            <a:pPr algn="ctr"/>
+            <a:endParaRPr lang="en-US"/>
+          </a:p>
+        </p:txBody>
+      </p:sp>
+      <p:sp>
+        <p:nvSpPr>
+          <p:cNvPr id="66" name="Ellipse 65">
+            <a:extLst>
+              <a:ext uri="{FF2B5EF4-FFF2-40B4-BE49-F238E27FC236}">
+                <a16:creationId xmlns:a16="http://schemas.microsoft.com/office/drawing/2014/main" id="{0E84FCB9-09FD-4A42-892A-A4221723CA5E}"/>
+              </a:ext>
+            </a:extLst>
+          </p:cNvPr>
+          <p:cNvSpPr/>
+          <p:nvPr/>
+        </p:nvSpPr>
+        <p:spPr>
+          <a:xfrm>
+            <a:off x="11221580" y="773164"/>
+            <a:ext cx="707010" cy="715513"/>
+          </a:xfrm>
+          <a:prstGeom prst="ellipse">
+            <a:avLst/>
+          </a:prstGeom>
+          <a:solidFill>
+            <a:srgbClr val="0070C0"/>
+          </a:solidFill>
+        </p:spPr>
+        <p:style>
+          <a:lnRef idx="2">
+            <a:schemeClr val="accent1">
+              <a:shade val="50000"/>
+            </a:schemeClr>
+          </a:lnRef>
+          <a:fillRef idx="1">
+            <a:schemeClr val="accent1"/>
+          </a:fillRef>
+          <a:effectRef idx="0">
+            <a:schemeClr val="accent1"/>
+          </a:effectRef>
+          <a:fontRef idx="minor">
+            <a:schemeClr val="lt1"/>
+          </a:fontRef>
+        </p:style>
+        <p:txBody>
+          <a:bodyPr rtlCol="0" anchor="ctr"/>
+          <a:lstStyle/>
+          <a:p>
+            <a:pPr algn="ctr"/>
+            <a:r>
+              <a:rPr lang="en-US" sz="3200" dirty="0"/>
+              <a:t>N</a:t>
+            </a:r>
+          </a:p>
+        </p:txBody>
+      </p:sp>
+      <p:sp>
+        <p:nvSpPr>
+          <p:cNvPr id="67" name="Ellipse 66">
+            <a:extLst>
+              <a:ext uri="{FF2B5EF4-FFF2-40B4-BE49-F238E27FC236}">
+                <a16:creationId xmlns:a16="http://schemas.microsoft.com/office/drawing/2014/main" id="{17C69A37-F14C-4AB7-8CAD-172BDDB2A570}"/>
+              </a:ext>
+            </a:extLst>
+          </p:cNvPr>
+          <p:cNvSpPr/>
+          <p:nvPr/>
+        </p:nvSpPr>
+        <p:spPr>
+          <a:xfrm>
+            <a:off x="9704105" y="774108"/>
+            <a:ext cx="707010" cy="715513"/>
+          </a:xfrm>
+          <a:prstGeom prst="ellipse">
+            <a:avLst/>
+          </a:prstGeom>
+          <a:solidFill>
+            <a:schemeClr val="accent2">
+              <a:lumMod val="60000"/>
+              <a:lumOff val="40000"/>
+            </a:schemeClr>
+          </a:solidFill>
+        </p:spPr>
+        <p:style>
+          <a:lnRef idx="2">
+            <a:schemeClr val="accent1">
+              <a:shade val="50000"/>
+            </a:schemeClr>
+          </a:lnRef>
+          <a:fillRef idx="1">
+            <a:schemeClr val="accent1"/>
+          </a:fillRef>
+          <a:effectRef idx="0">
+            <a:schemeClr val="accent1"/>
+          </a:effectRef>
+          <a:fontRef idx="minor">
+            <a:schemeClr val="lt1"/>
+          </a:fontRef>
+        </p:style>
+        <p:txBody>
+          <a:bodyPr rtlCol="0" anchor="ctr"/>
+          <a:lstStyle/>
+          <a:p>
+            <a:pPr algn="ctr"/>
+            <a:r>
+              <a:rPr lang="en-US" sz="3200" dirty="0"/>
+              <a:t>D</a:t>
+            </a:r>
+          </a:p>
+        </p:txBody>
+      </p:sp>
+      <mc:AlternateContent xmlns:mc="http://schemas.openxmlformats.org/markup-compatibility/2006" xmlns:a14="http://schemas.microsoft.com/office/drawing/2010/main">
+        <mc:Choice Requires="a14">
+          <p:sp>
+            <p:nvSpPr>
+              <p:cNvPr id="68" name="Ellipse 67">
+                <a:extLst>
+                  <a:ext uri="{FF2B5EF4-FFF2-40B4-BE49-F238E27FC236}">
+                    <a16:creationId xmlns:a16="http://schemas.microsoft.com/office/drawing/2014/main" id="{9606A0C2-B845-4426-9785-2B6385C6BD1F}"/>
+                  </a:ext>
+                </a:extLst>
+              </p:cNvPr>
+              <p:cNvSpPr/>
+              <p:nvPr/>
+            </p:nvSpPr>
+            <p:spPr>
+              <a:xfrm>
+                <a:off x="11224052" y="1585539"/>
+                <a:ext cx="707010" cy="715513"/>
+              </a:xfrm>
+              <a:prstGeom prst="ellipse">
+                <a:avLst/>
+              </a:prstGeom>
+              <a:solidFill>
+                <a:schemeClr val="bg2">
+                  <a:lumMod val="75000"/>
+                </a:schemeClr>
+              </a:solidFill>
+            </p:spPr>
+            <p:style>
+              <a:lnRef idx="2">
+                <a:schemeClr val="accent1">
+                  <a:shade val="50000"/>
+                </a:schemeClr>
+              </a:lnRef>
+              <a:fillRef idx="1">
+                <a:schemeClr val="accent1"/>
+              </a:fillRef>
+              <a:effectRef idx="0">
+                <a:schemeClr val="accent1"/>
+              </a:effectRef>
+              <a:fontRef idx="minor">
+                <a:schemeClr val="lt1"/>
+              </a:fontRef>
+            </p:style>
+            <p:txBody>
+              <a:bodyPr rtlCol="0" anchor="ctr"/>
+              <a:lstStyle/>
+              <a:p>
+                <a:pPr algn="ctr"/>
+                <a14:m>
+                  <m:oMathPara xmlns:m="http://schemas.openxmlformats.org/officeDocument/2006/math">
+                    <m:oMathParaPr>
+                      <m:jc m:val="centerGroup"/>
+                    </m:oMathParaPr>
+                    <m:oMath xmlns:m="http://schemas.openxmlformats.org/officeDocument/2006/math">
+                      <m:sSub>
+                        <m:sSubPr>
+                          <m:ctrlPr>
+                            <a:rPr lang="en-US" sz="3200" i="1" smtClean="0">
+                              <a:latin typeface="Cambria Math" panose="02040503050406030204" pitchFamily="18" charset="0"/>
+                            </a:rPr>
+                          </m:ctrlPr>
+                        </m:sSubPr>
+                        <m:e>
+                          <m:r>
+                            <m:rPr>
+                              <m:sty m:val="p"/>
+                            </m:rPr>
+                            <a:rPr lang="de-DE" sz="3200" b="0" i="0" smtClean="0">
+                              <a:latin typeface="Cambria Math" panose="02040503050406030204" pitchFamily="18" charset="0"/>
+                            </a:rPr>
+                            <m:t>C</m:t>
+                          </m:r>
+                        </m:e>
+                        <m:sub>
+                          <m:r>
+                            <a:rPr lang="de-DE" sz="3200" b="0" i="0" smtClean="0">
+                              <a:latin typeface="Cambria Math" panose="02040503050406030204" pitchFamily="18" charset="0"/>
+                            </a:rPr>
+                            <m:t>1</m:t>
+                          </m:r>
+                        </m:sub>
+                      </m:sSub>
+                    </m:oMath>
+                  </m:oMathPara>
+                </a14:m>
+                <a:endParaRPr lang="en-US" sz="3200" dirty="0"/>
+              </a:p>
+            </p:txBody>
+          </p:sp>
+        </mc:Choice>
+        <mc:Fallback xmlns="">
+          <p:sp>
+            <p:nvSpPr>
+              <p:cNvPr id="68" name="Ellipse 67">
+                <a:extLst>
+                  <a:ext uri="{FF2B5EF4-FFF2-40B4-BE49-F238E27FC236}">
+                    <a16:creationId xmlns:a16="http://schemas.microsoft.com/office/drawing/2014/main" id="{9606A0C2-B845-4426-9785-2B6385C6BD1F}"/>
+                  </a:ext>
+                </a:extLst>
+              </p:cNvPr>
+              <p:cNvSpPr>
+                <a:spLocks noRot="1" noChangeAspect="1" noMove="1" noResize="1" noEditPoints="1" noAdjustHandles="1" noChangeArrowheads="1" noChangeShapeType="1" noTextEdit="1"/>
+              </p:cNvSpPr>
+              <p:nvPr/>
+            </p:nvSpPr>
+            <p:spPr>
+              <a:xfrm>
+                <a:off x="11224052" y="1585539"/>
+                <a:ext cx="707010" cy="715513"/>
+              </a:xfrm>
+              <a:prstGeom prst="ellipse">
+                <a:avLst/>
+              </a:prstGeom>
+              <a:blipFill>
+                <a:blip r:embed="rId5"/>
+                <a:stretch>
+                  <a:fillRect/>
+                </a:stretch>
+              </a:blipFill>
+            </p:spPr>
+            <p:txBody>
+              <a:bodyPr/>
+              <a:lstStyle/>
+              <a:p>
+                <a:r>
+                  <a:rPr lang="en-US">
+                    <a:noFill/>
+                  </a:rPr>
+                  <a:t> </a:t>
+                </a:r>
+              </a:p>
+            </p:txBody>
+          </p:sp>
+        </mc:Fallback>
+      </mc:AlternateContent>
+      <mc:AlternateContent xmlns:mc="http://schemas.openxmlformats.org/markup-compatibility/2006" xmlns:a14="http://schemas.microsoft.com/office/drawing/2010/main">
+        <mc:Choice Requires="a14">
+          <p:sp>
+            <p:nvSpPr>
+              <p:cNvPr id="69" name="Ellipse 68">
+                <a:extLst>
+                  <a:ext uri="{FF2B5EF4-FFF2-40B4-BE49-F238E27FC236}">
+                    <a16:creationId xmlns:a16="http://schemas.microsoft.com/office/drawing/2014/main" id="{DADFE31F-00F6-4DF7-9726-CF2D8DE124A6}"/>
+                  </a:ext>
+                </a:extLst>
+              </p:cNvPr>
+              <p:cNvSpPr/>
+              <p:nvPr/>
+            </p:nvSpPr>
+            <p:spPr>
+              <a:xfrm>
+                <a:off x="9747774" y="1582234"/>
+                <a:ext cx="707010" cy="715513"/>
+              </a:xfrm>
+              <a:prstGeom prst="ellipse">
+                <a:avLst/>
+              </a:prstGeom>
+              <a:solidFill>
+                <a:schemeClr val="bg2">
+                  <a:lumMod val="75000"/>
+                </a:schemeClr>
+              </a:solidFill>
+            </p:spPr>
+            <p:style>
+              <a:lnRef idx="2">
+                <a:schemeClr val="accent1">
+                  <a:shade val="50000"/>
+                </a:schemeClr>
+              </a:lnRef>
+              <a:fillRef idx="1">
+                <a:schemeClr val="accent1"/>
+              </a:fillRef>
+              <a:effectRef idx="0">
+                <a:schemeClr val="accent1"/>
+              </a:effectRef>
+              <a:fontRef idx="minor">
+                <a:schemeClr val="lt1"/>
+              </a:fontRef>
+            </p:style>
+            <p:txBody>
+              <a:bodyPr rtlCol="0" anchor="ctr"/>
+              <a:lstStyle/>
+              <a:p>
+                <a:pPr algn="ctr"/>
+                <a14:m>
+                  <m:oMathPara xmlns:m="http://schemas.openxmlformats.org/officeDocument/2006/math">
+                    <m:oMathParaPr>
+                      <m:jc m:val="centerGroup"/>
+                    </m:oMathParaPr>
+                    <m:oMath xmlns:m="http://schemas.openxmlformats.org/officeDocument/2006/math">
+                      <m:sSub>
+                        <m:sSubPr>
+                          <m:ctrlPr>
+                            <a:rPr lang="en-US" sz="3200" i="1" smtClean="0">
+                              <a:latin typeface="Cambria Math" panose="02040503050406030204" pitchFamily="18" charset="0"/>
+                            </a:rPr>
+                          </m:ctrlPr>
+                        </m:sSubPr>
+                        <m:e>
+                          <m:r>
+                            <m:rPr>
+                              <m:sty m:val="p"/>
+                            </m:rPr>
+                            <a:rPr lang="de-DE" sz="3200" b="0" i="0" smtClean="0">
+                              <a:latin typeface="Cambria Math" panose="02040503050406030204" pitchFamily="18" charset="0"/>
+                            </a:rPr>
+                            <m:t>C</m:t>
+                          </m:r>
+                        </m:e>
+                        <m:sub>
+                          <m:r>
+                            <a:rPr lang="de-DE" sz="3200" b="0" i="0" smtClean="0">
+                              <a:latin typeface="Cambria Math" panose="02040503050406030204" pitchFamily="18" charset="0"/>
+                            </a:rPr>
+                            <m:t>2</m:t>
+                          </m:r>
+                        </m:sub>
+                      </m:sSub>
+                    </m:oMath>
+                  </m:oMathPara>
+                </a14:m>
+                <a:endParaRPr lang="en-US" sz="3200" dirty="0"/>
+              </a:p>
+            </p:txBody>
+          </p:sp>
+        </mc:Choice>
+        <mc:Fallback xmlns="">
+          <p:sp>
+            <p:nvSpPr>
+              <p:cNvPr id="69" name="Ellipse 68">
+                <a:extLst>
+                  <a:ext uri="{FF2B5EF4-FFF2-40B4-BE49-F238E27FC236}">
+                    <a16:creationId xmlns:a16="http://schemas.microsoft.com/office/drawing/2014/main" id="{DADFE31F-00F6-4DF7-9726-CF2D8DE124A6}"/>
+                  </a:ext>
+                </a:extLst>
+              </p:cNvPr>
+              <p:cNvSpPr>
+                <a:spLocks noRot="1" noChangeAspect="1" noMove="1" noResize="1" noEditPoints="1" noAdjustHandles="1" noChangeArrowheads="1" noChangeShapeType="1" noTextEdit="1"/>
+              </p:cNvSpPr>
+              <p:nvPr/>
+            </p:nvSpPr>
+            <p:spPr>
+              <a:xfrm>
+                <a:off x="9747774" y="1582234"/>
+                <a:ext cx="707010" cy="715513"/>
+              </a:xfrm>
+              <a:prstGeom prst="ellipse">
+                <a:avLst/>
+              </a:prstGeom>
+              <a:blipFill>
+                <a:blip r:embed="rId6"/>
+                <a:stretch>
+                  <a:fillRect/>
+                </a:stretch>
+              </a:blipFill>
+            </p:spPr>
+            <p:txBody>
+              <a:bodyPr/>
+              <a:lstStyle/>
+              <a:p>
+                <a:r>
+                  <a:rPr lang="en-US">
+                    <a:noFill/>
+                  </a:rPr>
+                  <a:t> </a:t>
+                </a:r>
+              </a:p>
+            </p:txBody>
+          </p:sp>
+        </mc:Fallback>
+      </mc:AlternateContent>
+      <p:sp>
+        <p:nvSpPr>
+          <p:cNvPr id="70" name="Rechteck 69">
+            <a:extLst>
+              <a:ext uri="{FF2B5EF4-FFF2-40B4-BE49-F238E27FC236}">
+                <a16:creationId xmlns:a16="http://schemas.microsoft.com/office/drawing/2014/main" id="{1B0E43C0-A7FD-4D67-BE91-EFA1EEB4348D}"/>
+              </a:ext>
+            </a:extLst>
+          </p:cNvPr>
+          <p:cNvSpPr/>
+          <p:nvPr/>
+        </p:nvSpPr>
+        <p:spPr>
+          <a:xfrm>
+            <a:off x="8967573" y="4234485"/>
+            <a:ext cx="682063" cy="478545"/>
+          </a:xfrm>
+          <a:prstGeom prst="rect">
+            <a:avLst/>
+          </a:prstGeom>
+          <a:noFill/>
+          <a:ln w="38100">
+            <a:solidFill>
+              <a:srgbClr val="0070C0"/>
+            </a:solidFill>
+            <a:prstDash val="dash"/>
+          </a:ln>
+        </p:spPr>
+        <p:style>
+          <a:lnRef idx="2">
+            <a:schemeClr val="accent1">
+              <a:shade val="50000"/>
+            </a:schemeClr>
+          </a:lnRef>
+          <a:fillRef idx="1">
+            <a:schemeClr val="accent1"/>
+          </a:fillRef>
+          <a:effectRef idx="0">
+            <a:schemeClr val="accent1"/>
+          </a:effectRef>
+          <a:fontRef idx="minor">
+            <a:schemeClr val="lt1"/>
+          </a:fontRef>
+        </p:style>
+        <p:txBody>
+          <a:bodyPr rtlCol="0" anchor="ctr"/>
+          <a:lstStyle/>
+          <a:p>
+            <a:pPr algn="ctr"/>
+            <a:endParaRPr lang="en-US"/>
+          </a:p>
+        </p:txBody>
+      </p:sp>
+      <p:sp>
+        <p:nvSpPr>
+          <p:cNvPr id="71" name="Pfeil: nach rechts 70">
+            <a:extLst>
+              <a:ext uri="{FF2B5EF4-FFF2-40B4-BE49-F238E27FC236}">
+                <a16:creationId xmlns:a16="http://schemas.microsoft.com/office/drawing/2014/main" id="{0B32CEFC-E279-476F-9DD4-3C848E406B07}"/>
+              </a:ext>
+            </a:extLst>
+          </p:cNvPr>
+          <p:cNvSpPr/>
+          <p:nvPr/>
+        </p:nvSpPr>
+        <p:spPr>
+          <a:xfrm>
+            <a:off x="10454784" y="1215632"/>
+            <a:ext cx="861636" cy="715513"/>
+          </a:xfrm>
+          <a:prstGeom prst="rightArrow">
+            <a:avLst/>
+          </a:prstGeom>
+          <a:noFill/>
+          <a:ln w="38100">
+            <a:solidFill>
+              <a:schemeClr val="tx1">
+                <a:lumMod val="85000"/>
+                <a:lumOff val="15000"/>
+              </a:schemeClr>
+            </a:solidFill>
+          </a:ln>
+        </p:spPr>
+        <p:style>
+          <a:lnRef idx="2">
+            <a:schemeClr val="accent1">
+              <a:shade val="50000"/>
+            </a:schemeClr>
+          </a:lnRef>
+          <a:fillRef idx="1">
+            <a:schemeClr val="accent1"/>
+          </a:fillRef>
+          <a:effectRef idx="0">
+            <a:schemeClr val="accent1"/>
+          </a:effectRef>
+          <a:fontRef idx="minor">
+            <a:schemeClr val="lt1"/>
+          </a:fontRef>
+        </p:style>
+        <p:txBody>
+          <a:bodyPr rtlCol="0" anchor="ctr"/>
+          <a:lstStyle/>
+          <a:p>
+            <a:pPr algn="ctr"/>
+            <a:endParaRPr lang="en-US"/>
+          </a:p>
+        </p:txBody>
+      </p:sp>
       <p:cxnSp>
         <p:nvCxnSpPr>
-          <p:cNvPr id="57" name="Gerader Verbinder 56">
-            <a:extLst>
-              <a:ext uri="{FF2B5EF4-FFF2-40B4-BE49-F238E27FC236}">
-                <a16:creationId xmlns:a16="http://schemas.microsoft.com/office/drawing/2014/main" id="{EA9CDD8B-07FF-4BDE-942E-86B56EDAB44F}"/>
+          <p:cNvPr id="81" name="Gerader Verbinder 80">
+            <a:extLst>
+              <a:ext uri="{FF2B5EF4-FFF2-40B4-BE49-F238E27FC236}">
+                <a16:creationId xmlns:a16="http://schemas.microsoft.com/office/drawing/2014/main" id="{37429FD0-C766-4AAD-9DE1-D461017BC073}"/>
               </a:ext>
             </a:extLst>
           </p:cNvPr>
           <p:cNvCxnSpPr>
             <a:cxnSpLocks/>
-            <a:stCxn id="52" idx="2"/>
-            <a:endCxn id="53" idx="2"/>
+            <a:stCxn id="65" idx="0"/>
+            <a:endCxn id="32" idx="2"/>
           </p:cNvCxnSpPr>
           <p:nvPr/>
         </p:nvCxnSpPr>
         <p:spPr>
-          <a:xfrm flipH="1" flipV="1">
-            <a:off x="10916339" y="2252104"/>
-            <a:ext cx="611693" cy="3491471"/>
+          <a:xfrm flipV="1">
+            <a:off x="3017207" y="3112547"/>
+            <a:ext cx="496923" cy="890664"/>
           </a:xfrm>
           <a:prstGeom prst="line">
             <a:avLst/>
           </a:prstGeom>
-          <a:ln w="28575"/>
+          <a:ln w="28575">
+            <a:solidFill>
+              <a:schemeClr val="accent2">
+                <a:lumMod val="60000"/>
+                <a:lumOff val="40000"/>
+              </a:schemeClr>
+            </a:solidFill>
+          </a:ln>
         </p:spPr>
         <p:style>
           <a:lnRef idx="2">
@@ -4999,190 +5913,35 @@
       </p:cxnSp>
       <p:sp>
         <p:nvSpPr>
-          <p:cNvPr id="58" name="Rechteck 57">
-            <a:extLst>
-              <a:ext uri="{FF2B5EF4-FFF2-40B4-BE49-F238E27FC236}">
-                <a16:creationId xmlns:a16="http://schemas.microsoft.com/office/drawing/2014/main" id="{BB9A3F5B-7CA5-4FF2-A7A9-A4E083AEEFC1}"/>
-              </a:ext>
-            </a:extLst>
-          </p:cNvPr>
-          <p:cNvSpPr/>
+          <p:cNvPr id="104" name="Textfeld 103">
+            <a:extLst>
+              <a:ext uri="{FF2B5EF4-FFF2-40B4-BE49-F238E27FC236}">
+                <a16:creationId xmlns:a16="http://schemas.microsoft.com/office/drawing/2014/main" id="{EC33F92E-1CE3-4025-AECE-CAE537FB4096}"/>
+              </a:ext>
+            </a:extLst>
+          </p:cNvPr>
+          <p:cNvSpPr txBox="1"/>
           <p:nvPr/>
         </p:nvSpPr>
         <p:spPr>
           <a:xfrm>
-            <a:off x="8029041" y="1789617"/>
-            <a:ext cx="1658418" cy="465979"/>
+            <a:off x="9637246" y="2334091"/>
+            <a:ext cx="2496711" cy="646331"/>
           </a:xfrm>
           <a:prstGeom prst="rect">
             <a:avLst/>
           </a:prstGeom>
+          <a:noFill/>
         </p:spPr>
-        <p:style>
-          <a:lnRef idx="2">
-            <a:schemeClr val="accent3">
-              <a:shade val="50000"/>
-            </a:schemeClr>
-          </a:lnRef>
-          <a:fillRef idx="1">
-            <a:schemeClr val="accent3"/>
-          </a:fillRef>
-          <a:effectRef idx="0">
-            <a:schemeClr val="accent3"/>
-          </a:effectRef>
-          <a:fontRef idx="minor">
-            <a:schemeClr val="lt1"/>
-          </a:fontRef>
-        </p:style>
-        <p:txBody>
-          <a:bodyPr rtlCol="0" anchor="ctr"/>
-          <a:lstStyle/>
-          <a:p>
-            <a:pPr algn="ctr"/>
+        <p:txBody>
+          <a:bodyPr wrap="square" rtlCol="0">
+            <a:spAutoFit/>
+          </a:bodyPr>
+          <a:lstStyle/>
+          <a:p>
             <a:r>
               <a:rPr lang="en-US" dirty="0"/>
-              <a:t>“constant” (C2)</a:t>
-            </a:r>
-          </a:p>
-        </p:txBody>
-      </p:sp>
-      <p:sp>
-        <p:nvSpPr>
-          <p:cNvPr id="59" name="Rechteck 58">
-            <a:extLst>
-              <a:ext uri="{FF2B5EF4-FFF2-40B4-BE49-F238E27FC236}">
-                <a16:creationId xmlns:a16="http://schemas.microsoft.com/office/drawing/2014/main" id="{E4540C5A-B563-481E-AC75-90BD385141C2}"/>
-              </a:ext>
-            </a:extLst>
-          </p:cNvPr>
-          <p:cNvSpPr/>
-          <p:nvPr/>
-        </p:nvSpPr>
-        <p:spPr>
-          <a:xfrm>
-            <a:off x="2244186" y="1810367"/>
-            <a:ext cx="1658418" cy="465979"/>
-          </a:xfrm>
-          <a:prstGeom prst="rect">
-            <a:avLst/>
-          </a:prstGeom>
-        </p:spPr>
-        <p:style>
-          <a:lnRef idx="2">
-            <a:schemeClr val="accent3">
-              <a:shade val="50000"/>
-            </a:schemeClr>
-          </a:lnRef>
-          <a:fillRef idx="1">
-            <a:schemeClr val="accent3"/>
-          </a:fillRef>
-          <a:effectRef idx="0">
-            <a:schemeClr val="accent3"/>
-          </a:effectRef>
-          <a:fontRef idx="minor">
-            <a:schemeClr val="lt1"/>
-          </a:fontRef>
-        </p:style>
-        <p:txBody>
-          <a:bodyPr rtlCol="0" anchor="ctr"/>
-          <a:lstStyle/>
-          <a:p>
-            <a:pPr algn="ctr"/>
-            <a:r>
-              <a:rPr lang="en-US" dirty="0"/>
-              <a:t>“old” (O)</a:t>
-            </a:r>
-          </a:p>
-        </p:txBody>
-      </p:sp>
-      <p:pic>
-        <p:nvPicPr>
-          <p:cNvPr id="23" name="Grafik 22">
-            <a:extLst>
-              <a:ext uri="{FF2B5EF4-FFF2-40B4-BE49-F238E27FC236}">
-                <a16:creationId xmlns:a16="http://schemas.microsoft.com/office/drawing/2014/main" id="{5564012B-C337-4442-9BE2-F10CEE9D8F4F}"/>
-              </a:ext>
-            </a:extLst>
-          </p:cNvPr>
-          <p:cNvPicPr>
-            <a:picLocks noChangeAspect="1"/>
-          </p:cNvPicPr>
-          <p:nvPr/>
-        </p:nvPicPr>
-        <p:blipFill rotWithShape="1">
-          <a:blip r:embed="rId5" cstate="print">
-            <a:extLst>
-              <a:ext uri="{28A0092B-C50C-407E-A947-70E740481C1C}">
-                <a14:useLocalDpi xmlns:a14="http://schemas.microsoft.com/office/drawing/2010/main" val="0"/>
-              </a:ext>
-            </a:extLst>
-          </a:blip>
-          <a:srcRect l="34464" t="50543" r="35406" b="10707"/>
-          <a:stretch/>
-        </p:blipFill>
-        <p:spPr bwMode="auto">
-          <a:xfrm>
-            <a:off x="10206485" y="205068"/>
-            <a:ext cx="1870942" cy="1463186"/>
-          </a:xfrm>
-          <a:prstGeom prst="rect">
-            <a:avLst/>
-          </a:prstGeom>
-          <a:ln>
-            <a:noFill/>
-          </a:ln>
-          <a:extLst>
-            <a:ext uri="{53640926-AAD7-44D8-BBD7-CCE9431645EC}">
-              <a14:shadowObscured xmlns:a14="http://schemas.microsoft.com/office/drawing/2010/main"/>
-            </a:ext>
-          </a:extLst>
-        </p:spPr>
-      </p:pic>
-      <p:sp>
-        <p:nvSpPr>
-          <p:cNvPr id="32" name="Rechteck 31">
-            <a:extLst>
-              <a:ext uri="{FF2B5EF4-FFF2-40B4-BE49-F238E27FC236}">
-                <a16:creationId xmlns:a16="http://schemas.microsoft.com/office/drawing/2014/main" id="{85957B42-83F4-4054-BB27-68C00CC0915E}"/>
-              </a:ext>
-            </a:extLst>
-          </p:cNvPr>
-          <p:cNvSpPr/>
-          <p:nvPr/>
-        </p:nvSpPr>
-        <p:spPr>
-          <a:xfrm>
-            <a:off x="4091347" y="1810367"/>
-            <a:ext cx="1658418" cy="465979"/>
-          </a:xfrm>
-          <a:prstGeom prst="rect">
-            <a:avLst/>
-          </a:prstGeom>
-        </p:spPr>
-        <p:style>
-          <a:lnRef idx="2">
-            <a:schemeClr val="accent3">
-              <a:shade val="50000"/>
-            </a:schemeClr>
-          </a:lnRef>
-          <a:fillRef idx="1">
-            <a:schemeClr val="accent3"/>
-          </a:fillRef>
-          <a:effectRef idx="0">
-            <a:schemeClr val="accent3"/>
-          </a:effectRef>
-          <a:fontRef idx="minor">
-            <a:schemeClr val="lt1"/>
-          </a:fontRef>
-        </p:style>
-        <p:txBody>
-          <a:bodyPr rtlCol="0" anchor="ctr"/>
-          <a:lstStyle/>
-          <a:p>
-            <a:pPr algn="ctr"/>
-            <a:r>
-              <a:rPr lang="en-US" dirty="0"/>
-              <a:t>“constant” (C1)</a:t>
+              <a:t>Added (N) and deleted (O) concepts</a:t>
             </a:r>
           </a:p>
         </p:txBody>

--- a/Materials/figures manually created/Fig. 2.pptx
+++ b/Materials/figures manually created/Fig. 2.pptx
@@ -209,7 +209,7 @@
           <a:p>
             <a:fld id="{77C10B95-DE72-CA42-8E03-6337D8532236}" type="datetimeFigureOut">
               <a:rPr lang="de-DE" smtClean="0"/>
-              <a:t>12.09.2024</a:t>
+              <a:t>13.09.2024</a:t>
             </a:fld>
             <a:endParaRPr lang="de-DE"/>
           </a:p>
@@ -707,7 +707,7 @@
           <a:p>
             <a:fld id="{24188342-571A-6841-AC1D-E620118845AD}" type="datetimeFigureOut">
               <a:rPr lang="en-US" smtClean="0"/>
-              <a:t>9/12/2024</a:t>
+              <a:t>9/13/2024</a:t>
             </a:fld>
             <a:endParaRPr lang="en-US"/>
           </a:p>
@@ -905,7 +905,7 @@
           <a:p>
             <a:fld id="{24188342-571A-6841-AC1D-E620118845AD}" type="datetimeFigureOut">
               <a:rPr lang="en-US" smtClean="0"/>
-              <a:t>9/12/2024</a:t>
+              <a:t>9/13/2024</a:t>
             </a:fld>
             <a:endParaRPr lang="en-US"/>
           </a:p>
@@ -1113,7 +1113,7 @@
           <a:p>
             <a:fld id="{24188342-571A-6841-AC1D-E620118845AD}" type="datetimeFigureOut">
               <a:rPr lang="en-US" smtClean="0"/>
-              <a:t>9/12/2024</a:t>
+              <a:t>9/13/2024</a:t>
             </a:fld>
             <a:endParaRPr lang="en-US"/>
           </a:p>
@@ -1311,7 +1311,7 @@
           <a:p>
             <a:fld id="{24188342-571A-6841-AC1D-E620118845AD}" type="datetimeFigureOut">
               <a:rPr lang="en-US" smtClean="0"/>
-              <a:t>9/12/2024</a:t>
+              <a:t>9/13/2024</a:t>
             </a:fld>
             <a:endParaRPr lang="en-US"/>
           </a:p>
@@ -1586,7 +1586,7 @@
           <a:p>
             <a:fld id="{24188342-571A-6841-AC1D-E620118845AD}" type="datetimeFigureOut">
               <a:rPr lang="en-US" smtClean="0"/>
-              <a:t>9/12/2024</a:t>
+              <a:t>9/13/2024</a:t>
             </a:fld>
             <a:endParaRPr lang="en-US"/>
           </a:p>
@@ -1851,7 +1851,7 @@
           <a:p>
             <a:fld id="{24188342-571A-6841-AC1D-E620118845AD}" type="datetimeFigureOut">
               <a:rPr lang="en-US" smtClean="0"/>
-              <a:t>9/12/2024</a:t>
+              <a:t>9/13/2024</a:t>
             </a:fld>
             <a:endParaRPr lang="en-US"/>
           </a:p>
@@ -2263,7 +2263,7 @@
           <a:p>
             <a:fld id="{24188342-571A-6841-AC1D-E620118845AD}" type="datetimeFigureOut">
               <a:rPr lang="en-US" smtClean="0"/>
-              <a:t>9/12/2024</a:t>
+              <a:t>9/13/2024</a:t>
             </a:fld>
             <a:endParaRPr lang="en-US"/>
           </a:p>
@@ -2404,7 +2404,7 @@
           <a:p>
             <a:fld id="{24188342-571A-6841-AC1D-E620118845AD}" type="datetimeFigureOut">
               <a:rPr lang="en-US" smtClean="0"/>
-              <a:t>9/12/2024</a:t>
+              <a:t>9/13/2024</a:t>
             </a:fld>
             <a:endParaRPr lang="en-US"/>
           </a:p>
@@ -2517,7 +2517,7 @@
           <a:p>
             <a:fld id="{24188342-571A-6841-AC1D-E620118845AD}" type="datetimeFigureOut">
               <a:rPr lang="en-US" smtClean="0"/>
-              <a:t>9/12/2024</a:t>
+              <a:t>9/13/2024</a:t>
             </a:fld>
             <a:endParaRPr lang="en-US"/>
           </a:p>
@@ -2828,7 +2828,7 @@
           <a:p>
             <a:fld id="{24188342-571A-6841-AC1D-E620118845AD}" type="datetimeFigureOut">
               <a:rPr lang="en-US" smtClean="0"/>
-              <a:t>9/12/2024</a:t>
+              <a:t>9/13/2024</a:t>
             </a:fld>
             <a:endParaRPr lang="en-US"/>
           </a:p>
@@ -3116,7 +3116,7 @@
           <a:p>
             <a:fld id="{24188342-571A-6841-AC1D-E620118845AD}" type="datetimeFigureOut">
               <a:rPr lang="en-US" smtClean="0"/>
-              <a:t>9/12/2024</a:t>
+              <a:t>9/13/2024</a:t>
             </a:fld>
             <a:endParaRPr lang="en-US"/>
           </a:p>
@@ -3357,7 +3357,7 @@
           <a:p>
             <a:fld id="{24188342-571A-6841-AC1D-E620118845AD}" type="datetimeFigureOut">
               <a:rPr lang="en-US" smtClean="0"/>
-              <a:t>9/12/2024</a:t>
+              <a:t>9/13/2024</a:t>
             </a:fld>
             <a:endParaRPr lang="en-US"/>
           </a:p>
@@ -3776,10 +3776,10 @@
       </p:grpSpPr>
       <p:pic>
         <p:nvPicPr>
-          <p:cNvPr id="6" name="Grafik 5">
-            <a:extLst>
-              <a:ext uri="{FF2B5EF4-FFF2-40B4-BE49-F238E27FC236}">
-                <a16:creationId xmlns:a16="http://schemas.microsoft.com/office/drawing/2014/main" id="{63B5D099-7792-4838-8F01-D7CBF8DDD5B1}"/>
+          <p:cNvPr id="12" name="Grafik 11">
+            <a:extLst>
+              <a:ext uri="{FF2B5EF4-FFF2-40B4-BE49-F238E27FC236}">
+                <a16:creationId xmlns:a16="http://schemas.microsoft.com/office/drawing/2014/main" id="{F4BD219B-C434-4B61-A6E3-7D12C701F605}"/>
               </a:ext>
             </a:extLst>
           </p:cNvPr>
@@ -3796,8 +3796,38 @@
         </p:blipFill>
         <p:spPr>
           <a:xfrm>
-            <a:off x="5781269" y="3143270"/>
-            <a:ext cx="6232851" cy="3521213"/>
+            <a:off x="61530" y="3470849"/>
+            <a:ext cx="5594018" cy="2966311"/>
+          </a:xfrm>
+          <a:prstGeom prst="rect">
+            <a:avLst/>
+          </a:prstGeom>
+        </p:spPr>
+      </p:pic>
+      <p:pic>
+        <p:nvPicPr>
+          <p:cNvPr id="20" name="Grafik 19">
+            <a:extLst>
+              <a:ext uri="{FF2B5EF4-FFF2-40B4-BE49-F238E27FC236}">
+                <a16:creationId xmlns:a16="http://schemas.microsoft.com/office/drawing/2014/main" id="{356D8E60-3AA0-42C3-B47A-0B9B655C61C0}"/>
+              </a:ext>
+            </a:extLst>
+          </p:cNvPr>
+          <p:cNvPicPr>
+            <a:picLocks noChangeAspect="1"/>
+          </p:cNvPicPr>
+          <p:nvPr/>
+        </p:nvPicPr>
+        <p:blipFill>
+          <a:blip r:embed="rId4"/>
+          <a:stretch>
+            <a:fillRect/>
+          </a:stretch>
+        </p:blipFill>
+        <p:spPr>
+          <a:xfrm>
+            <a:off x="5719738" y="3134676"/>
+            <a:ext cx="6410732" cy="3536555"/>
           </a:xfrm>
           <a:prstGeom prst="rect">
             <a:avLst/>
@@ -4744,7 +4774,7 @@
         </p:nvSpPr>
         <p:spPr>
           <a:xfrm>
-            <a:off x="5781268" y="4028624"/>
+            <a:off x="5733546" y="4016058"/>
             <a:ext cx="682063" cy="478545"/>
           </a:xfrm>
           <a:prstGeom prst="rect">
@@ -4797,7 +4827,7 @@
         </p:nvSpPr>
         <p:spPr>
           <a:xfrm>
-            <a:off x="6463331" y="2648207"/>
+            <a:off x="6645680" y="2424266"/>
             <a:ext cx="1658418" cy="465979"/>
           </a:xfrm>
           <a:prstGeom prst="rect">
@@ -4853,8 +4883,8 @@
         </p:nvCxnSpPr>
         <p:spPr>
           <a:xfrm flipH="1" flipV="1">
-            <a:off x="7292540" y="3114186"/>
-            <a:ext cx="2151976" cy="43391"/>
+            <a:off x="7474889" y="2890245"/>
+            <a:ext cx="2040936" cy="254709"/>
           </a:xfrm>
           <a:prstGeom prst="line">
             <a:avLst/>
@@ -4898,8 +4928,8 @@
         </p:nvCxnSpPr>
         <p:spPr>
           <a:xfrm flipV="1">
-            <a:off x="6122300" y="3114186"/>
-            <a:ext cx="1170240" cy="914438"/>
+            <a:off x="6074578" y="2890245"/>
+            <a:ext cx="1400311" cy="1125813"/>
           </a:xfrm>
           <a:prstGeom prst="line">
             <a:avLst/>
@@ -4939,7 +4969,7 @@
         </p:nvSpPr>
         <p:spPr>
           <a:xfrm>
-            <a:off x="2684921" y="2646568"/>
+            <a:off x="2697047" y="2424266"/>
             <a:ext cx="1658418" cy="465979"/>
           </a:xfrm>
           <a:prstGeom prst="rect">
@@ -4980,51 +5010,21 @@
           </a:p>
         </p:txBody>
       </p:sp>
-      <p:pic>
-        <p:nvPicPr>
-          <p:cNvPr id="4" name="Grafik 3">
-            <a:extLst>
-              <a:ext uri="{FF2B5EF4-FFF2-40B4-BE49-F238E27FC236}">
-                <a16:creationId xmlns:a16="http://schemas.microsoft.com/office/drawing/2014/main" id="{C7F549DE-94A2-4397-9ACD-372825A2A14A}"/>
-              </a:ext>
-            </a:extLst>
-          </p:cNvPr>
-          <p:cNvPicPr>
-            <a:picLocks noChangeAspect="1"/>
-          </p:cNvPicPr>
+      <p:sp>
+        <p:nvSpPr>
+          <p:cNvPr id="54" name="Rechteck 53">
+            <a:extLst>
+              <a:ext uri="{FF2B5EF4-FFF2-40B4-BE49-F238E27FC236}">
+                <a16:creationId xmlns:a16="http://schemas.microsoft.com/office/drawing/2014/main" id="{F9840738-4135-43E0-911C-39A788D52C37}"/>
+              </a:ext>
+            </a:extLst>
+          </p:cNvPr>
+          <p:cNvSpPr/>
           <p:nvPr/>
-        </p:nvPicPr>
-        <p:blipFill>
-          <a:blip r:embed="rId4"/>
-          <a:stretch>
-            <a:fillRect/>
-          </a:stretch>
-        </p:blipFill>
+        </p:nvSpPr>
         <p:spPr>
           <a:xfrm>
-            <a:off x="-25519" y="3429000"/>
-            <a:ext cx="5747184" cy="3048811"/>
-          </a:xfrm>
-          <a:prstGeom prst="rect">
-            <a:avLst/>
-          </a:prstGeom>
-        </p:spPr>
-      </p:pic>
-      <p:sp>
-        <p:nvSpPr>
-          <p:cNvPr id="54" name="Rechteck 53">
-            <a:extLst>
-              <a:ext uri="{FF2B5EF4-FFF2-40B4-BE49-F238E27FC236}">
-                <a16:creationId xmlns:a16="http://schemas.microsoft.com/office/drawing/2014/main" id="{F9840738-4135-43E0-911C-39A788D52C37}"/>
-              </a:ext>
-            </a:extLst>
-          </p:cNvPr>
-          <p:cNvSpPr/>
-          <p:nvPr/>
-        </p:nvSpPr>
-        <p:spPr>
-          <a:xfrm>
-            <a:off x="9103484" y="3157577"/>
+            <a:off x="9174793" y="3144954"/>
             <a:ext cx="682063" cy="478545"/>
           </a:xfrm>
           <a:prstGeom prst="rect">
@@ -5293,8 +5293,8 @@
         </p:nvCxnSpPr>
         <p:spPr>
           <a:xfrm flipH="1" flipV="1">
-            <a:off x="7292540" y="3114186"/>
-            <a:ext cx="1260429" cy="204900"/>
+            <a:off x="7474889" y="2890245"/>
+            <a:ext cx="1078080" cy="428841"/>
           </a:xfrm>
           <a:prstGeom prst="line">
             <a:avLst/>
@@ -5769,7 +5769,7 @@
         </p:nvSpPr>
         <p:spPr>
           <a:xfrm>
-            <a:off x="8967573" y="4234485"/>
+            <a:off x="8980052" y="4190274"/>
             <a:ext cx="682063" cy="478545"/>
           </a:xfrm>
           <a:prstGeom prst="rect">
@@ -5881,8 +5881,8 @@
         </p:nvCxnSpPr>
         <p:spPr>
           <a:xfrm flipV="1">
-            <a:off x="3017207" y="3112547"/>
-            <a:ext cx="496923" cy="890664"/>
+            <a:off x="3017207" y="2890245"/>
+            <a:ext cx="509049" cy="1112966"/>
           </a:xfrm>
           <a:prstGeom prst="line">
             <a:avLst/>

--- a/Materials/figures manually created/Fig. 2.pptx
+++ b/Materials/figures manually created/Fig. 2.pptx
@@ -209,7 +209,7 @@
           <a:p>
             <a:fld id="{77C10B95-DE72-CA42-8E03-6337D8532236}" type="datetimeFigureOut">
               <a:rPr lang="de-DE" smtClean="0"/>
-              <a:t>13.09.2024</a:t>
+              <a:t>14.09.2024</a:t>
             </a:fld>
             <a:endParaRPr lang="de-DE"/>
           </a:p>
@@ -707,7 +707,7 @@
           <a:p>
             <a:fld id="{24188342-571A-6841-AC1D-E620118845AD}" type="datetimeFigureOut">
               <a:rPr lang="en-US" smtClean="0"/>
-              <a:t>9/13/2024</a:t>
+              <a:t>9/14/2024</a:t>
             </a:fld>
             <a:endParaRPr lang="en-US"/>
           </a:p>
@@ -905,7 +905,7 @@
           <a:p>
             <a:fld id="{24188342-571A-6841-AC1D-E620118845AD}" type="datetimeFigureOut">
               <a:rPr lang="en-US" smtClean="0"/>
-              <a:t>9/13/2024</a:t>
+              <a:t>9/14/2024</a:t>
             </a:fld>
             <a:endParaRPr lang="en-US"/>
           </a:p>
@@ -1113,7 +1113,7 @@
           <a:p>
             <a:fld id="{24188342-571A-6841-AC1D-E620118845AD}" type="datetimeFigureOut">
               <a:rPr lang="en-US" smtClean="0"/>
-              <a:t>9/13/2024</a:t>
+              <a:t>9/14/2024</a:t>
             </a:fld>
             <a:endParaRPr lang="en-US"/>
           </a:p>
@@ -1311,7 +1311,7 @@
           <a:p>
             <a:fld id="{24188342-571A-6841-AC1D-E620118845AD}" type="datetimeFigureOut">
               <a:rPr lang="en-US" smtClean="0"/>
-              <a:t>9/13/2024</a:t>
+              <a:t>9/14/2024</a:t>
             </a:fld>
             <a:endParaRPr lang="en-US"/>
           </a:p>
@@ -1586,7 +1586,7 @@
           <a:p>
             <a:fld id="{24188342-571A-6841-AC1D-E620118845AD}" type="datetimeFigureOut">
               <a:rPr lang="en-US" smtClean="0"/>
-              <a:t>9/13/2024</a:t>
+              <a:t>9/14/2024</a:t>
             </a:fld>
             <a:endParaRPr lang="en-US"/>
           </a:p>
@@ -1851,7 +1851,7 @@
           <a:p>
             <a:fld id="{24188342-571A-6841-AC1D-E620118845AD}" type="datetimeFigureOut">
               <a:rPr lang="en-US" smtClean="0"/>
-              <a:t>9/13/2024</a:t>
+              <a:t>9/14/2024</a:t>
             </a:fld>
             <a:endParaRPr lang="en-US"/>
           </a:p>
@@ -2263,7 +2263,7 @@
           <a:p>
             <a:fld id="{24188342-571A-6841-AC1D-E620118845AD}" type="datetimeFigureOut">
               <a:rPr lang="en-US" smtClean="0"/>
-              <a:t>9/13/2024</a:t>
+              <a:t>9/14/2024</a:t>
             </a:fld>
             <a:endParaRPr lang="en-US"/>
           </a:p>
@@ -2404,7 +2404,7 @@
           <a:p>
             <a:fld id="{24188342-571A-6841-AC1D-E620118845AD}" type="datetimeFigureOut">
               <a:rPr lang="en-US" smtClean="0"/>
-              <a:t>9/13/2024</a:t>
+              <a:t>9/14/2024</a:t>
             </a:fld>
             <a:endParaRPr lang="en-US"/>
           </a:p>
@@ -2517,7 +2517,7 @@
           <a:p>
             <a:fld id="{24188342-571A-6841-AC1D-E620118845AD}" type="datetimeFigureOut">
               <a:rPr lang="en-US" smtClean="0"/>
-              <a:t>9/13/2024</a:t>
+              <a:t>9/14/2024</a:t>
             </a:fld>
             <a:endParaRPr lang="en-US"/>
           </a:p>
@@ -2828,7 +2828,7 @@
           <a:p>
             <a:fld id="{24188342-571A-6841-AC1D-E620118845AD}" type="datetimeFigureOut">
               <a:rPr lang="en-US" smtClean="0"/>
-              <a:t>9/13/2024</a:t>
+              <a:t>9/14/2024</a:t>
             </a:fld>
             <a:endParaRPr lang="en-US"/>
           </a:p>
@@ -3116,7 +3116,7 @@
           <a:p>
             <a:fld id="{24188342-571A-6841-AC1D-E620118845AD}" type="datetimeFigureOut">
               <a:rPr lang="en-US" smtClean="0"/>
-              <a:t>9/13/2024</a:t>
+              <a:t>9/14/2024</a:t>
             </a:fld>
             <a:endParaRPr lang="en-US"/>
           </a:p>
@@ -3357,7 +3357,7 @@
           <a:p>
             <a:fld id="{24188342-571A-6841-AC1D-E620118845AD}" type="datetimeFigureOut">
               <a:rPr lang="en-US" smtClean="0"/>
-              <a:t>9/13/2024</a:t>
+              <a:t>9/14/2024</a:t>
             </a:fld>
             <a:endParaRPr lang="en-US"/>
           </a:p>

--- a/Materials/figures manually created/Fig. 2.pptx
+++ b/Materials/figures manually created/Fig. 2.pptx
@@ -209,7 +209,7 @@
           <a:p>
             <a:fld id="{77C10B95-DE72-CA42-8E03-6337D8532236}" type="datetimeFigureOut">
               <a:rPr lang="de-DE" smtClean="0"/>
-              <a:t>14.09.2024</a:t>
+              <a:t>28.11.2024</a:t>
             </a:fld>
             <a:endParaRPr lang="de-DE"/>
           </a:p>
@@ -707,7 +707,7 @@
           <a:p>
             <a:fld id="{24188342-571A-6841-AC1D-E620118845AD}" type="datetimeFigureOut">
               <a:rPr lang="en-US" smtClean="0"/>
-              <a:t>9/14/2024</a:t>
+              <a:t>11/28/2024</a:t>
             </a:fld>
             <a:endParaRPr lang="en-US"/>
           </a:p>
@@ -905,7 +905,7 @@
           <a:p>
             <a:fld id="{24188342-571A-6841-AC1D-E620118845AD}" type="datetimeFigureOut">
               <a:rPr lang="en-US" smtClean="0"/>
-              <a:t>9/14/2024</a:t>
+              <a:t>11/28/2024</a:t>
             </a:fld>
             <a:endParaRPr lang="en-US"/>
           </a:p>
@@ -1113,7 +1113,7 @@
           <a:p>
             <a:fld id="{24188342-571A-6841-AC1D-E620118845AD}" type="datetimeFigureOut">
               <a:rPr lang="en-US" smtClean="0"/>
-              <a:t>9/14/2024</a:t>
+              <a:t>11/28/2024</a:t>
             </a:fld>
             <a:endParaRPr lang="en-US"/>
           </a:p>
@@ -1311,7 +1311,7 @@
           <a:p>
             <a:fld id="{24188342-571A-6841-AC1D-E620118845AD}" type="datetimeFigureOut">
               <a:rPr lang="en-US" smtClean="0"/>
-              <a:t>9/14/2024</a:t>
+              <a:t>11/28/2024</a:t>
             </a:fld>
             <a:endParaRPr lang="en-US"/>
           </a:p>
@@ -1586,7 +1586,7 @@
           <a:p>
             <a:fld id="{24188342-571A-6841-AC1D-E620118845AD}" type="datetimeFigureOut">
               <a:rPr lang="en-US" smtClean="0"/>
-              <a:t>9/14/2024</a:t>
+              <a:t>11/28/2024</a:t>
             </a:fld>
             <a:endParaRPr lang="en-US"/>
           </a:p>
@@ -1851,7 +1851,7 @@
           <a:p>
             <a:fld id="{24188342-571A-6841-AC1D-E620118845AD}" type="datetimeFigureOut">
               <a:rPr lang="en-US" smtClean="0"/>
-              <a:t>9/14/2024</a:t>
+              <a:t>11/28/2024</a:t>
             </a:fld>
             <a:endParaRPr lang="en-US"/>
           </a:p>
@@ -2263,7 +2263,7 @@
           <a:p>
             <a:fld id="{24188342-571A-6841-AC1D-E620118845AD}" type="datetimeFigureOut">
               <a:rPr lang="en-US" smtClean="0"/>
-              <a:t>9/14/2024</a:t>
+              <a:t>11/28/2024</a:t>
             </a:fld>
             <a:endParaRPr lang="en-US"/>
           </a:p>
@@ -2404,7 +2404,7 @@
           <a:p>
             <a:fld id="{24188342-571A-6841-AC1D-E620118845AD}" type="datetimeFigureOut">
               <a:rPr lang="en-US" smtClean="0"/>
-              <a:t>9/14/2024</a:t>
+              <a:t>11/28/2024</a:t>
             </a:fld>
             <a:endParaRPr lang="en-US"/>
           </a:p>
@@ -2517,7 +2517,7 @@
           <a:p>
             <a:fld id="{24188342-571A-6841-AC1D-E620118845AD}" type="datetimeFigureOut">
               <a:rPr lang="en-US" smtClean="0"/>
-              <a:t>9/14/2024</a:t>
+              <a:t>11/28/2024</a:t>
             </a:fld>
             <a:endParaRPr lang="en-US"/>
           </a:p>
@@ -2828,7 +2828,7 @@
           <a:p>
             <a:fld id="{24188342-571A-6841-AC1D-E620118845AD}" type="datetimeFigureOut">
               <a:rPr lang="en-US" smtClean="0"/>
-              <a:t>9/14/2024</a:t>
+              <a:t>11/28/2024</a:t>
             </a:fld>
             <a:endParaRPr lang="en-US"/>
           </a:p>
@@ -3116,7 +3116,7 @@
           <a:p>
             <a:fld id="{24188342-571A-6841-AC1D-E620118845AD}" type="datetimeFigureOut">
               <a:rPr lang="en-US" smtClean="0"/>
-              <a:t>9/14/2024</a:t>
+              <a:t>11/28/2024</a:t>
             </a:fld>
             <a:endParaRPr lang="en-US"/>
           </a:p>
@@ -3357,7 +3357,7 @@
           <a:p>
             <a:fld id="{24188342-571A-6841-AC1D-E620118845AD}" type="datetimeFigureOut">
               <a:rPr lang="en-US" smtClean="0"/>
-              <a:t>9/14/2024</a:t>
+              <a:t>11/28/2024</a:t>
             </a:fld>
             <a:endParaRPr lang="en-US"/>
           </a:p>
@@ -5483,8 +5483,8 @@
           </a:p>
         </p:txBody>
       </p:sp>
-      <mc:AlternateContent xmlns:mc="http://schemas.openxmlformats.org/markup-compatibility/2006" xmlns:a14="http://schemas.microsoft.com/office/drawing/2010/main">
-        <mc:Choice Requires="a14">
+      <mc:AlternateContent xmlns:mc="http://schemas.openxmlformats.org/markup-compatibility/2006">
+        <mc:Choice xmlns:a14="http://schemas.microsoft.com/office/drawing/2010/main" Requires="a14">
           <p:sp>
             <p:nvSpPr>
               <p:cNvPr id="68" name="Ellipse 67">
@@ -5562,7 +5562,7 @@
                             <a:rPr lang="de-DE" sz="3200" b="0" i="0" smtClean="0">
                               <a:latin typeface="Cambria Math" panose="02040503050406030204" pitchFamily="18" charset="0"/>
                             </a:rPr>
-                            <m:t>1</m:t>
+                            <m:t>2</m:t>
                           </m:r>
                         </m:sub>
                       </m:sSub>
@@ -5574,7 +5574,7 @@
             </p:txBody>
           </p:sp>
         </mc:Choice>
-        <mc:Fallback xmlns="">
+        <mc:Fallback>
           <p:sp>
             <p:nvSpPr>
               <p:cNvPr id="68" name="Ellipse 67">
@@ -5619,8 +5619,8 @@
           </p:sp>
         </mc:Fallback>
       </mc:AlternateContent>
-      <mc:AlternateContent xmlns:mc="http://schemas.openxmlformats.org/markup-compatibility/2006" xmlns:a14="http://schemas.microsoft.com/office/drawing/2010/main">
-        <mc:Choice Requires="a14">
+      <mc:AlternateContent xmlns:mc="http://schemas.openxmlformats.org/markup-compatibility/2006">
+        <mc:Choice xmlns:a14="http://schemas.microsoft.com/office/drawing/2010/main" Requires="a14">
           <p:sp>
             <p:nvSpPr>
               <p:cNvPr id="69" name="Ellipse 68">
@@ -5698,7 +5698,7 @@
                             <a:rPr lang="de-DE" sz="3200" b="0" i="0" smtClean="0">
                               <a:latin typeface="Cambria Math" panose="02040503050406030204" pitchFamily="18" charset="0"/>
                             </a:rPr>
-                            <m:t>2</m:t>
+                            <m:t>1</m:t>
                           </m:r>
                         </m:sub>
                       </m:sSub>
@@ -5710,7 +5710,7 @@
             </p:txBody>
           </p:sp>
         </mc:Choice>
-        <mc:Fallback xmlns="">
+        <mc:Fallback>
           <p:sp>
             <p:nvSpPr>
               <p:cNvPr id="69" name="Ellipse 68">

--- a/Materials/figures manually created/Fig. 2.pptx
+++ b/Materials/figures manually created/Fig. 2.pptx
@@ -2,7 +2,7 @@
 <file path=ppt/presentation.xml><?xml version="1.0" encoding="utf-8"?>
 <p:presentation xmlns:a="http://schemas.openxmlformats.org/drawingml/2006/main" xmlns:r="http://schemas.openxmlformats.org/officeDocument/2006/relationships" xmlns:p="http://schemas.openxmlformats.org/presentationml/2006/main" saveSubsetFonts="1" autoCompressPictures="0">
   <p:sldMasterIdLst>
-    <p:sldMasterId id="2147483648" r:id="rId1"/>
+    <p:sldMasterId id="2147483660" r:id="rId1"/>
   </p:sldMasterIdLst>
   <p:notesMasterIdLst>
     <p:notesMasterId r:id="rId3"/>
@@ -10,13 +10,13 @@
   <p:sldIdLst>
     <p:sldId id="288" r:id="rId2"/>
   </p:sldIdLst>
-  <p:sldSz cx="12192000" cy="6858000"/>
+  <p:sldSz cx="12192000" cy="7578725"/>
   <p:notesSz cx="6858000" cy="9144000"/>
   <p:defaultTextStyle>
     <a:defPPr>
       <a:defRPr lang="en-US"/>
     </a:defPPr>
-    <a:lvl1pPr marL="0" algn="l" defTabSz="914400" rtl="0" eaLnBrk="1" latinLnBrk="0" hangingPunct="1">
+    <a:lvl1pPr marL="0" algn="l" defTabSz="457200" rtl="0" eaLnBrk="1" latinLnBrk="0" hangingPunct="1">
       <a:defRPr sz="1800" kern="1200">
         <a:solidFill>
           <a:schemeClr val="tx1"/>
@@ -26,7 +26,7 @@
         <a:cs typeface="+mn-cs"/>
       </a:defRPr>
     </a:lvl1pPr>
-    <a:lvl2pPr marL="457200" algn="l" defTabSz="914400" rtl="0" eaLnBrk="1" latinLnBrk="0" hangingPunct="1">
+    <a:lvl2pPr marL="457200" algn="l" defTabSz="457200" rtl="0" eaLnBrk="1" latinLnBrk="0" hangingPunct="1">
       <a:defRPr sz="1800" kern="1200">
         <a:solidFill>
           <a:schemeClr val="tx1"/>
@@ -36,7 +36,7 @@
         <a:cs typeface="+mn-cs"/>
       </a:defRPr>
     </a:lvl2pPr>
-    <a:lvl3pPr marL="914400" algn="l" defTabSz="914400" rtl="0" eaLnBrk="1" latinLnBrk="0" hangingPunct="1">
+    <a:lvl3pPr marL="914400" algn="l" defTabSz="457200" rtl="0" eaLnBrk="1" latinLnBrk="0" hangingPunct="1">
       <a:defRPr sz="1800" kern="1200">
         <a:solidFill>
           <a:schemeClr val="tx1"/>
@@ -46,7 +46,7 @@
         <a:cs typeface="+mn-cs"/>
       </a:defRPr>
     </a:lvl3pPr>
-    <a:lvl4pPr marL="1371600" algn="l" defTabSz="914400" rtl="0" eaLnBrk="1" latinLnBrk="0" hangingPunct="1">
+    <a:lvl4pPr marL="1371600" algn="l" defTabSz="457200" rtl="0" eaLnBrk="1" latinLnBrk="0" hangingPunct="1">
       <a:defRPr sz="1800" kern="1200">
         <a:solidFill>
           <a:schemeClr val="tx1"/>
@@ -56,7 +56,7 @@
         <a:cs typeface="+mn-cs"/>
       </a:defRPr>
     </a:lvl4pPr>
-    <a:lvl5pPr marL="1828800" algn="l" defTabSz="914400" rtl="0" eaLnBrk="1" latinLnBrk="0" hangingPunct="1">
+    <a:lvl5pPr marL="1828800" algn="l" defTabSz="457200" rtl="0" eaLnBrk="1" latinLnBrk="0" hangingPunct="1">
       <a:defRPr sz="1800" kern="1200">
         <a:solidFill>
           <a:schemeClr val="tx1"/>
@@ -66,7 +66,7 @@
         <a:cs typeface="+mn-cs"/>
       </a:defRPr>
     </a:lvl5pPr>
-    <a:lvl6pPr marL="2286000" algn="l" defTabSz="914400" rtl="0" eaLnBrk="1" latinLnBrk="0" hangingPunct="1">
+    <a:lvl6pPr marL="2286000" algn="l" defTabSz="457200" rtl="0" eaLnBrk="1" latinLnBrk="0" hangingPunct="1">
       <a:defRPr sz="1800" kern="1200">
         <a:solidFill>
           <a:schemeClr val="tx1"/>
@@ -76,7 +76,7 @@
         <a:cs typeface="+mn-cs"/>
       </a:defRPr>
     </a:lvl6pPr>
-    <a:lvl7pPr marL="2743200" algn="l" defTabSz="914400" rtl="0" eaLnBrk="1" latinLnBrk="0" hangingPunct="1">
+    <a:lvl7pPr marL="2743200" algn="l" defTabSz="457200" rtl="0" eaLnBrk="1" latinLnBrk="0" hangingPunct="1">
       <a:defRPr sz="1800" kern="1200">
         <a:solidFill>
           <a:schemeClr val="tx1"/>
@@ -86,7 +86,7 @@
         <a:cs typeface="+mn-cs"/>
       </a:defRPr>
     </a:lvl7pPr>
-    <a:lvl8pPr marL="3200400" algn="l" defTabSz="914400" rtl="0" eaLnBrk="1" latinLnBrk="0" hangingPunct="1">
+    <a:lvl8pPr marL="3200400" algn="l" defTabSz="457200" rtl="0" eaLnBrk="1" latinLnBrk="0" hangingPunct="1">
       <a:defRPr sz="1800" kern="1200">
         <a:solidFill>
           <a:schemeClr val="tx1"/>
@@ -96,7 +96,7 @@
         <a:cs typeface="+mn-cs"/>
       </a:defRPr>
     </a:lvl8pPr>
-    <a:lvl9pPr marL="3657600" algn="l" defTabSz="914400" rtl="0" eaLnBrk="1" latinLnBrk="0" hangingPunct="1">
+    <a:lvl9pPr marL="3657600" algn="l" defTabSz="457200" rtl="0" eaLnBrk="1" latinLnBrk="0" hangingPunct="1">
       <a:defRPr sz="1800" kern="1200">
         <a:solidFill>
           <a:schemeClr val="tx1"/>
@@ -209,7 +209,7 @@
           <a:p>
             <a:fld id="{77C10B95-DE72-CA42-8E03-6337D8532236}" type="datetimeFigureOut">
               <a:rPr lang="de-DE" smtClean="0"/>
-              <a:t>28.11.2024</a:t>
+              <a:t>07.01.2025</a:t>
             </a:fld>
             <a:endParaRPr lang="de-DE"/>
           </a:p>
@@ -227,8 +227,8 @@
         </p:nvSpPr>
         <p:spPr>
           <a:xfrm>
-            <a:off x="685800" y="1143000"/>
-            <a:ext cx="5486400" cy="3086100"/>
+            <a:off x="946150" y="1143000"/>
+            <a:ext cx="4965700" cy="3086100"/>
           </a:xfrm>
           <a:prstGeom prst="rect">
             <a:avLst/>
@@ -503,7 +503,12 @@
             <p:ph type="sldImg"/>
           </p:nvPr>
         </p:nvSpPr>
-        <p:spPr/>
+        <p:spPr>
+          <a:xfrm>
+            <a:off x="946150" y="1143000"/>
+            <a:ext cx="4965700" cy="3086100"/>
+          </a:xfrm>
+        </p:spPr>
       </p:sp>
       <p:sp>
         <p:nvSpPr>
@@ -562,7 +567,7 @@
 
 <file path=ppt/slideLayouts/slideLayout1.xml><?xml version="1.0" encoding="utf-8"?>
 <p:sldLayout xmlns:a="http://schemas.openxmlformats.org/drawingml/2006/main" xmlns:r="http://schemas.openxmlformats.org/officeDocument/2006/relationships" xmlns:p="http://schemas.openxmlformats.org/presentationml/2006/main" type="title" preserve="1">
-  <p:cSld name="Title Slide">
+  <p:cSld name="Titelfolie">
     <p:spTree>
       <p:nvGrpSpPr>
         <p:cNvPr id="1" name=""/>
@@ -579,13 +584,7 @@
       </p:grpSpPr>
       <p:sp>
         <p:nvSpPr>
-          <p:cNvPr id="2" name="Title 1">
-            <a:extLst>
-              <a:ext uri="{FF2B5EF4-FFF2-40B4-BE49-F238E27FC236}">
-                <a16:creationId xmlns:a16="http://schemas.microsoft.com/office/drawing/2014/main" id="{C3F077F3-06D5-A17F-DFF7-9D31F3B4C3BD}"/>
-              </a:ext>
-            </a:extLst>
-          </p:cNvPr>
+          <p:cNvPr id="2" name="Title 1"/>
           <p:cNvSpPr>
             <a:spLocks noGrp="1"/>
           </p:cNvSpPr>
@@ -595,8 +594,8 @@
         </p:nvSpPr>
         <p:spPr>
           <a:xfrm>
-            <a:off x="1524000" y="1122363"/>
-            <a:ext cx="9144000" cy="2387600"/>
+            <a:off x="1524000" y="1240315"/>
+            <a:ext cx="9144000" cy="2638519"/>
           </a:xfrm>
         </p:spPr>
         <p:txBody>
@@ -608,21 +607,16 @@
           </a:lstStyle>
           <a:p>
             <a:r>
-              <a:rPr lang="en-US"/>
-              <a:t>Click to edit Master title style</a:t>
-            </a:r>
-          </a:p>
-        </p:txBody>
-      </p:sp>
-      <p:sp>
-        <p:nvSpPr>
-          <p:cNvPr id="3" name="Subtitle 2">
-            <a:extLst>
-              <a:ext uri="{FF2B5EF4-FFF2-40B4-BE49-F238E27FC236}">
-                <a16:creationId xmlns:a16="http://schemas.microsoft.com/office/drawing/2014/main" id="{D1F032BC-C8E5-4EAB-6CE4-7226D536C0D7}"/>
-              </a:ext>
-            </a:extLst>
-          </p:cNvPr>
+              <a:rPr lang="de-DE"/>
+              <a:t>Mastertitelformat bearbeiten</a:t>
+            </a:r>
+            <a:endParaRPr lang="en-US" dirty="0"/>
+          </a:p>
+        </p:txBody>
+      </p:sp>
+      <p:sp>
+        <p:nvSpPr>
+          <p:cNvPr id="3" name="Subtitle 2"/>
           <p:cNvSpPr>
             <a:spLocks noGrp="1"/>
           </p:cNvSpPr>
@@ -632,8 +626,8 @@
         </p:nvSpPr>
         <p:spPr>
           <a:xfrm>
-            <a:off x="1524000" y="3602038"/>
-            <a:ext cx="9144000" cy="1655762"/>
+            <a:off x="1524000" y="3980586"/>
+            <a:ext cx="9144000" cy="1829770"/>
           </a:xfrm>
         </p:spPr>
         <p:txBody>
@@ -678,21 +672,16 @@
           </a:lstStyle>
           <a:p>
             <a:r>
-              <a:rPr lang="en-US"/>
-              <a:t>Click to edit Master subtitle style</a:t>
-            </a:r>
-          </a:p>
-        </p:txBody>
-      </p:sp>
-      <p:sp>
-        <p:nvSpPr>
-          <p:cNvPr id="4" name="Date Placeholder 3">
-            <a:extLst>
-              <a:ext uri="{FF2B5EF4-FFF2-40B4-BE49-F238E27FC236}">
-                <a16:creationId xmlns:a16="http://schemas.microsoft.com/office/drawing/2014/main" id="{FE2121D4-81F8-B50B-4E2D-6ED7FBB600DC}"/>
-              </a:ext>
-            </a:extLst>
-          </p:cNvPr>
+              <a:rPr lang="de-DE"/>
+              <a:t>Master-Untertitelformat bearbeiten</a:t>
+            </a:r>
+            <a:endParaRPr lang="en-US" dirty="0"/>
+          </a:p>
+        </p:txBody>
+      </p:sp>
+      <p:sp>
+        <p:nvSpPr>
+          <p:cNvPr id="4" name="Date Placeholder 3"/>
           <p:cNvSpPr>
             <a:spLocks noGrp="1"/>
           </p:cNvSpPr>
@@ -707,7 +696,7 @@
           <a:p>
             <a:fld id="{24188342-571A-6841-AC1D-E620118845AD}" type="datetimeFigureOut">
               <a:rPr lang="en-US" smtClean="0"/>
-              <a:t>11/28/2024</a:t>
+              <a:t>1/7/2025</a:t>
             </a:fld>
             <a:endParaRPr lang="en-US"/>
           </a:p>
@@ -715,13 +704,7 @@
       </p:sp>
       <p:sp>
         <p:nvSpPr>
-          <p:cNvPr id="5" name="Footer Placeholder 4">
-            <a:extLst>
-              <a:ext uri="{FF2B5EF4-FFF2-40B4-BE49-F238E27FC236}">
-                <a16:creationId xmlns:a16="http://schemas.microsoft.com/office/drawing/2014/main" id="{1B69A8AC-3930-EEFB-BA90-C7AB0035F597}"/>
-              </a:ext>
-            </a:extLst>
-          </p:cNvPr>
+          <p:cNvPr id="5" name="Footer Placeholder 4"/>
           <p:cNvSpPr>
             <a:spLocks noGrp="1"/>
           </p:cNvSpPr>
@@ -740,13 +723,7 @@
       </p:sp>
       <p:sp>
         <p:nvSpPr>
-          <p:cNvPr id="6" name="Slide Number Placeholder 5">
-            <a:extLst>
-              <a:ext uri="{FF2B5EF4-FFF2-40B4-BE49-F238E27FC236}">
-                <a16:creationId xmlns:a16="http://schemas.microsoft.com/office/drawing/2014/main" id="{6229C386-82FF-FEFB-1610-4D6D4FC3AC39}"/>
-              </a:ext>
-            </a:extLst>
-          </p:cNvPr>
+          <p:cNvPr id="6" name="Slide Number Placeholder 5"/>
           <p:cNvSpPr>
             <a:spLocks noGrp="1"/>
           </p:cNvSpPr>
@@ -770,7 +747,7 @@
     </p:spTree>
     <p:extLst>
       <p:ext uri="{BB962C8B-B14F-4D97-AF65-F5344CB8AC3E}">
-        <p14:creationId xmlns:p14="http://schemas.microsoft.com/office/powerpoint/2010/main" val="2379577520"/>
+        <p14:creationId xmlns:p14="http://schemas.microsoft.com/office/powerpoint/2010/main" val="2667631631"/>
       </p:ext>
     </p:extLst>
   </p:cSld>
@@ -782,7 +759,7 @@
 
 <file path=ppt/slideLayouts/slideLayout10.xml><?xml version="1.0" encoding="utf-8"?>
 <p:sldLayout xmlns:a="http://schemas.openxmlformats.org/drawingml/2006/main" xmlns:r="http://schemas.openxmlformats.org/officeDocument/2006/relationships" xmlns:p="http://schemas.openxmlformats.org/presentationml/2006/main" type="vertTx" preserve="1">
-  <p:cSld name="Title and Vertical Text">
+  <p:cSld name="Titel und vertikaler Text">
     <p:spTree>
       <p:nvGrpSpPr>
         <p:cNvPr id="1" name=""/>
@@ -799,13 +776,7 @@
       </p:grpSpPr>
       <p:sp>
         <p:nvSpPr>
-          <p:cNvPr id="2" name="Title 1">
-            <a:extLst>
-              <a:ext uri="{FF2B5EF4-FFF2-40B4-BE49-F238E27FC236}">
-                <a16:creationId xmlns:a16="http://schemas.microsoft.com/office/drawing/2014/main" id="{C2824FFA-C1E1-3656-07B9-732DACD6A126}"/>
-              </a:ext>
-            </a:extLst>
-          </p:cNvPr>
+          <p:cNvPr id="2" name="Title 1"/>
           <p:cNvSpPr>
             <a:spLocks noGrp="1"/>
           </p:cNvSpPr>
@@ -819,21 +790,16 @@
           <a:lstStyle/>
           <a:p>
             <a:r>
-              <a:rPr lang="en-US"/>
-              <a:t>Click to edit Master title style</a:t>
-            </a:r>
-          </a:p>
-        </p:txBody>
-      </p:sp>
-      <p:sp>
-        <p:nvSpPr>
-          <p:cNvPr id="3" name="Vertical Text Placeholder 2">
-            <a:extLst>
-              <a:ext uri="{FF2B5EF4-FFF2-40B4-BE49-F238E27FC236}">
-                <a16:creationId xmlns:a16="http://schemas.microsoft.com/office/drawing/2014/main" id="{62817318-8E57-15E2-52D1-A7C24A0C578B}"/>
-              </a:ext>
-            </a:extLst>
-          </p:cNvPr>
+              <a:rPr lang="de-DE"/>
+              <a:t>Mastertitelformat bearbeiten</a:t>
+            </a:r>
+            <a:endParaRPr lang="en-US" dirty="0"/>
+          </a:p>
+        </p:txBody>
+      </p:sp>
+      <p:sp>
+        <p:nvSpPr>
+          <p:cNvPr id="3" name="Vertical Text Placeholder 2"/>
           <p:cNvSpPr>
             <a:spLocks noGrp="1"/>
           </p:cNvSpPr>
@@ -848,49 +814,44 @@
           <a:p>
             <a:pPr lvl="0"/>
             <a:r>
-              <a:rPr lang="en-US"/>
-              <a:t>Click to edit Master text styles</a:t>
+              <a:rPr lang="de-DE"/>
+              <a:t>Mastertextformat bearbeiten</a:t>
             </a:r>
           </a:p>
           <a:p>
             <a:pPr lvl="1"/>
             <a:r>
-              <a:rPr lang="en-US"/>
-              <a:t>Second level</a:t>
+              <a:rPr lang="de-DE"/>
+              <a:t>Zweite Ebene</a:t>
             </a:r>
           </a:p>
           <a:p>
             <a:pPr lvl="2"/>
             <a:r>
-              <a:rPr lang="en-US"/>
-              <a:t>Third level</a:t>
+              <a:rPr lang="de-DE"/>
+              <a:t>Dritte Ebene</a:t>
             </a:r>
           </a:p>
           <a:p>
             <a:pPr lvl="3"/>
             <a:r>
-              <a:rPr lang="en-US"/>
-              <a:t>Fourth level</a:t>
+              <a:rPr lang="de-DE"/>
+              <a:t>Vierte Ebene</a:t>
             </a:r>
           </a:p>
           <a:p>
             <a:pPr lvl="4"/>
             <a:r>
-              <a:rPr lang="en-US"/>
-              <a:t>Fifth level</a:t>
-            </a:r>
-          </a:p>
-        </p:txBody>
-      </p:sp>
-      <p:sp>
-        <p:nvSpPr>
-          <p:cNvPr id="4" name="Date Placeholder 3">
-            <a:extLst>
-              <a:ext uri="{FF2B5EF4-FFF2-40B4-BE49-F238E27FC236}">
-                <a16:creationId xmlns:a16="http://schemas.microsoft.com/office/drawing/2014/main" id="{032732E0-54F9-8976-7108-4BE890C6FB76}"/>
-              </a:ext>
-            </a:extLst>
-          </p:cNvPr>
+              <a:rPr lang="de-DE"/>
+              <a:t>Fünfte Ebene</a:t>
+            </a:r>
+            <a:endParaRPr lang="en-US" dirty="0"/>
+          </a:p>
+        </p:txBody>
+      </p:sp>
+      <p:sp>
+        <p:nvSpPr>
+          <p:cNvPr id="4" name="Date Placeholder 3"/>
           <p:cNvSpPr>
             <a:spLocks noGrp="1"/>
           </p:cNvSpPr>
@@ -905,7 +866,7 @@
           <a:p>
             <a:fld id="{24188342-571A-6841-AC1D-E620118845AD}" type="datetimeFigureOut">
               <a:rPr lang="en-US" smtClean="0"/>
-              <a:t>11/28/2024</a:t>
+              <a:t>1/7/2025</a:t>
             </a:fld>
             <a:endParaRPr lang="en-US"/>
           </a:p>
@@ -913,13 +874,7 @@
       </p:sp>
       <p:sp>
         <p:nvSpPr>
-          <p:cNvPr id="5" name="Footer Placeholder 4">
-            <a:extLst>
-              <a:ext uri="{FF2B5EF4-FFF2-40B4-BE49-F238E27FC236}">
-                <a16:creationId xmlns:a16="http://schemas.microsoft.com/office/drawing/2014/main" id="{DE80F663-FC22-2298-48E8-71B014AE03E6}"/>
-              </a:ext>
-            </a:extLst>
-          </p:cNvPr>
+          <p:cNvPr id="5" name="Footer Placeholder 4"/>
           <p:cNvSpPr>
             <a:spLocks noGrp="1"/>
           </p:cNvSpPr>
@@ -938,13 +893,7 @@
       </p:sp>
       <p:sp>
         <p:nvSpPr>
-          <p:cNvPr id="6" name="Slide Number Placeholder 5">
-            <a:extLst>
-              <a:ext uri="{FF2B5EF4-FFF2-40B4-BE49-F238E27FC236}">
-                <a16:creationId xmlns:a16="http://schemas.microsoft.com/office/drawing/2014/main" id="{B54AA12F-995F-D5D9-C743-53A5EEEB3564}"/>
-              </a:ext>
-            </a:extLst>
-          </p:cNvPr>
+          <p:cNvPr id="6" name="Slide Number Placeholder 5"/>
           <p:cNvSpPr>
             <a:spLocks noGrp="1"/>
           </p:cNvSpPr>
@@ -968,7 +917,7 @@
     </p:spTree>
     <p:extLst>
       <p:ext uri="{BB962C8B-B14F-4D97-AF65-F5344CB8AC3E}">
-        <p14:creationId xmlns:p14="http://schemas.microsoft.com/office/powerpoint/2010/main" val="194193086"/>
+        <p14:creationId xmlns:p14="http://schemas.microsoft.com/office/powerpoint/2010/main" val="506775941"/>
       </p:ext>
     </p:extLst>
   </p:cSld>
@@ -980,7 +929,7 @@
 
 <file path=ppt/slideLayouts/slideLayout11.xml><?xml version="1.0" encoding="utf-8"?>
 <p:sldLayout xmlns:a="http://schemas.openxmlformats.org/drawingml/2006/main" xmlns:r="http://schemas.openxmlformats.org/officeDocument/2006/relationships" xmlns:p="http://schemas.openxmlformats.org/presentationml/2006/main" type="vertTitleAndTx" preserve="1">
-  <p:cSld name="Vertical Title and Text">
+  <p:cSld name="Vertikaler Titel und Text">
     <p:spTree>
       <p:nvGrpSpPr>
         <p:cNvPr id="1" name=""/>
@@ -997,13 +946,7 @@
       </p:grpSpPr>
       <p:sp>
         <p:nvSpPr>
-          <p:cNvPr id="2" name="Vertical Title 1">
-            <a:extLst>
-              <a:ext uri="{FF2B5EF4-FFF2-40B4-BE49-F238E27FC236}">
-                <a16:creationId xmlns:a16="http://schemas.microsoft.com/office/drawing/2014/main" id="{1C98C481-0419-0211-48C6-60899B7D40B4}"/>
-              </a:ext>
-            </a:extLst>
-          </p:cNvPr>
+          <p:cNvPr id="2" name="Vertical Title 1"/>
           <p:cNvSpPr>
             <a:spLocks noGrp="1"/>
           </p:cNvSpPr>
@@ -1013,8 +956,8 @@
         </p:nvSpPr>
         <p:spPr>
           <a:xfrm>
-            <a:off x="8724900" y="365125"/>
-            <a:ext cx="2628900" cy="5811838"/>
+            <a:off x="8724900" y="403497"/>
+            <a:ext cx="2628900" cy="6422619"/>
           </a:xfrm>
         </p:spPr>
         <p:txBody>
@@ -1022,21 +965,16 @@
           <a:lstStyle/>
           <a:p>
             <a:r>
-              <a:rPr lang="en-US"/>
-              <a:t>Click to edit Master title style</a:t>
-            </a:r>
-          </a:p>
-        </p:txBody>
-      </p:sp>
-      <p:sp>
-        <p:nvSpPr>
-          <p:cNvPr id="3" name="Vertical Text Placeholder 2">
-            <a:extLst>
-              <a:ext uri="{FF2B5EF4-FFF2-40B4-BE49-F238E27FC236}">
-                <a16:creationId xmlns:a16="http://schemas.microsoft.com/office/drawing/2014/main" id="{C02F117C-0A6D-93D9-17CC-A99E0CB8D66A}"/>
-              </a:ext>
-            </a:extLst>
-          </p:cNvPr>
+              <a:rPr lang="de-DE"/>
+              <a:t>Mastertitelformat bearbeiten</a:t>
+            </a:r>
+            <a:endParaRPr lang="en-US" dirty="0"/>
+          </a:p>
+        </p:txBody>
+      </p:sp>
+      <p:sp>
+        <p:nvSpPr>
+          <p:cNvPr id="3" name="Vertical Text Placeholder 2"/>
           <p:cNvSpPr>
             <a:spLocks noGrp="1"/>
           </p:cNvSpPr>
@@ -1046,8 +984,8 @@
         </p:nvSpPr>
         <p:spPr>
           <a:xfrm>
-            <a:off x="838200" y="365125"/>
-            <a:ext cx="7734300" cy="5811838"/>
+            <a:off x="838200" y="403497"/>
+            <a:ext cx="7734300" cy="6422619"/>
           </a:xfrm>
         </p:spPr>
         <p:txBody>
@@ -1056,49 +994,44 @@
           <a:p>
             <a:pPr lvl="0"/>
             <a:r>
-              <a:rPr lang="en-US"/>
-              <a:t>Click to edit Master text styles</a:t>
+              <a:rPr lang="de-DE"/>
+              <a:t>Mastertextformat bearbeiten</a:t>
             </a:r>
           </a:p>
           <a:p>
             <a:pPr lvl="1"/>
             <a:r>
-              <a:rPr lang="en-US"/>
-              <a:t>Second level</a:t>
+              <a:rPr lang="de-DE"/>
+              <a:t>Zweite Ebene</a:t>
             </a:r>
           </a:p>
           <a:p>
             <a:pPr lvl="2"/>
             <a:r>
-              <a:rPr lang="en-US"/>
-              <a:t>Third level</a:t>
+              <a:rPr lang="de-DE"/>
+              <a:t>Dritte Ebene</a:t>
             </a:r>
           </a:p>
           <a:p>
             <a:pPr lvl="3"/>
             <a:r>
-              <a:rPr lang="en-US"/>
-              <a:t>Fourth level</a:t>
+              <a:rPr lang="de-DE"/>
+              <a:t>Vierte Ebene</a:t>
             </a:r>
           </a:p>
           <a:p>
             <a:pPr lvl="4"/>
             <a:r>
-              <a:rPr lang="en-US"/>
-              <a:t>Fifth level</a:t>
-            </a:r>
-          </a:p>
-        </p:txBody>
-      </p:sp>
-      <p:sp>
-        <p:nvSpPr>
-          <p:cNvPr id="4" name="Date Placeholder 3">
-            <a:extLst>
-              <a:ext uri="{FF2B5EF4-FFF2-40B4-BE49-F238E27FC236}">
-                <a16:creationId xmlns:a16="http://schemas.microsoft.com/office/drawing/2014/main" id="{97B775FF-2C4D-24BF-602B-A564DEBDA927}"/>
-              </a:ext>
-            </a:extLst>
-          </p:cNvPr>
+              <a:rPr lang="de-DE"/>
+              <a:t>Fünfte Ebene</a:t>
+            </a:r>
+            <a:endParaRPr lang="en-US" dirty="0"/>
+          </a:p>
+        </p:txBody>
+      </p:sp>
+      <p:sp>
+        <p:nvSpPr>
+          <p:cNvPr id="4" name="Date Placeholder 3"/>
           <p:cNvSpPr>
             <a:spLocks noGrp="1"/>
           </p:cNvSpPr>
@@ -1113,7 +1046,7 @@
           <a:p>
             <a:fld id="{24188342-571A-6841-AC1D-E620118845AD}" type="datetimeFigureOut">
               <a:rPr lang="en-US" smtClean="0"/>
-              <a:t>11/28/2024</a:t>
+              <a:t>1/7/2025</a:t>
             </a:fld>
             <a:endParaRPr lang="en-US"/>
           </a:p>
@@ -1121,13 +1054,7 @@
       </p:sp>
       <p:sp>
         <p:nvSpPr>
-          <p:cNvPr id="5" name="Footer Placeholder 4">
-            <a:extLst>
-              <a:ext uri="{FF2B5EF4-FFF2-40B4-BE49-F238E27FC236}">
-                <a16:creationId xmlns:a16="http://schemas.microsoft.com/office/drawing/2014/main" id="{8818F461-2035-4801-7F5B-785202B34750}"/>
-              </a:ext>
-            </a:extLst>
-          </p:cNvPr>
+          <p:cNvPr id="5" name="Footer Placeholder 4"/>
           <p:cNvSpPr>
             <a:spLocks noGrp="1"/>
           </p:cNvSpPr>
@@ -1146,13 +1073,7 @@
       </p:sp>
       <p:sp>
         <p:nvSpPr>
-          <p:cNvPr id="6" name="Slide Number Placeholder 5">
-            <a:extLst>
-              <a:ext uri="{FF2B5EF4-FFF2-40B4-BE49-F238E27FC236}">
-                <a16:creationId xmlns:a16="http://schemas.microsoft.com/office/drawing/2014/main" id="{39C94DA3-0714-FD77-3D79-711561454762}"/>
-              </a:ext>
-            </a:extLst>
-          </p:cNvPr>
+          <p:cNvPr id="6" name="Slide Number Placeholder 5"/>
           <p:cNvSpPr>
             <a:spLocks noGrp="1"/>
           </p:cNvSpPr>
@@ -1176,7 +1097,7 @@
     </p:spTree>
     <p:extLst>
       <p:ext uri="{BB962C8B-B14F-4D97-AF65-F5344CB8AC3E}">
-        <p14:creationId xmlns:p14="http://schemas.microsoft.com/office/powerpoint/2010/main" val="3914096728"/>
+        <p14:creationId xmlns:p14="http://schemas.microsoft.com/office/powerpoint/2010/main" val="3911155971"/>
       </p:ext>
     </p:extLst>
   </p:cSld>
@@ -1188,7 +1109,7 @@
 
 <file path=ppt/slideLayouts/slideLayout2.xml><?xml version="1.0" encoding="utf-8"?>
 <p:sldLayout xmlns:a="http://schemas.openxmlformats.org/drawingml/2006/main" xmlns:r="http://schemas.openxmlformats.org/officeDocument/2006/relationships" xmlns:p="http://schemas.openxmlformats.org/presentationml/2006/main" type="obj" preserve="1">
-  <p:cSld name="Title and Content">
+  <p:cSld name="Titel und Inhalt">
     <p:spTree>
       <p:nvGrpSpPr>
         <p:cNvPr id="1" name=""/>
@@ -1205,13 +1126,7 @@
       </p:grpSpPr>
       <p:sp>
         <p:nvSpPr>
-          <p:cNvPr id="2" name="Title 1">
-            <a:extLst>
-              <a:ext uri="{FF2B5EF4-FFF2-40B4-BE49-F238E27FC236}">
-                <a16:creationId xmlns:a16="http://schemas.microsoft.com/office/drawing/2014/main" id="{DF7E369A-1E73-6E10-BDFB-EBAF11B1FE12}"/>
-              </a:ext>
-            </a:extLst>
-          </p:cNvPr>
+          <p:cNvPr id="2" name="Title 1"/>
           <p:cNvSpPr>
             <a:spLocks noGrp="1"/>
           </p:cNvSpPr>
@@ -1225,21 +1140,16 @@
           <a:lstStyle/>
           <a:p>
             <a:r>
-              <a:rPr lang="en-US"/>
-              <a:t>Click to edit Master title style</a:t>
-            </a:r>
-          </a:p>
-        </p:txBody>
-      </p:sp>
-      <p:sp>
-        <p:nvSpPr>
-          <p:cNvPr id="3" name="Content Placeholder 2">
-            <a:extLst>
-              <a:ext uri="{FF2B5EF4-FFF2-40B4-BE49-F238E27FC236}">
-                <a16:creationId xmlns:a16="http://schemas.microsoft.com/office/drawing/2014/main" id="{B3F4511C-DBD0-EF28-0CDC-1EEB5299766C}"/>
-              </a:ext>
-            </a:extLst>
-          </p:cNvPr>
+              <a:rPr lang="de-DE"/>
+              <a:t>Mastertitelformat bearbeiten</a:t>
+            </a:r>
+            <a:endParaRPr lang="en-US" dirty="0"/>
+          </a:p>
+        </p:txBody>
+      </p:sp>
+      <p:sp>
+        <p:nvSpPr>
+          <p:cNvPr id="3" name="Content Placeholder 2"/>
           <p:cNvSpPr>
             <a:spLocks noGrp="1"/>
           </p:cNvSpPr>
@@ -1254,49 +1164,44 @@
           <a:p>
             <a:pPr lvl="0"/>
             <a:r>
-              <a:rPr lang="en-US"/>
-              <a:t>Click to edit Master text styles</a:t>
+              <a:rPr lang="de-DE"/>
+              <a:t>Mastertextformat bearbeiten</a:t>
             </a:r>
           </a:p>
           <a:p>
             <a:pPr lvl="1"/>
             <a:r>
-              <a:rPr lang="en-US"/>
-              <a:t>Second level</a:t>
+              <a:rPr lang="de-DE"/>
+              <a:t>Zweite Ebene</a:t>
             </a:r>
           </a:p>
           <a:p>
             <a:pPr lvl="2"/>
             <a:r>
-              <a:rPr lang="en-US"/>
-              <a:t>Third level</a:t>
+              <a:rPr lang="de-DE"/>
+              <a:t>Dritte Ebene</a:t>
             </a:r>
           </a:p>
           <a:p>
             <a:pPr lvl="3"/>
             <a:r>
-              <a:rPr lang="en-US"/>
-              <a:t>Fourth level</a:t>
+              <a:rPr lang="de-DE"/>
+              <a:t>Vierte Ebene</a:t>
             </a:r>
           </a:p>
           <a:p>
             <a:pPr lvl="4"/>
             <a:r>
-              <a:rPr lang="en-US"/>
-              <a:t>Fifth level</a:t>
-            </a:r>
-          </a:p>
-        </p:txBody>
-      </p:sp>
-      <p:sp>
-        <p:nvSpPr>
-          <p:cNvPr id="4" name="Date Placeholder 3">
-            <a:extLst>
-              <a:ext uri="{FF2B5EF4-FFF2-40B4-BE49-F238E27FC236}">
-                <a16:creationId xmlns:a16="http://schemas.microsoft.com/office/drawing/2014/main" id="{92623CAE-713B-ED86-5C44-37B7EEDDD777}"/>
-              </a:ext>
-            </a:extLst>
-          </p:cNvPr>
+              <a:rPr lang="de-DE"/>
+              <a:t>Fünfte Ebene</a:t>
+            </a:r>
+            <a:endParaRPr lang="en-US" dirty="0"/>
+          </a:p>
+        </p:txBody>
+      </p:sp>
+      <p:sp>
+        <p:nvSpPr>
+          <p:cNvPr id="4" name="Date Placeholder 3"/>
           <p:cNvSpPr>
             <a:spLocks noGrp="1"/>
           </p:cNvSpPr>
@@ -1311,7 +1216,7 @@
           <a:p>
             <a:fld id="{24188342-571A-6841-AC1D-E620118845AD}" type="datetimeFigureOut">
               <a:rPr lang="en-US" smtClean="0"/>
-              <a:t>11/28/2024</a:t>
+              <a:t>1/7/2025</a:t>
             </a:fld>
             <a:endParaRPr lang="en-US"/>
           </a:p>
@@ -1319,13 +1224,7 @@
       </p:sp>
       <p:sp>
         <p:nvSpPr>
-          <p:cNvPr id="5" name="Footer Placeholder 4">
-            <a:extLst>
-              <a:ext uri="{FF2B5EF4-FFF2-40B4-BE49-F238E27FC236}">
-                <a16:creationId xmlns:a16="http://schemas.microsoft.com/office/drawing/2014/main" id="{378C877B-8F31-CFA8-648C-6CA916731746}"/>
-              </a:ext>
-            </a:extLst>
-          </p:cNvPr>
+          <p:cNvPr id="5" name="Footer Placeholder 4"/>
           <p:cNvSpPr>
             <a:spLocks noGrp="1"/>
           </p:cNvSpPr>
@@ -1344,13 +1243,7 @@
       </p:sp>
       <p:sp>
         <p:nvSpPr>
-          <p:cNvPr id="6" name="Slide Number Placeholder 5">
-            <a:extLst>
-              <a:ext uri="{FF2B5EF4-FFF2-40B4-BE49-F238E27FC236}">
-                <a16:creationId xmlns:a16="http://schemas.microsoft.com/office/drawing/2014/main" id="{847DBB75-0839-891A-EF95-E366C79014BA}"/>
-              </a:ext>
-            </a:extLst>
-          </p:cNvPr>
+          <p:cNvPr id="6" name="Slide Number Placeholder 5"/>
           <p:cNvSpPr>
             <a:spLocks noGrp="1"/>
           </p:cNvSpPr>
@@ -1374,7 +1267,7 @@
     </p:spTree>
     <p:extLst>
       <p:ext uri="{BB962C8B-B14F-4D97-AF65-F5344CB8AC3E}">
-        <p14:creationId xmlns:p14="http://schemas.microsoft.com/office/powerpoint/2010/main" val="773158692"/>
+        <p14:creationId xmlns:p14="http://schemas.microsoft.com/office/powerpoint/2010/main" val="3934067991"/>
       </p:ext>
     </p:extLst>
   </p:cSld>
@@ -1386,7 +1279,7 @@
 
 <file path=ppt/slideLayouts/slideLayout3.xml><?xml version="1.0" encoding="utf-8"?>
 <p:sldLayout xmlns:a="http://schemas.openxmlformats.org/drawingml/2006/main" xmlns:r="http://schemas.openxmlformats.org/officeDocument/2006/relationships" xmlns:p="http://schemas.openxmlformats.org/presentationml/2006/main" type="secHead" preserve="1">
-  <p:cSld name="Section Header">
+  <p:cSld name="Abschnitts-&#10;überschrift">
     <p:spTree>
       <p:nvGrpSpPr>
         <p:cNvPr id="1" name=""/>
@@ -1403,13 +1296,7 @@
       </p:grpSpPr>
       <p:sp>
         <p:nvSpPr>
-          <p:cNvPr id="2" name="Title 1">
-            <a:extLst>
-              <a:ext uri="{FF2B5EF4-FFF2-40B4-BE49-F238E27FC236}">
-                <a16:creationId xmlns:a16="http://schemas.microsoft.com/office/drawing/2014/main" id="{F98B8ACF-EFA2-4441-9EFF-C56ED6A1FCEF}"/>
-              </a:ext>
-            </a:extLst>
-          </p:cNvPr>
+          <p:cNvPr id="2" name="Title 1"/>
           <p:cNvSpPr>
             <a:spLocks noGrp="1"/>
           </p:cNvSpPr>
@@ -1419,8 +1306,8 @@
         </p:nvSpPr>
         <p:spPr>
           <a:xfrm>
-            <a:off x="831850" y="1709738"/>
-            <a:ext cx="10515600" cy="2852737"/>
+            <a:off x="831850" y="1889419"/>
+            <a:ext cx="10515600" cy="3152539"/>
           </a:xfrm>
         </p:spPr>
         <p:txBody>
@@ -1432,21 +1319,16 @@
           </a:lstStyle>
           <a:p>
             <a:r>
-              <a:rPr lang="en-US"/>
-              <a:t>Click to edit Master title style</a:t>
-            </a:r>
-          </a:p>
-        </p:txBody>
-      </p:sp>
-      <p:sp>
-        <p:nvSpPr>
-          <p:cNvPr id="3" name="Text Placeholder 2">
-            <a:extLst>
-              <a:ext uri="{FF2B5EF4-FFF2-40B4-BE49-F238E27FC236}">
-                <a16:creationId xmlns:a16="http://schemas.microsoft.com/office/drawing/2014/main" id="{09994E7F-5F5E-0282-51AE-F723155DF6A3}"/>
-              </a:ext>
-            </a:extLst>
-          </p:cNvPr>
+              <a:rPr lang="de-DE"/>
+              <a:t>Mastertitelformat bearbeiten</a:t>
+            </a:r>
+            <a:endParaRPr lang="en-US" dirty="0"/>
+          </a:p>
+        </p:txBody>
+      </p:sp>
+      <p:sp>
+        <p:nvSpPr>
+          <p:cNvPr id="3" name="Text Placeholder 2"/>
           <p:cNvSpPr>
             <a:spLocks noGrp="1"/>
           </p:cNvSpPr>
@@ -1456,8 +1338,8 @@
         </p:nvSpPr>
         <p:spPr>
           <a:xfrm>
-            <a:off x="831850" y="4589463"/>
-            <a:ext cx="10515600" cy="1500187"/>
+            <a:off x="831850" y="5071782"/>
+            <a:ext cx="10515600" cy="1657846"/>
           </a:xfrm>
         </p:spPr>
         <p:txBody>
@@ -1557,21 +1439,15 @@
           <a:p>
             <a:pPr lvl="0"/>
             <a:r>
-              <a:rPr lang="en-US"/>
-              <a:t>Click to edit Master text styles</a:t>
-            </a:r>
-          </a:p>
-        </p:txBody>
-      </p:sp>
-      <p:sp>
-        <p:nvSpPr>
-          <p:cNvPr id="4" name="Date Placeholder 3">
-            <a:extLst>
-              <a:ext uri="{FF2B5EF4-FFF2-40B4-BE49-F238E27FC236}">
-                <a16:creationId xmlns:a16="http://schemas.microsoft.com/office/drawing/2014/main" id="{22371B00-AE0B-9E71-AD16-E11D954C4901}"/>
-              </a:ext>
-            </a:extLst>
-          </p:cNvPr>
+              <a:rPr lang="de-DE"/>
+              <a:t>Mastertextformat bearbeiten</a:t>
+            </a:r>
+          </a:p>
+        </p:txBody>
+      </p:sp>
+      <p:sp>
+        <p:nvSpPr>
+          <p:cNvPr id="4" name="Date Placeholder 3"/>
           <p:cNvSpPr>
             <a:spLocks noGrp="1"/>
           </p:cNvSpPr>
@@ -1586,7 +1462,7 @@
           <a:p>
             <a:fld id="{24188342-571A-6841-AC1D-E620118845AD}" type="datetimeFigureOut">
               <a:rPr lang="en-US" smtClean="0"/>
-              <a:t>11/28/2024</a:t>
+              <a:t>1/7/2025</a:t>
             </a:fld>
             <a:endParaRPr lang="en-US"/>
           </a:p>
@@ -1594,13 +1470,7 @@
       </p:sp>
       <p:sp>
         <p:nvSpPr>
-          <p:cNvPr id="5" name="Footer Placeholder 4">
-            <a:extLst>
-              <a:ext uri="{FF2B5EF4-FFF2-40B4-BE49-F238E27FC236}">
-                <a16:creationId xmlns:a16="http://schemas.microsoft.com/office/drawing/2014/main" id="{F514AFE5-F4A6-9C5A-01C3-8C42EC47C07A}"/>
-              </a:ext>
-            </a:extLst>
-          </p:cNvPr>
+          <p:cNvPr id="5" name="Footer Placeholder 4"/>
           <p:cNvSpPr>
             <a:spLocks noGrp="1"/>
           </p:cNvSpPr>
@@ -1619,13 +1489,7 @@
       </p:sp>
       <p:sp>
         <p:nvSpPr>
-          <p:cNvPr id="6" name="Slide Number Placeholder 5">
-            <a:extLst>
-              <a:ext uri="{FF2B5EF4-FFF2-40B4-BE49-F238E27FC236}">
-                <a16:creationId xmlns:a16="http://schemas.microsoft.com/office/drawing/2014/main" id="{682542AA-485A-0E83-7EF0-7AA1C6E7E017}"/>
-              </a:ext>
-            </a:extLst>
-          </p:cNvPr>
+          <p:cNvPr id="6" name="Slide Number Placeholder 5"/>
           <p:cNvSpPr>
             <a:spLocks noGrp="1"/>
           </p:cNvSpPr>
@@ -1649,7 +1513,7 @@
     </p:spTree>
     <p:extLst>
       <p:ext uri="{BB962C8B-B14F-4D97-AF65-F5344CB8AC3E}">
-        <p14:creationId xmlns:p14="http://schemas.microsoft.com/office/powerpoint/2010/main" val="270937490"/>
+        <p14:creationId xmlns:p14="http://schemas.microsoft.com/office/powerpoint/2010/main" val="862849076"/>
       </p:ext>
     </p:extLst>
   </p:cSld>
@@ -1661,7 +1525,7 @@
 
 <file path=ppt/slideLayouts/slideLayout4.xml><?xml version="1.0" encoding="utf-8"?>
 <p:sldLayout xmlns:a="http://schemas.openxmlformats.org/drawingml/2006/main" xmlns:r="http://schemas.openxmlformats.org/officeDocument/2006/relationships" xmlns:p="http://schemas.openxmlformats.org/presentationml/2006/main" type="twoObj" preserve="1">
-  <p:cSld name="Two Content">
+  <p:cSld name="Zwei Inhalte">
     <p:spTree>
       <p:nvGrpSpPr>
         <p:cNvPr id="1" name=""/>
@@ -1678,13 +1542,7 @@
       </p:grpSpPr>
       <p:sp>
         <p:nvSpPr>
-          <p:cNvPr id="2" name="Title 1">
-            <a:extLst>
-              <a:ext uri="{FF2B5EF4-FFF2-40B4-BE49-F238E27FC236}">
-                <a16:creationId xmlns:a16="http://schemas.microsoft.com/office/drawing/2014/main" id="{E72638BF-37C5-0C1A-4E59-D7BE3E728AEA}"/>
-              </a:ext>
-            </a:extLst>
-          </p:cNvPr>
+          <p:cNvPr id="2" name="Title 1"/>
           <p:cNvSpPr>
             <a:spLocks noGrp="1"/>
           </p:cNvSpPr>
@@ -1698,21 +1556,16 @@
           <a:lstStyle/>
           <a:p>
             <a:r>
-              <a:rPr lang="en-US"/>
-              <a:t>Click to edit Master title style</a:t>
-            </a:r>
-          </a:p>
-        </p:txBody>
-      </p:sp>
-      <p:sp>
-        <p:nvSpPr>
-          <p:cNvPr id="3" name="Content Placeholder 2">
-            <a:extLst>
-              <a:ext uri="{FF2B5EF4-FFF2-40B4-BE49-F238E27FC236}">
-                <a16:creationId xmlns:a16="http://schemas.microsoft.com/office/drawing/2014/main" id="{B7FDEA15-B585-1322-AFAB-FF45BE57B38A}"/>
-              </a:ext>
-            </a:extLst>
-          </p:cNvPr>
+              <a:rPr lang="de-DE"/>
+              <a:t>Mastertitelformat bearbeiten</a:t>
+            </a:r>
+            <a:endParaRPr lang="en-US" dirty="0"/>
+          </a:p>
+        </p:txBody>
+      </p:sp>
+      <p:sp>
+        <p:nvSpPr>
+          <p:cNvPr id="3" name="Content Placeholder 2"/>
           <p:cNvSpPr>
             <a:spLocks noGrp="1"/>
           </p:cNvSpPr>
@@ -1722,8 +1575,8 @@
         </p:nvSpPr>
         <p:spPr>
           <a:xfrm>
-            <a:off x="838200" y="1825625"/>
-            <a:ext cx="5181600" cy="4351338"/>
+            <a:off x="838200" y="2017485"/>
+            <a:ext cx="5181600" cy="4808631"/>
           </a:xfrm>
         </p:spPr>
         <p:txBody>
@@ -1732,49 +1585,44 @@
           <a:p>
             <a:pPr lvl="0"/>
             <a:r>
-              <a:rPr lang="en-US"/>
-              <a:t>Click to edit Master text styles</a:t>
+              <a:rPr lang="de-DE"/>
+              <a:t>Mastertextformat bearbeiten</a:t>
             </a:r>
           </a:p>
           <a:p>
             <a:pPr lvl="1"/>
             <a:r>
-              <a:rPr lang="en-US"/>
-              <a:t>Second level</a:t>
+              <a:rPr lang="de-DE"/>
+              <a:t>Zweite Ebene</a:t>
             </a:r>
           </a:p>
           <a:p>
             <a:pPr lvl="2"/>
             <a:r>
-              <a:rPr lang="en-US"/>
-              <a:t>Third level</a:t>
+              <a:rPr lang="de-DE"/>
+              <a:t>Dritte Ebene</a:t>
             </a:r>
           </a:p>
           <a:p>
             <a:pPr lvl="3"/>
             <a:r>
-              <a:rPr lang="en-US"/>
-              <a:t>Fourth level</a:t>
+              <a:rPr lang="de-DE"/>
+              <a:t>Vierte Ebene</a:t>
             </a:r>
           </a:p>
           <a:p>
             <a:pPr lvl="4"/>
             <a:r>
-              <a:rPr lang="en-US"/>
-              <a:t>Fifth level</a:t>
-            </a:r>
-          </a:p>
-        </p:txBody>
-      </p:sp>
-      <p:sp>
-        <p:nvSpPr>
-          <p:cNvPr id="4" name="Content Placeholder 3">
-            <a:extLst>
-              <a:ext uri="{FF2B5EF4-FFF2-40B4-BE49-F238E27FC236}">
-                <a16:creationId xmlns:a16="http://schemas.microsoft.com/office/drawing/2014/main" id="{0EFE2B91-B5DD-E50A-3D05-72ED9F65A510}"/>
-              </a:ext>
-            </a:extLst>
-          </p:cNvPr>
+              <a:rPr lang="de-DE"/>
+              <a:t>Fünfte Ebene</a:t>
+            </a:r>
+            <a:endParaRPr lang="en-US" dirty="0"/>
+          </a:p>
+        </p:txBody>
+      </p:sp>
+      <p:sp>
+        <p:nvSpPr>
+          <p:cNvPr id="4" name="Content Placeholder 3"/>
           <p:cNvSpPr>
             <a:spLocks noGrp="1"/>
           </p:cNvSpPr>
@@ -1784,8 +1632,8 @@
         </p:nvSpPr>
         <p:spPr>
           <a:xfrm>
-            <a:off x="6172200" y="1825625"/>
-            <a:ext cx="5181600" cy="4351338"/>
+            <a:off x="6172200" y="2017485"/>
+            <a:ext cx="5181600" cy="4808631"/>
           </a:xfrm>
         </p:spPr>
         <p:txBody>
@@ -1794,49 +1642,44 @@
           <a:p>
             <a:pPr lvl="0"/>
             <a:r>
-              <a:rPr lang="en-US"/>
-              <a:t>Click to edit Master text styles</a:t>
+              <a:rPr lang="de-DE"/>
+              <a:t>Mastertextformat bearbeiten</a:t>
             </a:r>
           </a:p>
           <a:p>
             <a:pPr lvl="1"/>
             <a:r>
-              <a:rPr lang="en-US"/>
-              <a:t>Second level</a:t>
+              <a:rPr lang="de-DE"/>
+              <a:t>Zweite Ebene</a:t>
             </a:r>
           </a:p>
           <a:p>
             <a:pPr lvl="2"/>
             <a:r>
-              <a:rPr lang="en-US"/>
-              <a:t>Third level</a:t>
+              <a:rPr lang="de-DE"/>
+              <a:t>Dritte Ebene</a:t>
             </a:r>
           </a:p>
           <a:p>
             <a:pPr lvl="3"/>
             <a:r>
-              <a:rPr lang="en-US"/>
-              <a:t>Fourth level</a:t>
+              <a:rPr lang="de-DE"/>
+              <a:t>Vierte Ebene</a:t>
             </a:r>
           </a:p>
           <a:p>
             <a:pPr lvl="4"/>
             <a:r>
-              <a:rPr lang="en-US"/>
-              <a:t>Fifth level</a:t>
-            </a:r>
-          </a:p>
-        </p:txBody>
-      </p:sp>
-      <p:sp>
-        <p:nvSpPr>
-          <p:cNvPr id="5" name="Date Placeholder 4">
-            <a:extLst>
-              <a:ext uri="{FF2B5EF4-FFF2-40B4-BE49-F238E27FC236}">
-                <a16:creationId xmlns:a16="http://schemas.microsoft.com/office/drawing/2014/main" id="{4B361A41-62DA-F438-6874-8AF9F52BD3FE}"/>
-              </a:ext>
-            </a:extLst>
-          </p:cNvPr>
+              <a:rPr lang="de-DE"/>
+              <a:t>Fünfte Ebene</a:t>
+            </a:r>
+            <a:endParaRPr lang="en-US" dirty="0"/>
+          </a:p>
+        </p:txBody>
+      </p:sp>
+      <p:sp>
+        <p:nvSpPr>
+          <p:cNvPr id="5" name="Date Placeholder 4"/>
           <p:cNvSpPr>
             <a:spLocks noGrp="1"/>
           </p:cNvSpPr>
@@ -1851,7 +1694,7 @@
           <a:p>
             <a:fld id="{24188342-571A-6841-AC1D-E620118845AD}" type="datetimeFigureOut">
               <a:rPr lang="en-US" smtClean="0"/>
-              <a:t>11/28/2024</a:t>
+              <a:t>1/7/2025</a:t>
             </a:fld>
             <a:endParaRPr lang="en-US"/>
           </a:p>
@@ -1859,13 +1702,7 @@
       </p:sp>
       <p:sp>
         <p:nvSpPr>
-          <p:cNvPr id="6" name="Footer Placeholder 5">
-            <a:extLst>
-              <a:ext uri="{FF2B5EF4-FFF2-40B4-BE49-F238E27FC236}">
-                <a16:creationId xmlns:a16="http://schemas.microsoft.com/office/drawing/2014/main" id="{0D64B89F-A6D0-5EF4-AF28-FEAE14346DF7}"/>
-              </a:ext>
-            </a:extLst>
-          </p:cNvPr>
+          <p:cNvPr id="6" name="Footer Placeholder 5"/>
           <p:cNvSpPr>
             <a:spLocks noGrp="1"/>
           </p:cNvSpPr>
@@ -1884,13 +1721,7 @@
       </p:sp>
       <p:sp>
         <p:nvSpPr>
-          <p:cNvPr id="7" name="Slide Number Placeholder 6">
-            <a:extLst>
-              <a:ext uri="{FF2B5EF4-FFF2-40B4-BE49-F238E27FC236}">
-                <a16:creationId xmlns:a16="http://schemas.microsoft.com/office/drawing/2014/main" id="{D22521F0-A268-B6F8-74DB-673797BDE7C6}"/>
-              </a:ext>
-            </a:extLst>
-          </p:cNvPr>
+          <p:cNvPr id="7" name="Slide Number Placeholder 6"/>
           <p:cNvSpPr>
             <a:spLocks noGrp="1"/>
           </p:cNvSpPr>
@@ -1914,7 +1745,7 @@
     </p:spTree>
     <p:extLst>
       <p:ext uri="{BB962C8B-B14F-4D97-AF65-F5344CB8AC3E}">
-        <p14:creationId xmlns:p14="http://schemas.microsoft.com/office/powerpoint/2010/main" val="662070431"/>
+        <p14:creationId xmlns:p14="http://schemas.microsoft.com/office/powerpoint/2010/main" val="785192595"/>
       </p:ext>
     </p:extLst>
   </p:cSld>
@@ -1926,7 +1757,7 @@
 
 <file path=ppt/slideLayouts/slideLayout5.xml><?xml version="1.0" encoding="utf-8"?>
 <p:sldLayout xmlns:a="http://schemas.openxmlformats.org/drawingml/2006/main" xmlns:r="http://schemas.openxmlformats.org/officeDocument/2006/relationships" xmlns:p="http://schemas.openxmlformats.org/presentationml/2006/main" type="twoTxTwoObj" preserve="1">
-  <p:cSld name="Comparison">
+  <p:cSld name="Vergleich">
     <p:spTree>
       <p:nvGrpSpPr>
         <p:cNvPr id="1" name=""/>
@@ -1943,13 +1774,7 @@
       </p:grpSpPr>
       <p:sp>
         <p:nvSpPr>
-          <p:cNvPr id="2" name="Title 1">
-            <a:extLst>
-              <a:ext uri="{FF2B5EF4-FFF2-40B4-BE49-F238E27FC236}">
-                <a16:creationId xmlns:a16="http://schemas.microsoft.com/office/drawing/2014/main" id="{18BECBA8-59FD-80CE-E8A4-4B56E1C72F0A}"/>
-              </a:ext>
-            </a:extLst>
-          </p:cNvPr>
+          <p:cNvPr id="2" name="Title 1"/>
           <p:cNvSpPr>
             <a:spLocks noGrp="1"/>
           </p:cNvSpPr>
@@ -1959,8 +1784,8 @@
         </p:nvSpPr>
         <p:spPr>
           <a:xfrm>
-            <a:off x="839788" y="365125"/>
-            <a:ext cx="10515600" cy="1325563"/>
+            <a:off x="839788" y="403497"/>
+            <a:ext cx="10515600" cy="1464870"/>
           </a:xfrm>
         </p:spPr>
         <p:txBody>
@@ -1968,21 +1793,16 @@
           <a:lstStyle/>
           <a:p>
             <a:r>
-              <a:rPr lang="en-US"/>
-              <a:t>Click to edit Master title style</a:t>
-            </a:r>
-          </a:p>
-        </p:txBody>
-      </p:sp>
-      <p:sp>
-        <p:nvSpPr>
-          <p:cNvPr id="3" name="Text Placeholder 2">
-            <a:extLst>
-              <a:ext uri="{FF2B5EF4-FFF2-40B4-BE49-F238E27FC236}">
-                <a16:creationId xmlns:a16="http://schemas.microsoft.com/office/drawing/2014/main" id="{2855A447-0810-0760-664C-75262B0603E1}"/>
-              </a:ext>
-            </a:extLst>
-          </p:cNvPr>
+              <a:rPr lang="de-DE"/>
+              <a:t>Mastertitelformat bearbeiten</a:t>
+            </a:r>
+            <a:endParaRPr lang="en-US" dirty="0"/>
+          </a:p>
+        </p:txBody>
+      </p:sp>
+      <p:sp>
+        <p:nvSpPr>
+          <p:cNvPr id="3" name="Text Placeholder 2"/>
           <p:cNvSpPr>
             <a:spLocks noGrp="1"/>
           </p:cNvSpPr>
@@ -1992,8 +1812,8 @@
         </p:nvSpPr>
         <p:spPr>
           <a:xfrm>
-            <a:off x="839788" y="1681163"/>
-            <a:ext cx="5157787" cy="823912"/>
+            <a:off x="839789" y="1857841"/>
+            <a:ext cx="5157787" cy="910499"/>
           </a:xfrm>
         </p:spPr>
         <p:txBody>
@@ -2039,21 +1859,15 @@
           <a:p>
             <a:pPr lvl="0"/>
             <a:r>
-              <a:rPr lang="en-US"/>
-              <a:t>Click to edit Master text styles</a:t>
-            </a:r>
-          </a:p>
-        </p:txBody>
-      </p:sp>
-      <p:sp>
-        <p:nvSpPr>
-          <p:cNvPr id="4" name="Content Placeholder 3">
-            <a:extLst>
-              <a:ext uri="{FF2B5EF4-FFF2-40B4-BE49-F238E27FC236}">
-                <a16:creationId xmlns:a16="http://schemas.microsoft.com/office/drawing/2014/main" id="{1C69DE80-5545-B5BD-41A5-07E75085A053}"/>
-              </a:ext>
-            </a:extLst>
-          </p:cNvPr>
+              <a:rPr lang="de-DE"/>
+              <a:t>Mastertextformat bearbeiten</a:t>
+            </a:r>
+          </a:p>
+        </p:txBody>
+      </p:sp>
+      <p:sp>
+        <p:nvSpPr>
+          <p:cNvPr id="4" name="Content Placeholder 3"/>
           <p:cNvSpPr>
             <a:spLocks noGrp="1"/>
           </p:cNvSpPr>
@@ -2063,8 +1877,8 @@
         </p:nvSpPr>
         <p:spPr>
           <a:xfrm>
-            <a:off x="839788" y="2505075"/>
-            <a:ext cx="5157787" cy="3684588"/>
+            <a:off x="839789" y="2768340"/>
+            <a:ext cx="5157787" cy="4071811"/>
           </a:xfrm>
         </p:spPr>
         <p:txBody>
@@ -2073,49 +1887,44 @@
           <a:p>
             <a:pPr lvl="0"/>
             <a:r>
-              <a:rPr lang="en-US"/>
-              <a:t>Click to edit Master text styles</a:t>
+              <a:rPr lang="de-DE"/>
+              <a:t>Mastertextformat bearbeiten</a:t>
             </a:r>
           </a:p>
           <a:p>
             <a:pPr lvl="1"/>
             <a:r>
-              <a:rPr lang="en-US"/>
-              <a:t>Second level</a:t>
+              <a:rPr lang="de-DE"/>
+              <a:t>Zweite Ebene</a:t>
             </a:r>
           </a:p>
           <a:p>
             <a:pPr lvl="2"/>
             <a:r>
-              <a:rPr lang="en-US"/>
-              <a:t>Third level</a:t>
+              <a:rPr lang="de-DE"/>
+              <a:t>Dritte Ebene</a:t>
             </a:r>
           </a:p>
           <a:p>
             <a:pPr lvl="3"/>
             <a:r>
-              <a:rPr lang="en-US"/>
-              <a:t>Fourth level</a:t>
+              <a:rPr lang="de-DE"/>
+              <a:t>Vierte Ebene</a:t>
             </a:r>
           </a:p>
           <a:p>
             <a:pPr lvl="4"/>
             <a:r>
-              <a:rPr lang="en-US"/>
-              <a:t>Fifth level</a:t>
-            </a:r>
-          </a:p>
-        </p:txBody>
-      </p:sp>
-      <p:sp>
-        <p:nvSpPr>
-          <p:cNvPr id="5" name="Text Placeholder 4">
-            <a:extLst>
-              <a:ext uri="{FF2B5EF4-FFF2-40B4-BE49-F238E27FC236}">
-                <a16:creationId xmlns:a16="http://schemas.microsoft.com/office/drawing/2014/main" id="{61B08EE4-9B2C-AC53-3B77-99BE07CEA72A}"/>
-              </a:ext>
-            </a:extLst>
-          </p:cNvPr>
+              <a:rPr lang="de-DE"/>
+              <a:t>Fünfte Ebene</a:t>
+            </a:r>
+            <a:endParaRPr lang="en-US" dirty="0"/>
+          </a:p>
+        </p:txBody>
+      </p:sp>
+      <p:sp>
+        <p:nvSpPr>
+          <p:cNvPr id="5" name="Text Placeholder 4"/>
           <p:cNvSpPr>
             <a:spLocks noGrp="1"/>
           </p:cNvSpPr>
@@ -2125,8 +1934,8 @@
         </p:nvSpPr>
         <p:spPr>
           <a:xfrm>
-            <a:off x="6172200" y="1681163"/>
-            <a:ext cx="5183188" cy="823912"/>
+            <a:off x="6172200" y="1857841"/>
+            <a:ext cx="5183188" cy="910499"/>
           </a:xfrm>
         </p:spPr>
         <p:txBody>
@@ -2172,21 +1981,15 @@
           <a:p>
             <a:pPr lvl="0"/>
             <a:r>
-              <a:rPr lang="en-US"/>
-              <a:t>Click to edit Master text styles</a:t>
-            </a:r>
-          </a:p>
-        </p:txBody>
-      </p:sp>
-      <p:sp>
-        <p:nvSpPr>
-          <p:cNvPr id="6" name="Content Placeholder 5">
-            <a:extLst>
-              <a:ext uri="{FF2B5EF4-FFF2-40B4-BE49-F238E27FC236}">
-                <a16:creationId xmlns:a16="http://schemas.microsoft.com/office/drawing/2014/main" id="{6357C461-1CA8-0D08-2DFE-1B86B9A37252}"/>
-              </a:ext>
-            </a:extLst>
-          </p:cNvPr>
+              <a:rPr lang="de-DE"/>
+              <a:t>Mastertextformat bearbeiten</a:t>
+            </a:r>
+          </a:p>
+        </p:txBody>
+      </p:sp>
+      <p:sp>
+        <p:nvSpPr>
+          <p:cNvPr id="6" name="Content Placeholder 5"/>
           <p:cNvSpPr>
             <a:spLocks noGrp="1"/>
           </p:cNvSpPr>
@@ -2196,8 +1999,8 @@
         </p:nvSpPr>
         <p:spPr>
           <a:xfrm>
-            <a:off x="6172200" y="2505075"/>
-            <a:ext cx="5183188" cy="3684588"/>
+            <a:off x="6172200" y="2768340"/>
+            <a:ext cx="5183188" cy="4071811"/>
           </a:xfrm>
         </p:spPr>
         <p:txBody>
@@ -2206,49 +2009,44 @@
           <a:p>
             <a:pPr lvl="0"/>
             <a:r>
-              <a:rPr lang="en-US"/>
-              <a:t>Click to edit Master text styles</a:t>
+              <a:rPr lang="de-DE"/>
+              <a:t>Mastertextformat bearbeiten</a:t>
             </a:r>
           </a:p>
           <a:p>
             <a:pPr lvl="1"/>
             <a:r>
-              <a:rPr lang="en-US"/>
-              <a:t>Second level</a:t>
+              <a:rPr lang="de-DE"/>
+              <a:t>Zweite Ebene</a:t>
             </a:r>
           </a:p>
           <a:p>
             <a:pPr lvl="2"/>
             <a:r>
-              <a:rPr lang="en-US"/>
-              <a:t>Third level</a:t>
+              <a:rPr lang="de-DE"/>
+              <a:t>Dritte Ebene</a:t>
             </a:r>
           </a:p>
           <a:p>
             <a:pPr lvl="3"/>
             <a:r>
-              <a:rPr lang="en-US"/>
-              <a:t>Fourth level</a:t>
+              <a:rPr lang="de-DE"/>
+              <a:t>Vierte Ebene</a:t>
             </a:r>
           </a:p>
           <a:p>
             <a:pPr lvl="4"/>
             <a:r>
-              <a:rPr lang="en-US"/>
-              <a:t>Fifth level</a:t>
-            </a:r>
-          </a:p>
-        </p:txBody>
-      </p:sp>
-      <p:sp>
-        <p:nvSpPr>
-          <p:cNvPr id="7" name="Date Placeholder 6">
-            <a:extLst>
-              <a:ext uri="{FF2B5EF4-FFF2-40B4-BE49-F238E27FC236}">
-                <a16:creationId xmlns:a16="http://schemas.microsoft.com/office/drawing/2014/main" id="{C044A4B8-1810-197A-567E-4129136305FB}"/>
-              </a:ext>
-            </a:extLst>
-          </p:cNvPr>
+              <a:rPr lang="de-DE"/>
+              <a:t>Fünfte Ebene</a:t>
+            </a:r>
+            <a:endParaRPr lang="en-US" dirty="0"/>
+          </a:p>
+        </p:txBody>
+      </p:sp>
+      <p:sp>
+        <p:nvSpPr>
+          <p:cNvPr id="7" name="Date Placeholder 6"/>
           <p:cNvSpPr>
             <a:spLocks noGrp="1"/>
           </p:cNvSpPr>
@@ -2263,7 +2061,7 @@
           <a:p>
             <a:fld id="{24188342-571A-6841-AC1D-E620118845AD}" type="datetimeFigureOut">
               <a:rPr lang="en-US" smtClean="0"/>
-              <a:t>11/28/2024</a:t>
+              <a:t>1/7/2025</a:t>
             </a:fld>
             <a:endParaRPr lang="en-US"/>
           </a:p>
@@ -2271,13 +2069,7 @@
       </p:sp>
       <p:sp>
         <p:nvSpPr>
-          <p:cNvPr id="8" name="Footer Placeholder 7">
-            <a:extLst>
-              <a:ext uri="{FF2B5EF4-FFF2-40B4-BE49-F238E27FC236}">
-                <a16:creationId xmlns:a16="http://schemas.microsoft.com/office/drawing/2014/main" id="{65BF1487-E209-BE90-E88C-569B8B4A1EBE}"/>
-              </a:ext>
-            </a:extLst>
-          </p:cNvPr>
+          <p:cNvPr id="8" name="Footer Placeholder 7"/>
           <p:cNvSpPr>
             <a:spLocks noGrp="1"/>
           </p:cNvSpPr>
@@ -2296,13 +2088,7 @@
       </p:sp>
       <p:sp>
         <p:nvSpPr>
-          <p:cNvPr id="9" name="Slide Number Placeholder 8">
-            <a:extLst>
-              <a:ext uri="{FF2B5EF4-FFF2-40B4-BE49-F238E27FC236}">
-                <a16:creationId xmlns:a16="http://schemas.microsoft.com/office/drawing/2014/main" id="{3C1750DC-EC8B-CA0C-6D9A-BDC7520E4026}"/>
-              </a:ext>
-            </a:extLst>
-          </p:cNvPr>
+          <p:cNvPr id="9" name="Slide Number Placeholder 8"/>
           <p:cNvSpPr>
             <a:spLocks noGrp="1"/>
           </p:cNvSpPr>
@@ -2326,7 +2112,7 @@
     </p:spTree>
     <p:extLst>
       <p:ext uri="{BB962C8B-B14F-4D97-AF65-F5344CB8AC3E}">
-        <p14:creationId xmlns:p14="http://schemas.microsoft.com/office/powerpoint/2010/main" val="2042516873"/>
+        <p14:creationId xmlns:p14="http://schemas.microsoft.com/office/powerpoint/2010/main" val="76346981"/>
       </p:ext>
     </p:extLst>
   </p:cSld>
@@ -2338,7 +2124,7 @@
 
 <file path=ppt/slideLayouts/slideLayout6.xml><?xml version="1.0" encoding="utf-8"?>
 <p:sldLayout xmlns:a="http://schemas.openxmlformats.org/drawingml/2006/main" xmlns:r="http://schemas.openxmlformats.org/officeDocument/2006/relationships" xmlns:p="http://schemas.openxmlformats.org/presentationml/2006/main" type="titleOnly" preserve="1">
-  <p:cSld name="Title Only">
+  <p:cSld name="Nur Titel">
     <p:spTree>
       <p:nvGrpSpPr>
         <p:cNvPr id="1" name=""/>
@@ -2355,13 +2141,7 @@
       </p:grpSpPr>
       <p:sp>
         <p:nvSpPr>
-          <p:cNvPr id="2" name="Title 1">
-            <a:extLst>
-              <a:ext uri="{FF2B5EF4-FFF2-40B4-BE49-F238E27FC236}">
-                <a16:creationId xmlns:a16="http://schemas.microsoft.com/office/drawing/2014/main" id="{B3DBC378-46F1-FC37-91BB-714D17B02D19}"/>
-              </a:ext>
-            </a:extLst>
-          </p:cNvPr>
+          <p:cNvPr id="2" name="Title 1"/>
           <p:cNvSpPr>
             <a:spLocks noGrp="1"/>
           </p:cNvSpPr>
@@ -2375,21 +2155,16 @@
           <a:lstStyle/>
           <a:p>
             <a:r>
-              <a:rPr lang="en-US"/>
-              <a:t>Click to edit Master title style</a:t>
-            </a:r>
-          </a:p>
-        </p:txBody>
-      </p:sp>
-      <p:sp>
-        <p:nvSpPr>
-          <p:cNvPr id="3" name="Date Placeholder 2">
-            <a:extLst>
-              <a:ext uri="{FF2B5EF4-FFF2-40B4-BE49-F238E27FC236}">
-                <a16:creationId xmlns:a16="http://schemas.microsoft.com/office/drawing/2014/main" id="{AEE5AABE-EE83-CA17-051E-AD31C49A54EC}"/>
-              </a:ext>
-            </a:extLst>
-          </p:cNvPr>
+              <a:rPr lang="de-DE"/>
+              <a:t>Mastertitelformat bearbeiten</a:t>
+            </a:r>
+            <a:endParaRPr lang="en-US" dirty="0"/>
+          </a:p>
+        </p:txBody>
+      </p:sp>
+      <p:sp>
+        <p:nvSpPr>
+          <p:cNvPr id="3" name="Date Placeholder 2"/>
           <p:cNvSpPr>
             <a:spLocks noGrp="1"/>
           </p:cNvSpPr>
@@ -2404,7 +2179,7 @@
           <a:p>
             <a:fld id="{24188342-571A-6841-AC1D-E620118845AD}" type="datetimeFigureOut">
               <a:rPr lang="en-US" smtClean="0"/>
-              <a:t>11/28/2024</a:t>
+              <a:t>1/7/2025</a:t>
             </a:fld>
             <a:endParaRPr lang="en-US"/>
           </a:p>
@@ -2412,13 +2187,7 @@
       </p:sp>
       <p:sp>
         <p:nvSpPr>
-          <p:cNvPr id="4" name="Footer Placeholder 3">
-            <a:extLst>
-              <a:ext uri="{FF2B5EF4-FFF2-40B4-BE49-F238E27FC236}">
-                <a16:creationId xmlns:a16="http://schemas.microsoft.com/office/drawing/2014/main" id="{9DDAD5AC-67C1-7339-1EE0-DA2B88C88E0E}"/>
-              </a:ext>
-            </a:extLst>
-          </p:cNvPr>
+          <p:cNvPr id="4" name="Footer Placeholder 3"/>
           <p:cNvSpPr>
             <a:spLocks noGrp="1"/>
           </p:cNvSpPr>
@@ -2437,13 +2206,7 @@
       </p:sp>
       <p:sp>
         <p:nvSpPr>
-          <p:cNvPr id="5" name="Slide Number Placeholder 4">
-            <a:extLst>
-              <a:ext uri="{FF2B5EF4-FFF2-40B4-BE49-F238E27FC236}">
-                <a16:creationId xmlns:a16="http://schemas.microsoft.com/office/drawing/2014/main" id="{1ED847E7-8895-1158-C3C2-691E7E260607}"/>
-              </a:ext>
-            </a:extLst>
-          </p:cNvPr>
+          <p:cNvPr id="5" name="Slide Number Placeholder 4"/>
           <p:cNvSpPr>
             <a:spLocks noGrp="1"/>
           </p:cNvSpPr>
@@ -2467,7 +2230,7 @@
     </p:spTree>
     <p:extLst>
       <p:ext uri="{BB962C8B-B14F-4D97-AF65-F5344CB8AC3E}">
-        <p14:creationId xmlns:p14="http://schemas.microsoft.com/office/powerpoint/2010/main" val="1486762565"/>
+        <p14:creationId xmlns:p14="http://schemas.microsoft.com/office/powerpoint/2010/main" val="2446747561"/>
       </p:ext>
     </p:extLst>
   </p:cSld>
@@ -2479,7 +2242,7 @@
 
 <file path=ppt/slideLayouts/slideLayout7.xml><?xml version="1.0" encoding="utf-8"?>
 <p:sldLayout xmlns:a="http://schemas.openxmlformats.org/drawingml/2006/main" xmlns:r="http://schemas.openxmlformats.org/officeDocument/2006/relationships" xmlns:p="http://schemas.openxmlformats.org/presentationml/2006/main" type="blank" preserve="1">
-  <p:cSld name="Blank">
+  <p:cSld name="Leer">
     <p:spTree>
       <p:nvGrpSpPr>
         <p:cNvPr id="1" name=""/>
@@ -2496,13 +2259,7 @@
       </p:grpSpPr>
       <p:sp>
         <p:nvSpPr>
-          <p:cNvPr id="2" name="Date Placeholder 1">
-            <a:extLst>
-              <a:ext uri="{FF2B5EF4-FFF2-40B4-BE49-F238E27FC236}">
-                <a16:creationId xmlns:a16="http://schemas.microsoft.com/office/drawing/2014/main" id="{33EDD2E7-708D-4592-10DB-BBA4DBCE2248}"/>
-              </a:ext>
-            </a:extLst>
-          </p:cNvPr>
+          <p:cNvPr id="2" name="Date Placeholder 1"/>
           <p:cNvSpPr>
             <a:spLocks noGrp="1"/>
           </p:cNvSpPr>
@@ -2517,7 +2274,7 @@
           <a:p>
             <a:fld id="{24188342-571A-6841-AC1D-E620118845AD}" type="datetimeFigureOut">
               <a:rPr lang="en-US" smtClean="0"/>
-              <a:t>11/28/2024</a:t>
+              <a:t>1/7/2025</a:t>
             </a:fld>
             <a:endParaRPr lang="en-US"/>
           </a:p>
@@ -2525,13 +2282,7 @@
       </p:sp>
       <p:sp>
         <p:nvSpPr>
-          <p:cNvPr id="3" name="Footer Placeholder 2">
-            <a:extLst>
-              <a:ext uri="{FF2B5EF4-FFF2-40B4-BE49-F238E27FC236}">
-                <a16:creationId xmlns:a16="http://schemas.microsoft.com/office/drawing/2014/main" id="{4EB0F5DC-F8CA-9245-F1F9-C3DDA15358CE}"/>
-              </a:ext>
-            </a:extLst>
-          </p:cNvPr>
+          <p:cNvPr id="3" name="Footer Placeholder 2"/>
           <p:cNvSpPr>
             <a:spLocks noGrp="1"/>
           </p:cNvSpPr>
@@ -2550,13 +2301,7 @@
       </p:sp>
       <p:sp>
         <p:nvSpPr>
-          <p:cNvPr id="4" name="Slide Number Placeholder 3">
-            <a:extLst>
-              <a:ext uri="{FF2B5EF4-FFF2-40B4-BE49-F238E27FC236}">
-                <a16:creationId xmlns:a16="http://schemas.microsoft.com/office/drawing/2014/main" id="{31C7E32B-743A-7937-8631-A3286D718B4F}"/>
-              </a:ext>
-            </a:extLst>
-          </p:cNvPr>
+          <p:cNvPr id="4" name="Slide Number Placeholder 3"/>
           <p:cNvSpPr>
             <a:spLocks noGrp="1"/>
           </p:cNvSpPr>
@@ -2580,7 +2325,7 @@
     </p:spTree>
     <p:extLst>
       <p:ext uri="{BB962C8B-B14F-4D97-AF65-F5344CB8AC3E}">
-        <p14:creationId xmlns:p14="http://schemas.microsoft.com/office/powerpoint/2010/main" val="4000583325"/>
+        <p14:creationId xmlns:p14="http://schemas.microsoft.com/office/powerpoint/2010/main" val="1980463516"/>
       </p:ext>
     </p:extLst>
   </p:cSld>
@@ -2592,7 +2337,7 @@
 
 <file path=ppt/slideLayouts/slideLayout8.xml><?xml version="1.0" encoding="utf-8"?>
 <p:sldLayout xmlns:a="http://schemas.openxmlformats.org/drawingml/2006/main" xmlns:r="http://schemas.openxmlformats.org/officeDocument/2006/relationships" xmlns:p="http://schemas.openxmlformats.org/presentationml/2006/main" type="objTx" preserve="1">
-  <p:cSld name="Content with Caption">
+  <p:cSld name="Inhalt mit Überschrift">
     <p:spTree>
       <p:nvGrpSpPr>
         <p:cNvPr id="1" name=""/>
@@ -2609,13 +2354,7 @@
       </p:grpSpPr>
       <p:sp>
         <p:nvSpPr>
-          <p:cNvPr id="2" name="Title 1">
-            <a:extLst>
-              <a:ext uri="{FF2B5EF4-FFF2-40B4-BE49-F238E27FC236}">
-                <a16:creationId xmlns:a16="http://schemas.microsoft.com/office/drawing/2014/main" id="{B11D7B69-8D3B-A68D-4A04-42CB3452FDA3}"/>
-              </a:ext>
-            </a:extLst>
-          </p:cNvPr>
+          <p:cNvPr id="2" name="Title 1"/>
           <p:cNvSpPr>
             <a:spLocks noGrp="1"/>
           </p:cNvSpPr>
@@ -2625,8 +2364,8 @@
         </p:nvSpPr>
         <p:spPr>
           <a:xfrm>
-            <a:off x="839788" y="457200"/>
-            <a:ext cx="3932237" cy="1600200"/>
+            <a:off x="839789" y="505248"/>
+            <a:ext cx="3932237" cy="1768369"/>
           </a:xfrm>
         </p:spPr>
         <p:txBody>
@@ -2638,21 +2377,16 @@
           </a:lstStyle>
           <a:p>
             <a:r>
-              <a:rPr lang="en-US"/>
-              <a:t>Click to edit Master title style</a:t>
-            </a:r>
-          </a:p>
-        </p:txBody>
-      </p:sp>
-      <p:sp>
-        <p:nvSpPr>
-          <p:cNvPr id="3" name="Content Placeholder 2">
-            <a:extLst>
-              <a:ext uri="{FF2B5EF4-FFF2-40B4-BE49-F238E27FC236}">
-                <a16:creationId xmlns:a16="http://schemas.microsoft.com/office/drawing/2014/main" id="{5FD3D3A9-913E-3357-6444-BBFF8AA2C6DD}"/>
-              </a:ext>
-            </a:extLst>
-          </p:cNvPr>
+              <a:rPr lang="de-DE"/>
+              <a:t>Mastertitelformat bearbeiten</a:t>
+            </a:r>
+            <a:endParaRPr lang="en-US" dirty="0"/>
+          </a:p>
+        </p:txBody>
+      </p:sp>
+      <p:sp>
+        <p:nvSpPr>
+          <p:cNvPr id="3" name="Content Placeholder 2"/>
           <p:cNvSpPr>
             <a:spLocks noGrp="1"/>
           </p:cNvSpPr>
@@ -2662,8 +2396,8 @@
         </p:nvSpPr>
         <p:spPr>
           <a:xfrm>
-            <a:off x="5183188" y="987425"/>
-            <a:ext cx="6172200" cy="4873625"/>
+            <a:off x="5183188" y="1091197"/>
+            <a:ext cx="6172200" cy="5385807"/>
           </a:xfrm>
         </p:spPr>
         <p:txBody>
@@ -2700,49 +2434,44 @@
           <a:p>
             <a:pPr lvl="0"/>
             <a:r>
-              <a:rPr lang="en-US"/>
-              <a:t>Click to edit Master text styles</a:t>
+              <a:rPr lang="de-DE"/>
+              <a:t>Mastertextformat bearbeiten</a:t>
             </a:r>
           </a:p>
           <a:p>
             <a:pPr lvl="1"/>
             <a:r>
-              <a:rPr lang="en-US"/>
-              <a:t>Second level</a:t>
+              <a:rPr lang="de-DE"/>
+              <a:t>Zweite Ebene</a:t>
             </a:r>
           </a:p>
           <a:p>
             <a:pPr lvl="2"/>
             <a:r>
-              <a:rPr lang="en-US"/>
-              <a:t>Third level</a:t>
+              <a:rPr lang="de-DE"/>
+              <a:t>Dritte Ebene</a:t>
             </a:r>
           </a:p>
           <a:p>
             <a:pPr lvl="3"/>
             <a:r>
-              <a:rPr lang="en-US"/>
-              <a:t>Fourth level</a:t>
+              <a:rPr lang="de-DE"/>
+              <a:t>Vierte Ebene</a:t>
             </a:r>
           </a:p>
           <a:p>
             <a:pPr lvl="4"/>
             <a:r>
-              <a:rPr lang="en-US"/>
-              <a:t>Fifth level</a:t>
-            </a:r>
-          </a:p>
-        </p:txBody>
-      </p:sp>
-      <p:sp>
-        <p:nvSpPr>
-          <p:cNvPr id="4" name="Text Placeholder 3">
-            <a:extLst>
-              <a:ext uri="{FF2B5EF4-FFF2-40B4-BE49-F238E27FC236}">
-                <a16:creationId xmlns:a16="http://schemas.microsoft.com/office/drawing/2014/main" id="{064D33BD-15B9-DC51-FC03-50EA3B6E7D32}"/>
-              </a:ext>
-            </a:extLst>
-          </p:cNvPr>
+              <a:rPr lang="de-DE"/>
+              <a:t>Fünfte Ebene</a:t>
+            </a:r>
+            <a:endParaRPr lang="en-US" dirty="0"/>
+          </a:p>
+        </p:txBody>
+      </p:sp>
+      <p:sp>
+        <p:nvSpPr>
+          <p:cNvPr id="4" name="Text Placeholder 3"/>
           <p:cNvSpPr>
             <a:spLocks noGrp="1"/>
           </p:cNvSpPr>
@@ -2752,8 +2481,8 @@
         </p:nvSpPr>
         <p:spPr>
           <a:xfrm>
-            <a:off x="839788" y="2057400"/>
-            <a:ext cx="3932237" cy="3811588"/>
+            <a:off x="839789" y="2273617"/>
+            <a:ext cx="3932237" cy="4212158"/>
           </a:xfrm>
         </p:spPr>
         <p:txBody>
@@ -2799,21 +2528,15 @@
           <a:p>
             <a:pPr lvl="0"/>
             <a:r>
-              <a:rPr lang="en-US"/>
-              <a:t>Click to edit Master text styles</a:t>
-            </a:r>
-          </a:p>
-        </p:txBody>
-      </p:sp>
-      <p:sp>
-        <p:nvSpPr>
-          <p:cNvPr id="5" name="Date Placeholder 4">
-            <a:extLst>
-              <a:ext uri="{FF2B5EF4-FFF2-40B4-BE49-F238E27FC236}">
-                <a16:creationId xmlns:a16="http://schemas.microsoft.com/office/drawing/2014/main" id="{ABD78956-868E-480C-420E-00BB1D57F031}"/>
-              </a:ext>
-            </a:extLst>
-          </p:cNvPr>
+              <a:rPr lang="de-DE"/>
+              <a:t>Mastertextformat bearbeiten</a:t>
+            </a:r>
+          </a:p>
+        </p:txBody>
+      </p:sp>
+      <p:sp>
+        <p:nvSpPr>
+          <p:cNvPr id="5" name="Date Placeholder 4"/>
           <p:cNvSpPr>
             <a:spLocks noGrp="1"/>
           </p:cNvSpPr>
@@ -2828,7 +2551,7 @@
           <a:p>
             <a:fld id="{24188342-571A-6841-AC1D-E620118845AD}" type="datetimeFigureOut">
               <a:rPr lang="en-US" smtClean="0"/>
-              <a:t>11/28/2024</a:t>
+              <a:t>1/7/2025</a:t>
             </a:fld>
             <a:endParaRPr lang="en-US"/>
           </a:p>
@@ -2836,13 +2559,7 @@
       </p:sp>
       <p:sp>
         <p:nvSpPr>
-          <p:cNvPr id="6" name="Footer Placeholder 5">
-            <a:extLst>
-              <a:ext uri="{FF2B5EF4-FFF2-40B4-BE49-F238E27FC236}">
-                <a16:creationId xmlns:a16="http://schemas.microsoft.com/office/drawing/2014/main" id="{2F3BAA4F-4B04-6C3D-5F77-DC695FA32770}"/>
-              </a:ext>
-            </a:extLst>
-          </p:cNvPr>
+          <p:cNvPr id="6" name="Footer Placeholder 5"/>
           <p:cNvSpPr>
             <a:spLocks noGrp="1"/>
           </p:cNvSpPr>
@@ -2861,13 +2578,7 @@
       </p:sp>
       <p:sp>
         <p:nvSpPr>
-          <p:cNvPr id="7" name="Slide Number Placeholder 6">
-            <a:extLst>
-              <a:ext uri="{FF2B5EF4-FFF2-40B4-BE49-F238E27FC236}">
-                <a16:creationId xmlns:a16="http://schemas.microsoft.com/office/drawing/2014/main" id="{979DA45B-70F7-142C-FEDC-BD027B6F8BF6}"/>
-              </a:ext>
-            </a:extLst>
-          </p:cNvPr>
+          <p:cNvPr id="7" name="Slide Number Placeholder 6"/>
           <p:cNvSpPr>
             <a:spLocks noGrp="1"/>
           </p:cNvSpPr>
@@ -2891,7 +2602,7 @@
     </p:spTree>
     <p:extLst>
       <p:ext uri="{BB962C8B-B14F-4D97-AF65-F5344CB8AC3E}">
-        <p14:creationId xmlns:p14="http://schemas.microsoft.com/office/powerpoint/2010/main" val="3185832680"/>
+        <p14:creationId xmlns:p14="http://schemas.microsoft.com/office/powerpoint/2010/main" val="2211286086"/>
       </p:ext>
     </p:extLst>
   </p:cSld>
@@ -2903,7 +2614,7 @@
 
 <file path=ppt/slideLayouts/slideLayout9.xml><?xml version="1.0" encoding="utf-8"?>
 <p:sldLayout xmlns:a="http://schemas.openxmlformats.org/drawingml/2006/main" xmlns:r="http://schemas.openxmlformats.org/officeDocument/2006/relationships" xmlns:p="http://schemas.openxmlformats.org/presentationml/2006/main" type="picTx" preserve="1">
-  <p:cSld name="Picture with Caption">
+  <p:cSld name="Bild mit Überschrift">
     <p:spTree>
       <p:nvGrpSpPr>
         <p:cNvPr id="1" name=""/>
@@ -2920,13 +2631,7 @@
       </p:grpSpPr>
       <p:sp>
         <p:nvSpPr>
-          <p:cNvPr id="2" name="Title 1">
-            <a:extLst>
-              <a:ext uri="{FF2B5EF4-FFF2-40B4-BE49-F238E27FC236}">
-                <a16:creationId xmlns:a16="http://schemas.microsoft.com/office/drawing/2014/main" id="{8403FB8E-ED1C-E801-7047-8E7AABC72DAA}"/>
-              </a:ext>
-            </a:extLst>
-          </p:cNvPr>
+          <p:cNvPr id="2" name="Title 1"/>
           <p:cNvSpPr>
             <a:spLocks noGrp="1"/>
           </p:cNvSpPr>
@@ -2936,8 +2641,8 @@
         </p:nvSpPr>
         <p:spPr>
           <a:xfrm>
-            <a:off x="839788" y="457200"/>
-            <a:ext cx="3932237" cy="1600200"/>
+            <a:off x="839789" y="505248"/>
+            <a:ext cx="3932237" cy="1768369"/>
           </a:xfrm>
         </p:spPr>
         <p:txBody>
@@ -2949,23 +2654,18 @@
           </a:lstStyle>
           <a:p>
             <a:r>
-              <a:rPr lang="en-US"/>
-              <a:t>Click to edit Master title style</a:t>
-            </a:r>
-          </a:p>
-        </p:txBody>
-      </p:sp>
-      <p:sp>
-        <p:nvSpPr>
-          <p:cNvPr id="3" name="Picture Placeholder 2">
-            <a:extLst>
-              <a:ext uri="{FF2B5EF4-FFF2-40B4-BE49-F238E27FC236}">
-                <a16:creationId xmlns:a16="http://schemas.microsoft.com/office/drawing/2014/main" id="{25C64F65-7DFA-0D34-DD5E-9F7568173E29}"/>
-              </a:ext>
-            </a:extLst>
-          </p:cNvPr>
-          <p:cNvSpPr>
-            <a:spLocks noGrp="1"/>
+              <a:rPr lang="de-DE"/>
+              <a:t>Mastertitelformat bearbeiten</a:t>
+            </a:r>
+            <a:endParaRPr lang="en-US" dirty="0"/>
+          </a:p>
+        </p:txBody>
+      </p:sp>
+      <p:sp>
+        <p:nvSpPr>
+          <p:cNvPr id="3" name="Picture Placeholder 2"/>
+          <p:cNvSpPr>
+            <a:spLocks noGrp="1" noChangeAspect="1"/>
           </p:cNvSpPr>
           <p:nvPr>
             <p:ph type="pic" idx="1"/>
@@ -2973,8 +2673,73 @@
         </p:nvSpPr>
         <p:spPr>
           <a:xfrm>
-            <a:off x="5183188" y="987425"/>
-            <a:ext cx="6172200" cy="4873625"/>
+            <a:off x="5183188" y="1091197"/>
+            <a:ext cx="6172200" cy="5385807"/>
+          </a:xfrm>
+        </p:spPr>
+        <p:txBody>
+          <a:bodyPr anchor="t"/>
+          <a:lstStyle>
+            <a:lvl1pPr marL="0" indent="0">
+              <a:buNone/>
+              <a:defRPr sz="3200"/>
+            </a:lvl1pPr>
+            <a:lvl2pPr marL="457200" indent="0">
+              <a:buNone/>
+              <a:defRPr sz="2800"/>
+            </a:lvl2pPr>
+            <a:lvl3pPr marL="914400" indent="0">
+              <a:buNone/>
+              <a:defRPr sz="2400"/>
+            </a:lvl3pPr>
+            <a:lvl4pPr marL="1371600" indent="0">
+              <a:buNone/>
+              <a:defRPr sz="2000"/>
+            </a:lvl4pPr>
+            <a:lvl5pPr marL="1828800" indent="0">
+              <a:buNone/>
+              <a:defRPr sz="2000"/>
+            </a:lvl5pPr>
+            <a:lvl6pPr marL="2286000" indent="0">
+              <a:buNone/>
+              <a:defRPr sz="2000"/>
+            </a:lvl6pPr>
+            <a:lvl7pPr marL="2743200" indent="0">
+              <a:buNone/>
+              <a:defRPr sz="2000"/>
+            </a:lvl7pPr>
+            <a:lvl8pPr marL="3200400" indent="0">
+              <a:buNone/>
+              <a:defRPr sz="2000"/>
+            </a:lvl8pPr>
+            <a:lvl9pPr marL="3657600" indent="0">
+              <a:buNone/>
+              <a:defRPr sz="2000"/>
+            </a:lvl9pPr>
+          </a:lstStyle>
+          <a:p>
+            <a:r>
+              <a:rPr lang="de-DE"/>
+              <a:t>Bild durch Klicken auf Symbol hinzufügen</a:t>
+            </a:r>
+            <a:endParaRPr lang="en-US" dirty="0"/>
+          </a:p>
+        </p:txBody>
+      </p:sp>
+      <p:sp>
+        <p:nvSpPr>
+          <p:cNvPr id="4" name="Text Placeholder 3"/>
+          <p:cNvSpPr>
+            <a:spLocks noGrp="1"/>
+          </p:cNvSpPr>
+          <p:nvPr>
+            <p:ph type="body" sz="half" idx="2"/>
+          </p:nvPr>
+        </p:nvSpPr>
+        <p:spPr>
+          <a:xfrm>
+            <a:off x="839789" y="2273617"/>
+            <a:ext cx="3932237" cy="4212158"/>
           </a:xfrm>
         </p:spPr>
         <p:txBody>
@@ -2982,73 +2747,6 @@
           <a:lstStyle>
             <a:lvl1pPr marL="0" indent="0">
               <a:buNone/>
-              <a:defRPr sz="3200"/>
-            </a:lvl1pPr>
-            <a:lvl2pPr marL="457200" indent="0">
-              <a:buNone/>
-              <a:defRPr sz="2800"/>
-            </a:lvl2pPr>
-            <a:lvl3pPr marL="914400" indent="0">
-              <a:buNone/>
-              <a:defRPr sz="2400"/>
-            </a:lvl3pPr>
-            <a:lvl4pPr marL="1371600" indent="0">
-              <a:buNone/>
-              <a:defRPr sz="2000"/>
-            </a:lvl4pPr>
-            <a:lvl5pPr marL="1828800" indent="0">
-              <a:buNone/>
-              <a:defRPr sz="2000"/>
-            </a:lvl5pPr>
-            <a:lvl6pPr marL="2286000" indent="0">
-              <a:buNone/>
-              <a:defRPr sz="2000"/>
-            </a:lvl6pPr>
-            <a:lvl7pPr marL="2743200" indent="0">
-              <a:buNone/>
-              <a:defRPr sz="2000"/>
-            </a:lvl7pPr>
-            <a:lvl8pPr marL="3200400" indent="0">
-              <a:buNone/>
-              <a:defRPr sz="2000"/>
-            </a:lvl8pPr>
-            <a:lvl9pPr marL="3657600" indent="0">
-              <a:buNone/>
-              <a:defRPr sz="2000"/>
-            </a:lvl9pPr>
-          </a:lstStyle>
-          <a:p>
-            <a:endParaRPr lang="en-US"/>
-          </a:p>
-        </p:txBody>
-      </p:sp>
-      <p:sp>
-        <p:nvSpPr>
-          <p:cNvPr id="4" name="Text Placeholder 3">
-            <a:extLst>
-              <a:ext uri="{FF2B5EF4-FFF2-40B4-BE49-F238E27FC236}">
-                <a16:creationId xmlns:a16="http://schemas.microsoft.com/office/drawing/2014/main" id="{7CC97D0E-3459-52A6-BE72-DB37AAB15C3D}"/>
-              </a:ext>
-            </a:extLst>
-          </p:cNvPr>
-          <p:cNvSpPr>
-            <a:spLocks noGrp="1"/>
-          </p:cNvSpPr>
-          <p:nvPr>
-            <p:ph type="body" sz="half" idx="2"/>
-          </p:nvPr>
-        </p:nvSpPr>
-        <p:spPr>
-          <a:xfrm>
-            <a:off x="839788" y="2057400"/>
-            <a:ext cx="3932237" cy="3811588"/>
-          </a:xfrm>
-        </p:spPr>
-        <p:txBody>
-          <a:bodyPr/>
-          <a:lstStyle>
-            <a:lvl1pPr marL="0" indent="0">
-              <a:buNone/>
               <a:defRPr sz="1600"/>
             </a:lvl1pPr>
             <a:lvl2pPr marL="457200" indent="0">
@@ -3087,21 +2785,15 @@
           <a:p>
             <a:pPr lvl="0"/>
             <a:r>
-              <a:rPr lang="en-US"/>
-              <a:t>Click to edit Master text styles</a:t>
-            </a:r>
-          </a:p>
-        </p:txBody>
-      </p:sp>
-      <p:sp>
-        <p:nvSpPr>
-          <p:cNvPr id="5" name="Date Placeholder 4">
-            <a:extLst>
-              <a:ext uri="{FF2B5EF4-FFF2-40B4-BE49-F238E27FC236}">
-                <a16:creationId xmlns:a16="http://schemas.microsoft.com/office/drawing/2014/main" id="{F7D1DFAD-303C-4AD6-04D1-F63752AA113C}"/>
-              </a:ext>
-            </a:extLst>
-          </p:cNvPr>
+              <a:rPr lang="de-DE"/>
+              <a:t>Mastertextformat bearbeiten</a:t>
+            </a:r>
+          </a:p>
+        </p:txBody>
+      </p:sp>
+      <p:sp>
+        <p:nvSpPr>
+          <p:cNvPr id="5" name="Date Placeholder 4"/>
           <p:cNvSpPr>
             <a:spLocks noGrp="1"/>
           </p:cNvSpPr>
@@ -3116,7 +2808,7 @@
           <a:p>
             <a:fld id="{24188342-571A-6841-AC1D-E620118845AD}" type="datetimeFigureOut">
               <a:rPr lang="en-US" smtClean="0"/>
-              <a:t>11/28/2024</a:t>
+              <a:t>1/7/2025</a:t>
             </a:fld>
             <a:endParaRPr lang="en-US"/>
           </a:p>
@@ -3124,13 +2816,7 @@
       </p:sp>
       <p:sp>
         <p:nvSpPr>
-          <p:cNvPr id="6" name="Footer Placeholder 5">
-            <a:extLst>
-              <a:ext uri="{FF2B5EF4-FFF2-40B4-BE49-F238E27FC236}">
-                <a16:creationId xmlns:a16="http://schemas.microsoft.com/office/drawing/2014/main" id="{5983F3D5-8786-B6CB-5822-3B93AFDC2543}"/>
-              </a:ext>
-            </a:extLst>
-          </p:cNvPr>
+          <p:cNvPr id="6" name="Footer Placeholder 5"/>
           <p:cNvSpPr>
             <a:spLocks noGrp="1"/>
           </p:cNvSpPr>
@@ -3149,13 +2835,7 @@
       </p:sp>
       <p:sp>
         <p:nvSpPr>
-          <p:cNvPr id="7" name="Slide Number Placeholder 6">
-            <a:extLst>
-              <a:ext uri="{FF2B5EF4-FFF2-40B4-BE49-F238E27FC236}">
-                <a16:creationId xmlns:a16="http://schemas.microsoft.com/office/drawing/2014/main" id="{3785E4BF-7324-4E09-C85B-96CC85DB5C63}"/>
-              </a:ext>
-            </a:extLst>
-          </p:cNvPr>
+          <p:cNvPr id="7" name="Slide Number Placeholder 6"/>
           <p:cNvSpPr>
             <a:spLocks noGrp="1"/>
           </p:cNvSpPr>
@@ -3179,7 +2859,7 @@
     </p:spTree>
     <p:extLst>
       <p:ext uri="{BB962C8B-B14F-4D97-AF65-F5344CB8AC3E}">
-        <p14:creationId xmlns:p14="http://schemas.microsoft.com/office/powerpoint/2010/main" val="354343630"/>
+        <p14:creationId xmlns:p14="http://schemas.microsoft.com/office/powerpoint/2010/main" val="3124204271"/>
       </p:ext>
     </p:extLst>
   </p:cSld>
@@ -3213,13 +2893,7 @@
       </p:grpSpPr>
       <p:sp>
         <p:nvSpPr>
-          <p:cNvPr id="2" name="Title Placeholder 1">
-            <a:extLst>
-              <a:ext uri="{FF2B5EF4-FFF2-40B4-BE49-F238E27FC236}">
-                <a16:creationId xmlns:a16="http://schemas.microsoft.com/office/drawing/2014/main" id="{9A6E300E-4676-7229-AC8D-0AA46103F7ED}"/>
-              </a:ext>
-            </a:extLst>
-          </p:cNvPr>
+          <p:cNvPr id="2" name="Title Placeholder 1"/>
           <p:cNvSpPr>
             <a:spLocks noGrp="1"/>
           </p:cNvSpPr>
@@ -3229,8 +2903,8 @@
         </p:nvSpPr>
         <p:spPr>
           <a:xfrm>
-            <a:off x="838200" y="365125"/>
-            <a:ext cx="10515600" cy="1325563"/>
+            <a:off x="838200" y="403497"/>
+            <a:ext cx="10515600" cy="1464870"/>
           </a:xfrm>
           <a:prstGeom prst="rect">
             <a:avLst/>
@@ -3243,21 +2917,16 @@
           <a:lstStyle/>
           <a:p>
             <a:r>
-              <a:rPr lang="en-US"/>
-              <a:t>Click to edit Master title style</a:t>
-            </a:r>
-          </a:p>
-        </p:txBody>
-      </p:sp>
-      <p:sp>
-        <p:nvSpPr>
-          <p:cNvPr id="3" name="Text Placeholder 2">
-            <a:extLst>
-              <a:ext uri="{FF2B5EF4-FFF2-40B4-BE49-F238E27FC236}">
-                <a16:creationId xmlns:a16="http://schemas.microsoft.com/office/drawing/2014/main" id="{B65E08FB-4C5A-960B-0C6D-9CB2AE3E5F0B}"/>
-              </a:ext>
-            </a:extLst>
-          </p:cNvPr>
+              <a:rPr lang="de-DE"/>
+              <a:t>Mastertitelformat bearbeiten</a:t>
+            </a:r>
+            <a:endParaRPr lang="en-US" dirty="0"/>
+          </a:p>
+        </p:txBody>
+      </p:sp>
+      <p:sp>
+        <p:nvSpPr>
+          <p:cNvPr id="3" name="Text Placeholder 2"/>
           <p:cNvSpPr>
             <a:spLocks noGrp="1"/>
           </p:cNvSpPr>
@@ -3267,8 +2936,8 @@
         </p:nvSpPr>
         <p:spPr>
           <a:xfrm>
-            <a:off x="838200" y="1825625"/>
-            <a:ext cx="10515600" cy="4351338"/>
+            <a:off x="838200" y="2017485"/>
+            <a:ext cx="10515600" cy="4808631"/>
           </a:xfrm>
           <a:prstGeom prst="rect">
             <a:avLst/>
@@ -3282,49 +2951,44 @@
           <a:p>
             <a:pPr lvl="0"/>
             <a:r>
-              <a:rPr lang="en-US"/>
-              <a:t>Click to edit Master text styles</a:t>
+              <a:rPr lang="de-DE"/>
+              <a:t>Mastertextformat bearbeiten</a:t>
             </a:r>
           </a:p>
           <a:p>
             <a:pPr lvl="1"/>
             <a:r>
-              <a:rPr lang="en-US"/>
-              <a:t>Second level</a:t>
+              <a:rPr lang="de-DE"/>
+              <a:t>Zweite Ebene</a:t>
             </a:r>
           </a:p>
           <a:p>
             <a:pPr lvl="2"/>
             <a:r>
-              <a:rPr lang="en-US"/>
-              <a:t>Third level</a:t>
+              <a:rPr lang="de-DE"/>
+              <a:t>Dritte Ebene</a:t>
             </a:r>
           </a:p>
           <a:p>
             <a:pPr lvl="3"/>
             <a:r>
-              <a:rPr lang="en-US"/>
-              <a:t>Fourth level</a:t>
+              <a:rPr lang="de-DE"/>
+              <a:t>Vierte Ebene</a:t>
             </a:r>
           </a:p>
           <a:p>
             <a:pPr lvl="4"/>
             <a:r>
-              <a:rPr lang="en-US"/>
-              <a:t>Fifth level</a:t>
-            </a:r>
-          </a:p>
-        </p:txBody>
-      </p:sp>
-      <p:sp>
-        <p:nvSpPr>
-          <p:cNvPr id="4" name="Date Placeholder 3">
-            <a:extLst>
-              <a:ext uri="{FF2B5EF4-FFF2-40B4-BE49-F238E27FC236}">
-                <a16:creationId xmlns:a16="http://schemas.microsoft.com/office/drawing/2014/main" id="{5F41D079-95E0-2F6A-4A71-0D9220696BD2}"/>
-              </a:ext>
-            </a:extLst>
-          </p:cNvPr>
+              <a:rPr lang="de-DE"/>
+              <a:t>Fünfte Ebene</a:t>
+            </a:r>
+            <a:endParaRPr lang="en-US" dirty="0"/>
+          </a:p>
+        </p:txBody>
+      </p:sp>
+      <p:sp>
+        <p:nvSpPr>
+          <p:cNvPr id="4" name="Date Placeholder 3"/>
           <p:cNvSpPr>
             <a:spLocks noGrp="1"/>
           </p:cNvSpPr>
@@ -3334,8 +2998,8 @@
         </p:nvSpPr>
         <p:spPr>
           <a:xfrm>
-            <a:off x="838200" y="6356350"/>
-            <a:ext cx="2743200" cy="365125"/>
+            <a:off x="838200" y="7024356"/>
+            <a:ext cx="2743200" cy="403497"/>
           </a:xfrm>
           <a:prstGeom prst="rect">
             <a:avLst/>
@@ -3357,7 +3021,7 @@
           <a:p>
             <a:fld id="{24188342-571A-6841-AC1D-E620118845AD}" type="datetimeFigureOut">
               <a:rPr lang="en-US" smtClean="0"/>
-              <a:t>11/28/2024</a:t>
+              <a:t>1/7/2025</a:t>
             </a:fld>
             <a:endParaRPr lang="en-US"/>
           </a:p>
@@ -3365,13 +3029,7 @@
       </p:sp>
       <p:sp>
         <p:nvSpPr>
-          <p:cNvPr id="5" name="Footer Placeholder 4">
-            <a:extLst>
-              <a:ext uri="{FF2B5EF4-FFF2-40B4-BE49-F238E27FC236}">
-                <a16:creationId xmlns:a16="http://schemas.microsoft.com/office/drawing/2014/main" id="{F3902D51-1612-3A46-D23B-37E3E55C98D4}"/>
-              </a:ext>
-            </a:extLst>
-          </p:cNvPr>
+          <p:cNvPr id="5" name="Footer Placeholder 4"/>
           <p:cNvSpPr>
             <a:spLocks noGrp="1"/>
           </p:cNvSpPr>
@@ -3381,8 +3039,8 @@
         </p:nvSpPr>
         <p:spPr>
           <a:xfrm>
-            <a:off x="4038600" y="6356350"/>
-            <a:ext cx="4114800" cy="365125"/>
+            <a:off x="4038600" y="7024356"/>
+            <a:ext cx="4114800" cy="403497"/>
           </a:xfrm>
           <a:prstGeom prst="rect">
             <a:avLst/>
@@ -3408,13 +3066,7 @@
       </p:sp>
       <p:sp>
         <p:nvSpPr>
-          <p:cNvPr id="6" name="Slide Number Placeholder 5">
-            <a:extLst>
-              <a:ext uri="{FF2B5EF4-FFF2-40B4-BE49-F238E27FC236}">
-                <a16:creationId xmlns:a16="http://schemas.microsoft.com/office/drawing/2014/main" id="{761B84D1-6F2E-454D-9A5A-663D19FE3CF1}"/>
-              </a:ext>
-            </a:extLst>
-          </p:cNvPr>
+          <p:cNvPr id="6" name="Slide Number Placeholder 5"/>
           <p:cNvSpPr>
             <a:spLocks noGrp="1"/>
           </p:cNvSpPr>
@@ -3424,8 +3076,8 @@
         </p:nvSpPr>
         <p:spPr>
           <a:xfrm>
-            <a:off x="8610600" y="6356350"/>
-            <a:ext cx="2743200" cy="365125"/>
+            <a:off x="8610600" y="7024356"/>
+            <a:ext cx="2743200" cy="403497"/>
           </a:xfrm>
           <a:prstGeom prst="rect">
             <a:avLst/>
@@ -3456,23 +3108,23 @@
     </p:spTree>
     <p:extLst>
       <p:ext uri="{BB962C8B-B14F-4D97-AF65-F5344CB8AC3E}">
-        <p14:creationId xmlns:p14="http://schemas.microsoft.com/office/powerpoint/2010/main" val="2197389087"/>
+        <p14:creationId xmlns:p14="http://schemas.microsoft.com/office/powerpoint/2010/main" val="2080911819"/>
       </p:ext>
     </p:extLst>
   </p:cSld>
   <p:clrMap bg1="lt1" tx1="dk1" bg2="lt2" tx2="dk2" accent1="accent1" accent2="accent2" accent3="accent3" accent4="accent4" accent5="accent5" accent6="accent6" hlink="hlink" folHlink="folHlink"/>
   <p:sldLayoutIdLst>
-    <p:sldLayoutId id="2147483649" r:id="rId1"/>
-    <p:sldLayoutId id="2147483650" r:id="rId2"/>
-    <p:sldLayoutId id="2147483651" r:id="rId3"/>
-    <p:sldLayoutId id="2147483652" r:id="rId4"/>
-    <p:sldLayoutId id="2147483653" r:id="rId5"/>
-    <p:sldLayoutId id="2147483654" r:id="rId6"/>
-    <p:sldLayoutId id="2147483655" r:id="rId7"/>
-    <p:sldLayoutId id="2147483656" r:id="rId8"/>
-    <p:sldLayoutId id="2147483657" r:id="rId9"/>
-    <p:sldLayoutId id="2147483658" r:id="rId10"/>
-    <p:sldLayoutId id="2147483659" r:id="rId11"/>
+    <p:sldLayoutId id="2147483661" r:id="rId1"/>
+    <p:sldLayoutId id="2147483662" r:id="rId2"/>
+    <p:sldLayoutId id="2147483663" r:id="rId3"/>
+    <p:sldLayoutId id="2147483664" r:id="rId4"/>
+    <p:sldLayoutId id="2147483665" r:id="rId5"/>
+    <p:sldLayoutId id="2147483666" r:id="rId6"/>
+    <p:sldLayoutId id="2147483667" r:id="rId7"/>
+    <p:sldLayoutId id="2147483668" r:id="rId8"/>
+    <p:sldLayoutId id="2147483669" r:id="rId9"/>
+    <p:sldLayoutId id="2147483670" r:id="rId10"/>
+    <p:sldLayoutId id="2147483671" r:id="rId11"/>
   </p:sldLayoutIdLst>
   <p:txStyles>
     <p:titleStyle>
@@ -3796,7 +3448,7 @@
         </p:blipFill>
         <p:spPr>
           <a:xfrm>
-            <a:off x="61530" y="3470849"/>
+            <a:off x="119571" y="3501012"/>
             <a:ext cx="5594018" cy="2966311"/>
           </a:xfrm>
           <a:prstGeom prst="rect">
@@ -3826,7 +3478,7 @@
         </p:blipFill>
         <p:spPr>
           <a:xfrm>
-            <a:off x="5719738" y="3134676"/>
+            <a:off x="5777779" y="3164840"/>
             <a:ext cx="6410732" cy="3536555"/>
           </a:xfrm>
           <a:prstGeom prst="rect">
@@ -3850,7 +3502,7 @@
         </p:nvSpPr>
         <p:spPr>
           <a:xfrm>
-            <a:off x="3158206" y="649576"/>
+            <a:off x="3852559" y="876748"/>
             <a:ext cx="1296693" cy="715513"/>
           </a:xfrm>
           <a:prstGeom prst="roundRect">
@@ -4077,8 +3729,8 @@
         </p:nvCxnSpPr>
         <p:spPr>
           <a:xfrm flipV="1">
-            <a:off x="4454899" y="642756"/>
-            <a:ext cx="1326369" cy="364577"/>
+            <a:off x="5149252" y="851390"/>
+            <a:ext cx="1915217" cy="383115"/>
           </a:xfrm>
           <a:prstGeom prst="straightConnector1">
             <a:avLst/>
@@ -4121,7 +3773,7 @@
         </p:nvSpPr>
         <p:spPr>
           <a:xfrm>
-            <a:off x="8245653" y="649576"/>
+            <a:off x="9700664" y="896091"/>
             <a:ext cx="1296693" cy="715513"/>
           </a:xfrm>
           <a:prstGeom prst="roundRect">
@@ -4344,7 +3996,7 @@
         </p:nvSpPr>
         <p:spPr>
           <a:xfrm>
-            <a:off x="358810" y="1029834"/>
+            <a:off x="1194643" y="1288053"/>
             <a:ext cx="1236285" cy="874162"/>
           </a:xfrm>
           <a:prstGeom prst="ellipse">
@@ -4394,7 +4046,7 @@
         </p:nvSpPr>
         <p:spPr>
           <a:xfrm>
-            <a:off x="334204" y="79007"/>
+            <a:off x="1170036" y="337227"/>
             <a:ext cx="1268682" cy="890249"/>
           </a:xfrm>
           <a:prstGeom prst="ellipse">
@@ -4448,8 +4100,8 @@
         </p:nvCxnSpPr>
         <p:spPr>
           <a:xfrm>
-            <a:off x="1602886" y="524132"/>
-            <a:ext cx="1555320" cy="483201"/>
+            <a:off x="2438718" y="782352"/>
+            <a:ext cx="1413841" cy="452153"/>
           </a:xfrm>
           <a:prstGeom prst="straightConnector1">
             <a:avLst/>
@@ -4494,8 +4146,8 @@
         </p:nvCxnSpPr>
         <p:spPr>
           <a:xfrm flipV="1">
-            <a:off x="1595095" y="1007333"/>
-            <a:ext cx="1563111" cy="459582"/>
+            <a:off x="2430928" y="1234505"/>
+            <a:ext cx="1421631" cy="490629"/>
           </a:xfrm>
           <a:prstGeom prst="straightConnector1">
             <a:avLst/>
@@ -4536,7 +4188,7 @@
         </p:nvSpPr>
         <p:spPr>
           <a:xfrm>
-            <a:off x="5805874" y="1148458"/>
+            <a:off x="7080667" y="1385100"/>
             <a:ext cx="1236285" cy="874162"/>
           </a:xfrm>
           <a:prstGeom prst="ellipse">
@@ -4586,7 +4238,7 @@
         </p:nvSpPr>
         <p:spPr>
           <a:xfrm>
-            <a:off x="5781268" y="197631"/>
+            <a:off x="7064469" y="406265"/>
             <a:ext cx="1268682" cy="890249"/>
           </a:xfrm>
           <a:prstGeom prst="ellipse">
@@ -4640,8 +4292,8 @@
         </p:nvCxnSpPr>
         <p:spPr>
           <a:xfrm>
-            <a:off x="4454899" y="1007333"/>
-            <a:ext cx="1350975" cy="578206"/>
+            <a:off x="5149252" y="1234505"/>
+            <a:ext cx="1931415" cy="587676"/>
           </a:xfrm>
           <a:prstGeom prst="straightConnector1">
             <a:avLst/>
@@ -4686,8 +4338,8 @@
         </p:nvCxnSpPr>
         <p:spPr>
           <a:xfrm flipV="1">
-            <a:off x="7042159" y="1007333"/>
-            <a:ext cx="1203494" cy="578206"/>
+            <a:off x="8316952" y="1253848"/>
+            <a:ext cx="1383712" cy="568333"/>
           </a:xfrm>
           <a:prstGeom prst="straightConnector1">
             <a:avLst/>
@@ -4732,8 +4384,8 @@
         </p:nvCxnSpPr>
         <p:spPr>
           <a:xfrm>
-            <a:off x="7049950" y="642756"/>
-            <a:ext cx="1195703" cy="364577"/>
+            <a:off x="8333151" y="851390"/>
+            <a:ext cx="1367513" cy="402458"/>
           </a:xfrm>
           <a:prstGeom prst="straightConnector1">
             <a:avLst/>
@@ -4774,7 +4426,7 @@
         </p:nvSpPr>
         <p:spPr>
           <a:xfrm>
-            <a:off x="5733546" y="4016058"/>
+            <a:off x="5791589" y="4046222"/>
             <a:ext cx="682063" cy="478545"/>
           </a:xfrm>
           <a:prstGeom prst="rect">
@@ -4827,7 +4479,7 @@
         </p:nvSpPr>
         <p:spPr>
           <a:xfrm>
-            <a:off x="6645680" y="2424266"/>
+            <a:off x="6703722" y="2454429"/>
             <a:ext cx="1658418" cy="465979"/>
           </a:xfrm>
           <a:prstGeom prst="rect">
@@ -4883,7 +4535,7 @@
         </p:nvCxnSpPr>
         <p:spPr>
           <a:xfrm flipH="1" flipV="1">
-            <a:off x="7474889" y="2890245"/>
+            <a:off x="7532930" y="2920409"/>
             <a:ext cx="2040936" cy="254709"/>
           </a:xfrm>
           <a:prstGeom prst="line">
@@ -4928,7 +4580,7 @@
         </p:nvCxnSpPr>
         <p:spPr>
           <a:xfrm flipV="1">
-            <a:off x="6074578" y="2890245"/>
+            <a:off x="6132621" y="2920408"/>
             <a:ext cx="1400311" cy="1125813"/>
           </a:xfrm>
           <a:prstGeom prst="line">
@@ -4969,7 +4621,7 @@
         </p:nvSpPr>
         <p:spPr>
           <a:xfrm>
-            <a:off x="2697047" y="2424266"/>
+            <a:off x="2755088" y="2454429"/>
             <a:ext cx="1658418" cy="465979"/>
           </a:xfrm>
           <a:prstGeom prst="rect">
@@ -5024,7 +4676,7 @@
         </p:nvSpPr>
         <p:spPr>
           <a:xfrm>
-            <a:off x="9174793" y="3144954"/>
+            <a:off x="9232836" y="3175118"/>
             <a:ext cx="682063" cy="478545"/>
           </a:xfrm>
           <a:prstGeom prst="rect">
@@ -5077,7 +4729,7 @@
         </p:nvSpPr>
         <p:spPr>
           <a:xfrm>
-            <a:off x="8211937" y="3319086"/>
+            <a:off x="8269980" y="3349250"/>
             <a:ext cx="682063" cy="478545"/>
           </a:xfrm>
           <a:prstGeom prst="rect">
@@ -5130,7 +4782,7 @@
         </p:nvSpPr>
         <p:spPr>
           <a:xfrm>
-            <a:off x="8285510" y="4016058"/>
+            <a:off x="8343553" y="4046222"/>
             <a:ext cx="682063" cy="478545"/>
           </a:xfrm>
           <a:prstGeom prst="rect">
@@ -5183,7 +4835,7 @@
         </p:nvSpPr>
         <p:spPr>
           <a:xfrm>
-            <a:off x="7474889" y="3867251"/>
+            <a:off x="7532932" y="3897415"/>
             <a:ext cx="682063" cy="478545"/>
           </a:xfrm>
           <a:prstGeom prst="rect">
@@ -5236,7 +4888,7 @@
         </p:nvSpPr>
         <p:spPr>
           <a:xfrm>
-            <a:off x="6474224" y="5923865"/>
+            <a:off x="6532267" y="5954029"/>
             <a:ext cx="682063" cy="478545"/>
           </a:xfrm>
           <a:prstGeom prst="rect">
@@ -5293,7 +4945,7 @@
         </p:nvCxnSpPr>
         <p:spPr>
           <a:xfrm flipH="1" flipV="1">
-            <a:off x="7474889" y="2890245"/>
+            <a:off x="7532930" y="2920409"/>
             <a:ext cx="1078080" cy="428841"/>
           </a:xfrm>
           <a:prstGeom prst="line">
@@ -5334,7 +4986,7 @@
         </p:nvSpPr>
         <p:spPr>
           <a:xfrm>
-            <a:off x="2697047" y="4003211"/>
+            <a:off x="2755090" y="4033375"/>
             <a:ext cx="640319" cy="478545"/>
           </a:xfrm>
           <a:prstGeom prst="rect">
@@ -5390,7 +5042,7 @@
         </p:nvSpPr>
         <p:spPr>
           <a:xfrm>
-            <a:off x="11221580" y="773164"/>
+            <a:off x="8008635" y="6787667"/>
             <a:ext cx="707010" cy="715513"/>
           </a:xfrm>
           <a:prstGeom prst="ellipse">
@@ -5442,7 +5094,7 @@
         </p:nvSpPr>
         <p:spPr>
           <a:xfrm>
-            <a:off x="9704105" y="774108"/>
+            <a:off x="1902018" y="6776545"/>
             <a:ext cx="707010" cy="715513"/>
           </a:xfrm>
           <a:prstGeom prst="ellipse">
@@ -5499,7 +5151,7 @@
             </p:nvSpPr>
             <p:spPr>
               <a:xfrm>
-                <a:off x="11224052" y="1585539"/>
+                <a:off x="8879331" y="6787667"/>
                 <a:ext cx="707010" cy="715513"/>
               </a:xfrm>
               <a:prstGeom prst="ellipse">
@@ -5541,7 +5193,7 @@
                       <m:sSub>
                         <m:sSubPr>
                           <m:ctrlPr>
-                            <a:rPr lang="en-US" sz="3200" i="1" smtClean="0">
+                            <a:rPr lang="en-US" sz="3200" i="1">
                               <a:latin typeface="Cambria Math" panose="02040503050406030204" pitchFamily="18" charset="0"/>
                             </a:rPr>
                           </m:ctrlPr>
@@ -5551,7 +5203,7 @@
                             <m:rPr>
                               <m:sty m:val="p"/>
                             </m:rPr>
-                            <a:rPr lang="de-DE" sz="3200" b="0" i="0" smtClean="0">
+                            <a:rPr lang="de-DE" sz="3200">
                               <a:latin typeface="Cambria Math" panose="02040503050406030204" pitchFamily="18" charset="0"/>
                             </a:rPr>
                             <m:t>C</m:t>
@@ -5559,7 +5211,7 @@
                         </m:e>
                         <m:sub>
                           <m:r>
-                            <a:rPr lang="de-DE" sz="3200" b="0" i="0" smtClean="0">
+                            <a:rPr lang="de-DE" sz="3200">
                               <a:latin typeface="Cambria Math" panose="02040503050406030204" pitchFamily="18" charset="0"/>
                             </a:rPr>
                             <m:t>2</m:t>
@@ -5591,7 +5243,7 @@
             </p:nvSpPr>
             <p:spPr>
               <a:xfrm>
-                <a:off x="11224052" y="1585539"/>
+                <a:off x="8879331" y="6787667"/>
                 <a:ext cx="707010" cy="715513"/>
               </a:xfrm>
               <a:prstGeom prst="ellipse">
@@ -5635,7 +5287,7 @@
             </p:nvSpPr>
             <p:spPr>
               <a:xfrm>
-                <a:off x="9747774" y="1582234"/>
+                <a:off x="2713691" y="6775339"/>
                 <a:ext cx="707010" cy="715513"/>
               </a:xfrm>
               <a:prstGeom prst="ellipse">
@@ -5677,7 +5329,7 @@
                       <m:sSub>
                         <m:sSubPr>
                           <m:ctrlPr>
-                            <a:rPr lang="en-US" sz="3200" i="1" smtClean="0">
+                            <a:rPr lang="en-US" sz="3200" i="1">
                               <a:latin typeface="Cambria Math" panose="02040503050406030204" pitchFamily="18" charset="0"/>
                             </a:rPr>
                           </m:ctrlPr>
@@ -5687,7 +5339,7 @@
                             <m:rPr>
                               <m:sty m:val="p"/>
                             </m:rPr>
-                            <a:rPr lang="de-DE" sz="3200" b="0" i="0" smtClean="0">
+                            <a:rPr lang="de-DE" sz="3200">
                               <a:latin typeface="Cambria Math" panose="02040503050406030204" pitchFamily="18" charset="0"/>
                             </a:rPr>
                             <m:t>C</m:t>
@@ -5695,7 +5347,7 @@
                         </m:e>
                         <m:sub>
                           <m:r>
-                            <a:rPr lang="de-DE" sz="3200" b="0" i="0" smtClean="0">
+                            <a:rPr lang="de-DE" sz="3200">
                               <a:latin typeface="Cambria Math" panose="02040503050406030204" pitchFamily="18" charset="0"/>
                             </a:rPr>
                             <m:t>1</m:t>
@@ -5727,7 +5379,7 @@
             </p:nvSpPr>
             <p:spPr>
               <a:xfrm>
-                <a:off x="9747774" y="1582234"/>
+                <a:off x="2713691" y="6775339"/>
                 <a:ext cx="707010" cy="715513"/>
               </a:xfrm>
               <a:prstGeom prst="ellipse">
@@ -5769,7 +5421,7 @@
         </p:nvSpPr>
         <p:spPr>
           <a:xfrm>
-            <a:off x="8980052" y="4190274"/>
+            <a:off x="9038095" y="4220438"/>
             <a:ext cx="682063" cy="478545"/>
           </a:xfrm>
           <a:prstGeom prst="rect">
@@ -5822,8 +5474,8 @@
         </p:nvSpPr>
         <p:spPr>
           <a:xfrm>
-            <a:off x="10454784" y="1215632"/>
-            <a:ext cx="861636" cy="715513"/>
+            <a:off x="4532400" y="6787094"/>
+            <a:ext cx="2362377" cy="715513"/>
           </a:xfrm>
           <a:prstGeom prst="rightArrow">
             <a:avLst/>
@@ -5881,7 +5533,7 @@
         </p:nvCxnSpPr>
         <p:spPr>
           <a:xfrm flipV="1">
-            <a:off x="3017207" y="2890245"/>
+            <a:off x="3075249" y="2920407"/>
             <a:ext cx="509049" cy="1112966"/>
           </a:xfrm>
           <a:prstGeom prst="line">
@@ -5925,8 +5577,8 @@
         </p:nvSpPr>
         <p:spPr>
           <a:xfrm>
-            <a:off x="9637246" y="2334091"/>
-            <a:ext cx="2496711" cy="646331"/>
+            <a:off x="3802991" y="6486071"/>
+            <a:ext cx="4121850" cy="369332"/>
           </a:xfrm>
           <a:prstGeom prst="rect">
             <a:avLst/>
@@ -5941,7 +5593,7 @@
           <a:p>
             <a:r>
               <a:rPr lang="en-US" dirty="0"/>
-              <a:t>Added (N) and deleted (O) concepts</a:t>
+              <a:t>Added (N) and deleted (D) concepts</a:t>
             </a:r>
           </a:p>
         </p:txBody>
@@ -6035,23 +5687,6 @@
         <a:font script="Viet" typeface="Times New Roman"/>
         <a:font script="Uigh" typeface="Microsoft Uighur"/>
         <a:font script="Geor" typeface="Sylfaen"/>
-        <a:font script="Armn" typeface="Arial"/>
-        <a:font script="Bugi" typeface="Leelawadee UI"/>
-        <a:font script="Bopo" typeface="Microsoft JhengHei"/>
-        <a:font script="Java" typeface="Javanese Text"/>
-        <a:font script="Lisu" typeface="Segoe UI"/>
-        <a:font script="Mymr" typeface="Myanmar Text"/>
-        <a:font script="Nkoo" typeface="Ebrima"/>
-        <a:font script="Olck" typeface="Nirmala UI"/>
-        <a:font script="Osma" typeface="Ebrima"/>
-        <a:font script="Phag" typeface="Phagspa"/>
-        <a:font script="Syrn" typeface="Estrangelo Edessa"/>
-        <a:font script="Syrj" typeface="Estrangelo Edessa"/>
-        <a:font script="Syre" typeface="Estrangelo Edessa"/>
-        <a:font script="Sora" typeface="Nirmala UI"/>
-        <a:font script="Tale" typeface="Microsoft Tai Le"/>
-        <a:font script="Talu" typeface="Microsoft New Tai Lue"/>
-        <a:font script="Tfng" typeface="Ebrima"/>
       </a:majorFont>
       <a:minorFont>
         <a:latin typeface="Calibri" panose="020F0502020204030204"/>
@@ -6087,23 +5722,6 @@
         <a:font script="Viet" typeface="Arial"/>
         <a:font script="Uigh" typeface="Microsoft Uighur"/>
         <a:font script="Geor" typeface="Sylfaen"/>
-        <a:font script="Armn" typeface="Arial"/>
-        <a:font script="Bugi" typeface="Leelawadee UI"/>
-        <a:font script="Bopo" typeface="Microsoft JhengHei"/>
-        <a:font script="Java" typeface="Javanese Text"/>
-        <a:font script="Lisu" typeface="Segoe UI"/>
-        <a:font script="Mymr" typeface="Myanmar Text"/>
-        <a:font script="Nkoo" typeface="Ebrima"/>
-        <a:font script="Olck" typeface="Nirmala UI"/>
-        <a:font script="Osma" typeface="Ebrima"/>
-        <a:font script="Phag" typeface="Phagspa"/>
-        <a:font script="Syrn" typeface="Estrangelo Edessa"/>
-        <a:font script="Syrj" typeface="Estrangelo Edessa"/>
-        <a:font script="Syre" typeface="Estrangelo Edessa"/>
-        <a:font script="Sora" typeface="Nirmala UI"/>
-        <a:font script="Tale" typeface="Microsoft Tai Le"/>
-        <a:font script="Talu" typeface="Microsoft New Tai Lue"/>
-        <a:font script="Tfng" typeface="Ebrima"/>
       </a:minorFont>
     </a:fontScheme>
     <a:fmtScheme name="Office">
@@ -6244,29 +5862,7 @@
       </a:bgFillStyleLst>
     </a:fmtScheme>
   </a:themeElements>
-  <a:objectDefaults>
-    <a:lnDef>
-      <a:spPr>
-        <a:ln w="28575"/>
-      </a:spPr>
-      <a:bodyPr/>
-      <a:lstStyle/>
-      <a:style>
-        <a:lnRef idx="2">
-          <a:schemeClr val="accent3"/>
-        </a:lnRef>
-        <a:fillRef idx="0">
-          <a:schemeClr val="accent3"/>
-        </a:fillRef>
-        <a:effectRef idx="1">
-          <a:schemeClr val="accent3"/>
-        </a:effectRef>
-        <a:fontRef idx="minor">
-          <a:schemeClr val="tx1"/>
-        </a:fontRef>
-      </a:style>
-    </a:lnDef>
-  </a:objectDefaults>
+  <a:objectDefaults/>
   <a:extraClrSchemeLst/>
   <a:extLst>
     <a:ext uri="{05A4C25C-085E-4340-85A3-A5531E510DB2}">

--- a/Materials/figures manually created/Fig. 2.pptx
+++ b/Materials/figures manually created/Fig. 2.pptx
@@ -5135,8 +5135,8 @@
           </a:p>
         </p:txBody>
       </p:sp>
-      <mc:AlternateContent xmlns:mc="http://schemas.openxmlformats.org/markup-compatibility/2006">
-        <mc:Choice xmlns:a14="http://schemas.microsoft.com/office/drawing/2010/main" Requires="a14">
+      <mc:AlternateContent xmlns:mc="http://schemas.openxmlformats.org/markup-compatibility/2006" xmlns:a14="http://schemas.microsoft.com/office/drawing/2010/main">
+        <mc:Choice Requires="a14">
           <p:sp>
             <p:nvSpPr>
               <p:cNvPr id="68" name="Ellipse 67">
@@ -5226,7 +5226,7 @@
             </p:txBody>
           </p:sp>
         </mc:Choice>
-        <mc:Fallback>
+        <mc:Fallback xmlns="">
           <p:sp>
             <p:nvSpPr>
               <p:cNvPr id="68" name="Ellipse 67">
@@ -5271,8 +5271,8 @@
           </p:sp>
         </mc:Fallback>
       </mc:AlternateContent>
-      <mc:AlternateContent xmlns:mc="http://schemas.openxmlformats.org/markup-compatibility/2006">
-        <mc:Choice xmlns:a14="http://schemas.microsoft.com/office/drawing/2010/main" Requires="a14">
+      <mc:AlternateContent xmlns:mc="http://schemas.openxmlformats.org/markup-compatibility/2006" xmlns:a14="http://schemas.microsoft.com/office/drawing/2010/main">
+        <mc:Choice Requires="a14">
           <p:sp>
             <p:nvSpPr>
               <p:cNvPr id="69" name="Ellipse 68">
@@ -5362,7 +5362,7 @@
             </p:txBody>
           </p:sp>
         </mc:Choice>
-        <mc:Fallback>
+        <mc:Fallback xmlns="">
           <p:sp>
             <p:nvSpPr>
               <p:cNvPr id="69" name="Ellipse 68">

--- a/Materials/figures manually created/Fig. 2.pptx
+++ b/Materials/figures manually created/Fig. 2.pptx
@@ -209,7 +209,7 @@
           <a:p>
             <a:fld id="{77C10B95-DE72-CA42-8E03-6337D8532236}" type="datetimeFigureOut">
               <a:rPr lang="de-DE" smtClean="0"/>
-              <a:t>07.01.2025</a:t>
+              <a:t>10.01.2025</a:t>
             </a:fld>
             <a:endParaRPr lang="de-DE"/>
           </a:p>
@@ -696,7 +696,7 @@
           <a:p>
             <a:fld id="{24188342-571A-6841-AC1D-E620118845AD}" type="datetimeFigureOut">
               <a:rPr lang="en-US" smtClean="0"/>
-              <a:t>1/7/2025</a:t>
+              <a:t>1/10/2025</a:t>
             </a:fld>
             <a:endParaRPr lang="en-US"/>
           </a:p>
@@ -866,7 +866,7 @@
           <a:p>
             <a:fld id="{24188342-571A-6841-AC1D-E620118845AD}" type="datetimeFigureOut">
               <a:rPr lang="en-US" smtClean="0"/>
-              <a:t>1/7/2025</a:t>
+              <a:t>1/10/2025</a:t>
             </a:fld>
             <a:endParaRPr lang="en-US"/>
           </a:p>
@@ -1046,7 +1046,7 @@
           <a:p>
             <a:fld id="{24188342-571A-6841-AC1D-E620118845AD}" type="datetimeFigureOut">
               <a:rPr lang="en-US" smtClean="0"/>
-              <a:t>1/7/2025</a:t>
+              <a:t>1/10/2025</a:t>
             </a:fld>
             <a:endParaRPr lang="en-US"/>
           </a:p>
@@ -1216,7 +1216,7 @@
           <a:p>
             <a:fld id="{24188342-571A-6841-AC1D-E620118845AD}" type="datetimeFigureOut">
               <a:rPr lang="en-US" smtClean="0"/>
-              <a:t>1/7/2025</a:t>
+              <a:t>1/10/2025</a:t>
             </a:fld>
             <a:endParaRPr lang="en-US"/>
           </a:p>
@@ -1462,7 +1462,7 @@
           <a:p>
             <a:fld id="{24188342-571A-6841-AC1D-E620118845AD}" type="datetimeFigureOut">
               <a:rPr lang="en-US" smtClean="0"/>
-              <a:t>1/7/2025</a:t>
+              <a:t>1/10/2025</a:t>
             </a:fld>
             <a:endParaRPr lang="en-US"/>
           </a:p>
@@ -1694,7 +1694,7 @@
           <a:p>
             <a:fld id="{24188342-571A-6841-AC1D-E620118845AD}" type="datetimeFigureOut">
               <a:rPr lang="en-US" smtClean="0"/>
-              <a:t>1/7/2025</a:t>
+              <a:t>1/10/2025</a:t>
             </a:fld>
             <a:endParaRPr lang="en-US"/>
           </a:p>
@@ -2061,7 +2061,7 @@
           <a:p>
             <a:fld id="{24188342-571A-6841-AC1D-E620118845AD}" type="datetimeFigureOut">
               <a:rPr lang="en-US" smtClean="0"/>
-              <a:t>1/7/2025</a:t>
+              <a:t>1/10/2025</a:t>
             </a:fld>
             <a:endParaRPr lang="en-US"/>
           </a:p>
@@ -2179,7 +2179,7 @@
           <a:p>
             <a:fld id="{24188342-571A-6841-AC1D-E620118845AD}" type="datetimeFigureOut">
               <a:rPr lang="en-US" smtClean="0"/>
-              <a:t>1/7/2025</a:t>
+              <a:t>1/10/2025</a:t>
             </a:fld>
             <a:endParaRPr lang="en-US"/>
           </a:p>
@@ -2274,7 +2274,7 @@
           <a:p>
             <a:fld id="{24188342-571A-6841-AC1D-E620118845AD}" type="datetimeFigureOut">
               <a:rPr lang="en-US" smtClean="0"/>
-              <a:t>1/7/2025</a:t>
+              <a:t>1/10/2025</a:t>
             </a:fld>
             <a:endParaRPr lang="en-US"/>
           </a:p>
@@ -2551,7 +2551,7 @@
           <a:p>
             <a:fld id="{24188342-571A-6841-AC1D-E620118845AD}" type="datetimeFigureOut">
               <a:rPr lang="en-US" smtClean="0"/>
-              <a:t>1/7/2025</a:t>
+              <a:t>1/10/2025</a:t>
             </a:fld>
             <a:endParaRPr lang="en-US"/>
           </a:p>
@@ -2808,7 +2808,7 @@
           <a:p>
             <a:fld id="{24188342-571A-6841-AC1D-E620118845AD}" type="datetimeFigureOut">
               <a:rPr lang="en-US" smtClean="0"/>
-              <a:t>1/7/2025</a:t>
+              <a:t>1/10/2025</a:t>
             </a:fld>
             <a:endParaRPr lang="en-US"/>
           </a:p>
@@ -3021,7 +3021,7 @@
           <a:p>
             <a:fld id="{24188342-571A-6841-AC1D-E620118845AD}" type="datetimeFigureOut">
               <a:rPr lang="en-US" smtClean="0"/>
-              <a:t>1/7/2025</a:t>
+              <a:t>1/10/2025</a:t>
             </a:fld>
             <a:endParaRPr lang="en-US"/>
           </a:p>
@@ -4461,7 +4461,10 @@
           <a:lstStyle/>
           <a:p>
             <a:pPr algn="ctr"/>
-            <a:endParaRPr lang="en-US"/>
+            <a:endParaRPr lang="en-US">
+              <a:latin typeface="Times New Roman" panose="02020603050405020304" pitchFamily="18" charset="0"/>
+              <a:cs typeface="Times New Roman" panose="02020603050405020304" pitchFamily="18" charset="0"/>
+            </a:endParaRPr>
           </a:p>
         </p:txBody>
       </p:sp>
@@ -4511,7 +4514,10 @@
           <a:p>
             <a:pPr algn="ctr"/>
             <a:r>
-              <a:rPr lang="en-US" dirty="0"/>
+              <a:rPr lang="en-US" dirty="0">
+                <a:latin typeface="Times New Roman" panose="02020603050405020304" pitchFamily="18" charset="0"/>
+                <a:cs typeface="Times New Roman" panose="02020603050405020304" pitchFamily="18" charset="0"/>
+              </a:rPr>
               <a:t>“new” (N)</a:t>
             </a:r>
           </a:p>
@@ -4656,7 +4662,10 @@
           <a:p>
             <a:pPr algn="ctr"/>
             <a:r>
-              <a:rPr lang="en-US" dirty="0"/>
+              <a:rPr lang="en-US" dirty="0">
+                <a:latin typeface="Times New Roman" panose="02020603050405020304" pitchFamily="18" charset="0"/>
+                <a:cs typeface="Times New Roman" panose="02020603050405020304" pitchFamily="18" charset="0"/>
+              </a:rPr>
               <a:t>“deleted” (D)</a:t>
             </a:r>
           </a:p>
@@ -4711,7 +4720,10 @@
           <a:lstStyle/>
           <a:p>
             <a:pPr algn="ctr"/>
-            <a:endParaRPr lang="en-US"/>
+            <a:endParaRPr lang="en-US">
+              <a:latin typeface="Times New Roman" panose="02020603050405020304" pitchFamily="18" charset="0"/>
+              <a:cs typeface="Times New Roman" panose="02020603050405020304" pitchFamily="18" charset="0"/>
+            </a:endParaRPr>
           </a:p>
         </p:txBody>
       </p:sp>
@@ -4764,7 +4776,10 @@
           <a:lstStyle/>
           <a:p>
             <a:pPr algn="ctr"/>
-            <a:endParaRPr lang="en-US"/>
+            <a:endParaRPr lang="en-US">
+              <a:latin typeface="Times New Roman" panose="02020603050405020304" pitchFamily="18" charset="0"/>
+              <a:cs typeface="Times New Roman" panose="02020603050405020304" pitchFamily="18" charset="0"/>
+            </a:endParaRPr>
           </a:p>
         </p:txBody>
       </p:sp>
@@ -4817,7 +4832,10 @@
           <a:lstStyle/>
           <a:p>
             <a:pPr algn="ctr"/>
-            <a:endParaRPr lang="en-US"/>
+            <a:endParaRPr lang="en-US">
+              <a:latin typeface="Times New Roman" panose="02020603050405020304" pitchFamily="18" charset="0"/>
+              <a:cs typeface="Times New Roman" panose="02020603050405020304" pitchFamily="18" charset="0"/>
+            </a:endParaRPr>
           </a:p>
         </p:txBody>
       </p:sp>
@@ -4870,7 +4888,10 @@
           <a:lstStyle/>
           <a:p>
             <a:pPr algn="ctr"/>
-            <a:endParaRPr lang="en-US"/>
+            <a:endParaRPr lang="en-US">
+              <a:latin typeface="Times New Roman" panose="02020603050405020304" pitchFamily="18" charset="0"/>
+              <a:cs typeface="Times New Roman" panose="02020603050405020304" pitchFamily="18" charset="0"/>
+            </a:endParaRPr>
           </a:p>
         </p:txBody>
       </p:sp>
@@ -4923,7 +4944,10 @@
           <a:lstStyle/>
           <a:p>
             <a:pPr algn="ctr"/>
-            <a:endParaRPr lang="en-US"/>
+            <a:endParaRPr lang="en-US">
+              <a:latin typeface="Times New Roman" panose="02020603050405020304" pitchFamily="18" charset="0"/>
+              <a:cs typeface="Times New Roman" panose="02020603050405020304" pitchFamily="18" charset="0"/>
+            </a:endParaRPr>
           </a:p>
         </p:txBody>
       </p:sp>
@@ -5024,7 +5048,10 @@
           <a:lstStyle/>
           <a:p>
             <a:pPr algn="ctr"/>
-            <a:endParaRPr lang="en-US"/>
+            <a:endParaRPr lang="en-US">
+              <a:latin typeface="Times New Roman" panose="02020603050405020304" pitchFamily="18" charset="0"/>
+              <a:cs typeface="Times New Roman" panose="02020603050405020304" pitchFamily="18" charset="0"/>
+            </a:endParaRPr>
           </a:p>
         </p:txBody>
       </p:sp>
@@ -5074,7 +5101,10 @@
           <a:p>
             <a:pPr algn="ctr"/>
             <a:r>
-              <a:rPr lang="en-US" sz="3200" dirty="0"/>
+              <a:rPr lang="en-US" sz="3200" dirty="0">
+                <a:latin typeface="Times New Roman" panose="02020603050405020304" pitchFamily="18" charset="0"/>
+                <a:cs typeface="Times New Roman" panose="02020603050405020304" pitchFamily="18" charset="0"/>
+              </a:rPr>
               <a:t>N</a:t>
             </a:r>
           </a:p>
@@ -5129,14 +5159,17 @@
           <a:p>
             <a:pPr algn="ctr"/>
             <a:r>
-              <a:rPr lang="en-US" sz="3200" dirty="0"/>
+              <a:rPr lang="en-US" sz="3200" dirty="0">
+                <a:latin typeface="Times New Roman" panose="02020603050405020304" pitchFamily="18" charset="0"/>
+                <a:cs typeface="Times New Roman" panose="02020603050405020304" pitchFamily="18" charset="0"/>
+              </a:rPr>
               <a:t>D</a:t>
             </a:r>
           </a:p>
         </p:txBody>
       </p:sp>
-      <mc:AlternateContent xmlns:mc="http://schemas.openxmlformats.org/markup-compatibility/2006" xmlns:a14="http://schemas.microsoft.com/office/drawing/2010/main">
-        <mc:Choice Requires="a14">
+      <mc:AlternateContent xmlns:mc="http://schemas.openxmlformats.org/markup-compatibility/2006">
+        <mc:Choice xmlns:a14="http://schemas.microsoft.com/office/drawing/2010/main" Requires="a14">
           <p:sp>
             <p:nvSpPr>
               <p:cNvPr id="68" name="Ellipse 67">
@@ -5221,12 +5254,15 @@
                     </m:oMath>
                   </m:oMathPara>
                 </a14:m>
-                <a:endParaRPr lang="en-US" sz="3200" dirty="0"/>
+                <a:endParaRPr lang="en-US" sz="3200" dirty="0">
+                  <a:latin typeface="Times New Roman" panose="02020603050405020304" pitchFamily="18" charset="0"/>
+                  <a:cs typeface="Times New Roman" panose="02020603050405020304" pitchFamily="18" charset="0"/>
+                </a:endParaRPr>
               </a:p>
             </p:txBody>
           </p:sp>
         </mc:Choice>
-        <mc:Fallback xmlns="">
+        <mc:Fallback>
           <p:sp>
             <p:nvSpPr>
               <p:cNvPr id="68" name="Ellipse 67">
@@ -5271,8 +5307,8 @@
           </p:sp>
         </mc:Fallback>
       </mc:AlternateContent>
-      <mc:AlternateContent xmlns:mc="http://schemas.openxmlformats.org/markup-compatibility/2006" xmlns:a14="http://schemas.microsoft.com/office/drawing/2010/main">
-        <mc:Choice Requires="a14">
+      <mc:AlternateContent xmlns:mc="http://schemas.openxmlformats.org/markup-compatibility/2006">
+        <mc:Choice xmlns:a14="http://schemas.microsoft.com/office/drawing/2010/main" Requires="a14">
           <p:sp>
             <p:nvSpPr>
               <p:cNvPr id="69" name="Ellipse 68">
@@ -5357,12 +5393,15 @@
                     </m:oMath>
                   </m:oMathPara>
                 </a14:m>
-                <a:endParaRPr lang="en-US" sz="3200" dirty="0"/>
+                <a:endParaRPr lang="en-US" sz="3200" dirty="0">
+                  <a:latin typeface="Times New Roman" panose="02020603050405020304" pitchFamily="18" charset="0"/>
+                  <a:cs typeface="Times New Roman" panose="02020603050405020304" pitchFamily="18" charset="0"/>
+                </a:endParaRPr>
               </a:p>
             </p:txBody>
           </p:sp>
         </mc:Choice>
-        <mc:Fallback xmlns="">
+        <mc:Fallback>
           <p:sp>
             <p:nvSpPr>
               <p:cNvPr id="69" name="Ellipse 68">
@@ -5456,7 +5495,10 @@
           <a:lstStyle/>
           <a:p>
             <a:pPr algn="ctr"/>
-            <a:endParaRPr lang="en-US"/>
+            <a:endParaRPr lang="en-US">
+              <a:latin typeface="Times New Roman" panose="02020603050405020304" pitchFamily="18" charset="0"/>
+              <a:cs typeface="Times New Roman" panose="02020603050405020304" pitchFamily="18" charset="0"/>
+            </a:endParaRPr>
           </a:p>
         </p:txBody>
       </p:sp>
@@ -5511,7 +5553,10 @@
           <a:lstStyle/>
           <a:p>
             <a:pPr algn="ctr"/>
-            <a:endParaRPr lang="en-US"/>
+            <a:endParaRPr lang="en-US">
+              <a:latin typeface="Times New Roman" panose="02020603050405020304" pitchFamily="18" charset="0"/>
+              <a:cs typeface="Times New Roman" panose="02020603050405020304" pitchFamily="18" charset="0"/>
+            </a:endParaRPr>
           </a:p>
         </p:txBody>
       </p:sp>
@@ -5592,7 +5637,10 @@
           <a:lstStyle/>
           <a:p>
             <a:r>
-              <a:rPr lang="en-US" dirty="0"/>
+              <a:rPr lang="en-US" dirty="0">
+                <a:latin typeface="Times New Roman" panose="02020603050405020304" pitchFamily="18" charset="0"/>
+                <a:cs typeface="Times New Roman" panose="02020603050405020304" pitchFamily="18" charset="0"/>
+              </a:rPr>
               <a:t>Added (N) and deleted (D) concepts</a:t>
             </a:r>
           </a:p>
